--- a/swoole.pptx
+++ b/swoole.pptx
@@ -5,15 +5,16 @@
     <p:sldMasterId id="2147483648" r:id="rId1"/>
   </p:sldMasterIdLst>
   <p:notesMasterIdLst>
-    <p:notesMasterId r:id="rId8"/>
+    <p:notesMasterId r:id="rId9"/>
   </p:notesMasterIdLst>
   <p:sldIdLst>
     <p:sldId id="256" r:id="rId2"/>
     <p:sldId id="257" r:id="rId3"/>
     <p:sldId id="264" r:id="rId4"/>
     <p:sldId id="263" r:id="rId5"/>
-    <p:sldId id="258" r:id="rId6"/>
+    <p:sldId id="266" r:id="rId6"/>
     <p:sldId id="265" r:id="rId7"/>
+    <p:sldId id="267" r:id="rId8"/>
   </p:sldIdLst>
   <p:sldSz cx="12192000" cy="6858000"/>
   <p:notesSz cx="6858000" cy="9144000"/>
@@ -202,7 +203,7 @@
           <a:p>
             <a:fld id="{6E58FB31-9C50-194A-A588-F7BD41C50EE1}" type="datetimeFigureOut">
               <a:rPr kumimoji="1" lang="zh-CN" altLang="en-US" smtClean="0"/>
-              <a:t>2018/4/11</a:t>
+              <a:t>2018/4/12</a:t>
             </a:fld>
             <a:endParaRPr kumimoji="1" lang="zh-CN" altLang="en-US"/>
           </a:p>
@@ -514,22 +515,21 @@
           <a:lstStyle/>
           <a:p>
             <a:r>
-              <a:rPr kumimoji="1" lang="en-US" altLang="zh-CN" dirty="0" err="1" smtClean="0"/>
-              <a:t>Pcnttl_fork</a:t>
-            </a:r>
-            <a:r>
-              <a:rPr kumimoji="1" lang="zh-CN" altLang="en-US" dirty="0" smtClean="0"/>
+              <a:rPr kumimoji="1" lang="en-US" altLang="zh-CN" dirty="0" err="1"/>
+              <a:t>pcntl_fork</a:t>
+            </a:r>
+            <a:r>
+              <a:rPr kumimoji="1" lang="zh-CN" altLang="en-US" dirty="0"/>
               <a:t> 不适应</a:t>
             </a:r>
             <a:r>
-              <a:rPr kumimoji="1" lang="en-US" altLang="zh-CN" dirty="0" smtClean="0"/>
+              <a:rPr kumimoji="1" lang="en-US" altLang="zh-CN" dirty="0"/>
               <a:t>windows</a:t>
             </a:r>
             <a:r>
-              <a:rPr kumimoji="1" lang="zh-CN" altLang="en-US" dirty="0" smtClean="0"/>
+              <a:rPr kumimoji="1" lang="zh-CN" altLang="en-US" dirty="0"/>
               <a:t>平台，并且使用复杂繁琐</a:t>
             </a:r>
-            <a:endParaRPr kumimoji="1" lang="zh-CN" altLang="en-US" dirty="0"/>
           </a:p>
         </p:txBody>
       </p:sp>
@@ -614,22 +614,21 @@
           <a:lstStyle/>
           <a:p>
             <a:r>
-              <a:rPr kumimoji="1" lang="en-US" altLang="zh-CN" dirty="0" err="1" smtClean="0"/>
+              <a:rPr kumimoji="1" lang="en-US" altLang="zh-CN" dirty="0" err="1"/>
               <a:t>Pcnttl_fork</a:t>
             </a:r>
             <a:r>
-              <a:rPr kumimoji="1" lang="zh-CN" altLang="en-US" dirty="0" smtClean="0"/>
+              <a:rPr kumimoji="1" lang="zh-CN" altLang="en-US" dirty="0"/>
               <a:t> 不适应</a:t>
             </a:r>
             <a:r>
-              <a:rPr kumimoji="1" lang="en-US" altLang="zh-CN" dirty="0" smtClean="0"/>
+              <a:rPr kumimoji="1" lang="en-US" altLang="zh-CN" dirty="0"/>
               <a:t>windows</a:t>
             </a:r>
             <a:r>
-              <a:rPr kumimoji="1" lang="zh-CN" altLang="en-US" dirty="0" smtClean="0"/>
+              <a:rPr kumimoji="1" lang="zh-CN" altLang="en-US" dirty="0"/>
               <a:t>平台，并且使用复杂繁琐</a:t>
             </a:r>
-            <a:endParaRPr kumimoji="1" lang="zh-CN" altLang="en-US" dirty="0"/>
           </a:p>
         </p:txBody>
       </p:sp>
@@ -827,7 +826,7 @@
     </p:spTree>
     <p:extLst>
       <p:ext uri="{BB962C8B-B14F-4D97-AF65-F5344CB8AC3E}">
-        <p14:creationId xmlns:p14="http://schemas.microsoft.com/office/powerpoint/2010/main" val="1101623549"/>
+        <p14:creationId xmlns:p14="http://schemas.microsoft.com/office/powerpoint/2010/main" val="1968753789"/>
       </p:ext>
     </p:extLst>
   </p:cSld>
@@ -882,22 +881,21 @@
           <a:lstStyle/>
           <a:p>
             <a:r>
-              <a:rPr kumimoji="1" lang="en-US" altLang="zh-CN" dirty="0" err="1" smtClean="0"/>
+              <a:rPr kumimoji="1" lang="en-US" altLang="zh-CN" dirty="0" err="1"/>
               <a:t>Pcnttl_fork</a:t>
             </a:r>
             <a:r>
-              <a:rPr kumimoji="1" lang="zh-CN" altLang="en-US" dirty="0" smtClean="0"/>
+              <a:rPr kumimoji="1" lang="zh-CN" altLang="en-US" dirty="0"/>
               <a:t> 不适应</a:t>
             </a:r>
             <a:r>
-              <a:rPr kumimoji="1" lang="en-US" altLang="zh-CN" dirty="0" smtClean="0"/>
+              <a:rPr kumimoji="1" lang="en-US" altLang="zh-CN" dirty="0"/>
               <a:t>windows</a:t>
             </a:r>
             <a:r>
-              <a:rPr kumimoji="1" lang="zh-CN" altLang="en-US" dirty="0" smtClean="0"/>
+              <a:rPr kumimoji="1" lang="zh-CN" altLang="en-US" dirty="0"/>
               <a:t>平台，并且使用复杂繁琐</a:t>
             </a:r>
-            <a:endParaRPr kumimoji="1" lang="zh-CN" altLang="en-US" dirty="0"/>
           </a:p>
         </p:txBody>
       </p:sp>
@@ -928,6 +926,105 @@
     <p:extLst>
       <p:ext uri="{BB962C8B-B14F-4D97-AF65-F5344CB8AC3E}">
         <p14:creationId xmlns:p14="http://schemas.microsoft.com/office/powerpoint/2010/main" val="1412604907"/>
+      </p:ext>
+    </p:extLst>
+  </p:cSld>
+  <p:clrMapOvr>
+    <a:masterClrMapping/>
+  </p:clrMapOvr>
+</p:notes>
+</file>
+
+<file path=ppt/notesSlides/notesSlide6.xml><?xml version="1.0" encoding="utf-8"?>
+<p:notes xmlns:a="http://schemas.openxmlformats.org/drawingml/2006/main" xmlns:r="http://schemas.openxmlformats.org/officeDocument/2006/relationships" xmlns:p="http://schemas.openxmlformats.org/presentationml/2006/main">
+  <p:cSld>
+    <p:spTree>
+      <p:nvGrpSpPr>
+        <p:cNvPr id="1" name=""/>
+        <p:cNvGrpSpPr/>
+        <p:nvPr/>
+      </p:nvGrpSpPr>
+      <p:grpSpPr>
+        <a:xfrm>
+          <a:off x="0" y="0"/>
+          <a:ext cx="0" cy="0"/>
+          <a:chOff x="0" y="0"/>
+          <a:chExt cx="0" cy="0"/>
+        </a:xfrm>
+      </p:grpSpPr>
+      <p:sp>
+        <p:nvSpPr>
+          <p:cNvPr id="2" name="幻灯片图像占位符 1"/>
+          <p:cNvSpPr>
+            <a:spLocks noGrp="1" noRot="1" noChangeAspect="1"/>
+          </p:cNvSpPr>
+          <p:nvPr>
+            <p:ph type="sldImg"/>
+          </p:nvPr>
+        </p:nvSpPr>
+        <p:spPr/>
+      </p:sp>
+      <p:sp>
+        <p:nvSpPr>
+          <p:cNvPr id="3" name="备注占位符 2"/>
+          <p:cNvSpPr>
+            <a:spLocks noGrp="1"/>
+          </p:cNvSpPr>
+          <p:nvPr>
+            <p:ph type="body" idx="1"/>
+          </p:nvPr>
+        </p:nvSpPr>
+        <p:spPr/>
+        <p:txBody>
+          <a:bodyPr/>
+          <a:lstStyle/>
+          <a:p>
+            <a:r>
+              <a:rPr kumimoji="1" lang="en-US" altLang="zh-CN" dirty="0" err="1"/>
+              <a:t>Pcnttl_fork</a:t>
+            </a:r>
+            <a:r>
+              <a:rPr kumimoji="1" lang="zh-CN" altLang="en-US" dirty="0"/>
+              <a:t> 不适应</a:t>
+            </a:r>
+            <a:r>
+              <a:rPr kumimoji="1" lang="en-US" altLang="zh-CN" dirty="0"/>
+              <a:t>windows</a:t>
+            </a:r>
+            <a:r>
+              <a:rPr kumimoji="1" lang="zh-CN" altLang="en-US" dirty="0"/>
+              <a:t>平台，并且使用复杂繁琐</a:t>
+            </a:r>
+          </a:p>
+        </p:txBody>
+      </p:sp>
+      <p:sp>
+        <p:nvSpPr>
+          <p:cNvPr id="4" name="幻灯片编号占位符 3"/>
+          <p:cNvSpPr>
+            <a:spLocks noGrp="1"/>
+          </p:cNvSpPr>
+          <p:nvPr>
+            <p:ph type="sldNum" sz="quarter" idx="10"/>
+          </p:nvPr>
+        </p:nvSpPr>
+        <p:spPr/>
+        <p:txBody>
+          <a:bodyPr/>
+          <a:lstStyle/>
+          <a:p>
+            <a:fld id="{E80D2DFD-B107-F948-8AE7-D211D61A3CE1}" type="slidenum">
+              <a:rPr kumimoji="1" lang="zh-CN" altLang="en-US" smtClean="0"/>
+              <a:t>7</a:t>
+            </a:fld>
+            <a:endParaRPr kumimoji="1" lang="zh-CN" altLang="en-US"/>
+          </a:p>
+        </p:txBody>
+      </p:sp>
+    </p:spTree>
+    <p:extLst>
+      <p:ext uri="{BB962C8B-B14F-4D97-AF65-F5344CB8AC3E}">
+        <p14:creationId xmlns:p14="http://schemas.microsoft.com/office/powerpoint/2010/main" val="3990793226"/>
       </p:ext>
     </p:extLst>
   </p:cSld>
@@ -1108,7 +1205,7 @@
           <a:p>
             <a:fld id="{48A87A34-81AB-432B-8DAE-1953F412C126}" type="datetimeFigureOut">
               <a:rPr lang="en-US" dirty="0"/>
-              <a:t>4/11/18</a:t>
+              <a:t>4/12/2018</a:t>
             </a:fld>
             <a:endParaRPr lang="en-US" dirty="0"/>
           </a:p>
@@ -1415,7 +1512,7 @@
           <a:p>
             <a:fld id="{48A87A34-81AB-432B-8DAE-1953F412C126}" type="datetimeFigureOut">
               <a:rPr lang="en-US" dirty="0"/>
-              <a:t>4/11/18</a:t>
+              <a:t>4/12/2018</a:t>
             </a:fld>
             <a:endParaRPr lang="en-US" dirty="0"/>
           </a:p>
@@ -1632,7 +1729,7 @@
           <a:p>
             <a:fld id="{48A87A34-81AB-432B-8DAE-1953F412C126}" type="datetimeFigureOut">
               <a:rPr lang="en-US" dirty="0"/>
-              <a:t>4/11/18</a:t>
+              <a:t>4/12/2018</a:t>
             </a:fld>
             <a:endParaRPr lang="en-US" dirty="0"/>
           </a:p>
@@ -1918,7 +2015,7 @@
           <a:p>
             <a:fld id="{48A87A34-81AB-432B-8DAE-1953F412C126}" type="datetimeFigureOut">
               <a:rPr lang="en-US" dirty="0"/>
-              <a:t>4/11/18</a:t>
+              <a:t>4/12/2018</a:t>
             </a:fld>
             <a:endParaRPr lang="en-US" dirty="0"/>
           </a:p>
@@ -2367,7 +2464,7 @@
           <a:p>
             <a:fld id="{48A87A34-81AB-432B-8DAE-1953F412C126}" type="datetimeFigureOut">
               <a:rPr lang="en-US" dirty="0"/>
-              <a:t>4/11/18</a:t>
+              <a:t>4/12/2018</a:t>
             </a:fld>
             <a:endParaRPr lang="en-US" dirty="0"/>
           </a:p>
@@ -2938,7 +3035,7 @@
           <a:p>
             <a:fld id="{48A87A34-81AB-432B-8DAE-1953F412C126}" type="datetimeFigureOut">
               <a:rPr lang="en-US" dirty="0"/>
-              <a:t>4/11/18</a:t>
+              <a:t>4/12/2018</a:t>
             </a:fld>
             <a:endParaRPr lang="en-US" dirty="0"/>
           </a:p>
@@ -3785,7 +3882,7 @@
           <a:p>
             <a:fld id="{48A87A34-81AB-432B-8DAE-1953F412C126}" type="datetimeFigureOut">
               <a:rPr lang="en-US" dirty="0"/>
-              <a:t>4/11/18</a:t>
+              <a:t>4/12/2018</a:t>
             </a:fld>
             <a:endParaRPr lang="en-US" dirty="0"/>
           </a:p>
@@ -3985,7 +4082,7 @@
           <a:p>
             <a:fld id="{48A87A34-81AB-432B-8DAE-1953F412C126}" type="datetimeFigureOut">
               <a:rPr lang="en-US" dirty="0"/>
-              <a:t>4/11/18</a:t>
+              <a:t>4/12/2018</a:t>
             </a:fld>
             <a:endParaRPr lang="en-US" dirty="0"/>
           </a:p>
@@ -4194,7 +4291,7 @@
           <a:p>
             <a:fld id="{48A87A34-81AB-432B-8DAE-1953F412C126}" type="datetimeFigureOut">
               <a:rPr lang="en-US" dirty="0"/>
-              <a:t>4/11/18</a:t>
+              <a:t>4/12/2018</a:t>
             </a:fld>
             <a:endParaRPr lang="en-US" dirty="0"/>
           </a:p>
@@ -4394,7 +4491,7 @@
           <a:p>
             <a:fld id="{48A87A34-81AB-432B-8DAE-1953F412C126}" type="datetimeFigureOut">
               <a:rPr lang="en-US" dirty="0"/>
-              <a:t>4/11/18</a:t>
+              <a:t>4/12/2018</a:t>
             </a:fld>
             <a:endParaRPr lang="en-US" dirty="0"/>
           </a:p>
@@ -4669,7 +4766,7 @@
           <a:p>
             <a:fld id="{48A87A34-81AB-432B-8DAE-1953F412C126}" type="datetimeFigureOut">
               <a:rPr lang="en-US" dirty="0"/>
-              <a:t>4/11/18</a:t>
+              <a:t>4/12/2018</a:t>
             </a:fld>
             <a:endParaRPr lang="en-US" dirty="0"/>
           </a:p>
@@ -4931,7 +5028,7 @@
           <a:p>
             <a:fld id="{48A87A34-81AB-432B-8DAE-1953F412C126}" type="datetimeFigureOut">
               <a:rPr lang="en-US" dirty="0"/>
-              <a:t>4/11/18</a:t>
+              <a:t>4/12/2018</a:t>
             </a:fld>
             <a:endParaRPr lang="en-US" dirty="0"/>
           </a:p>
@@ -5341,7 +5438,7 @@
           <a:p>
             <a:fld id="{48A87A34-81AB-432B-8DAE-1953F412C126}" type="datetimeFigureOut">
               <a:rPr lang="en-US" dirty="0"/>
-              <a:t>4/11/18</a:t>
+              <a:t>4/12/2018</a:t>
             </a:fld>
             <a:endParaRPr lang="en-US" dirty="0"/>
           </a:p>
@@ -5484,7 +5581,7 @@
           <a:p>
             <a:fld id="{48A87A34-81AB-432B-8DAE-1953F412C126}" type="datetimeFigureOut">
               <a:rPr lang="en-US" dirty="0"/>
-              <a:t>4/11/18</a:t>
+              <a:t>4/12/2018</a:t>
             </a:fld>
             <a:endParaRPr lang="en-US" dirty="0"/>
           </a:p>
@@ -5604,7 +5701,7 @@
           <a:p>
             <a:fld id="{48A87A34-81AB-432B-8DAE-1953F412C126}" type="datetimeFigureOut">
               <a:rPr lang="en-US" dirty="0"/>
-              <a:t>4/11/18</a:t>
+              <a:t>4/12/2018</a:t>
             </a:fld>
             <a:endParaRPr lang="en-US" dirty="0"/>
           </a:p>
@@ -5878,7 +5975,7 @@
           <a:p>
             <a:fld id="{48A87A34-81AB-432B-8DAE-1953F412C126}" type="datetimeFigureOut">
               <a:rPr lang="en-US" dirty="0"/>
-              <a:t>4/11/18</a:t>
+              <a:t>4/12/2018</a:t>
             </a:fld>
             <a:endParaRPr lang="en-US" dirty="0"/>
           </a:p>
@@ -6185,7 +6282,7 @@
           <a:p>
             <a:fld id="{48A87A34-81AB-432B-8DAE-1953F412C126}" type="datetimeFigureOut">
               <a:rPr lang="en-US" dirty="0"/>
-              <a:t>4/11/18</a:t>
+              <a:t>4/12/2018</a:t>
             </a:fld>
             <a:endParaRPr lang="en-US" dirty="0"/>
           </a:p>
@@ -6434,7 +6531,7 @@
             <a:fld id="{48A87A34-81AB-432B-8DAE-1953F412C126}" type="datetimeFigureOut">
               <a:rPr lang="en-US" dirty="0"/>
               <a:pPr/>
-              <a:t>4/11/18</a:t>
+              <a:t>4/12/2018</a:t>
             </a:fld>
             <a:endParaRPr lang="en-US" dirty="0"/>
           </a:p>
@@ -6927,7 +7024,7 @@
           <a:p>
             <a:r>
               <a:rPr kumimoji="1" lang="zh-CN" altLang="en-US" dirty="0"/>
-              <a:t>马雄飞</a:t>
+              <a:t> 马雄飞</a:t>
             </a:r>
           </a:p>
         </p:txBody>
@@ -7012,29 +7109,29 @@
               </a:lnSpc>
             </a:pPr>
             <a:r>
-              <a:rPr kumimoji="1" lang="en-US" altLang="zh-CN" sz="2400" b="1" dirty="0" err="1" smtClean="0">
-                <a:latin typeface="SimHei" charset="-122"/>
+              <a:rPr kumimoji="1" lang="en-US" altLang="zh-CN" sz="2400" b="1" dirty="0" err="1">
+                <a:latin typeface="Source Code Pro Medium" panose="020B0509030403020204" pitchFamily="49" charset="0"/>
+                <a:ea typeface="Source Code Pro Medium" panose="020B0509030403020204" pitchFamily="49" charset="0"/>
+                <a:cs typeface="SimHei" charset="-122"/>
+              </a:rPr>
+              <a:t>Swoole</a:t>
+            </a:r>
+            <a:r>
+              <a:rPr kumimoji="1" lang="zh-CN" altLang="en-US" sz="2400" b="1" dirty="0">
+                <a:latin typeface="Source Code Pro Medium" panose="020B0509030403020204" pitchFamily="49" charset="0"/>
                 <a:ea typeface="SimHei" charset="-122"/>
                 <a:cs typeface="SimHei" charset="-122"/>
               </a:rPr>
-              <a:t>Swoole</a:t>
-            </a:r>
-            <a:r>
-              <a:rPr kumimoji="1" lang="zh-CN" altLang="en-US" sz="2400" b="1" dirty="0" smtClean="0">
-                <a:latin typeface="SimHei" charset="-122"/>
-                <a:ea typeface="SimHei" charset="-122"/>
-                <a:cs typeface="SimHei" charset="-122"/>
-              </a:rPr>
               <a:t>的一些概念</a:t>
             </a:r>
             <a:endParaRPr kumimoji="1" lang="en-US" altLang="zh-CN" sz="2400" b="1" dirty="0">
-              <a:latin typeface="SimHei" charset="-122"/>
-              <a:ea typeface="SimHei" charset="-122"/>
+              <a:latin typeface="Source Code Pro Medium" panose="020B0509030403020204" pitchFamily="49" charset="0"/>
+              <a:ea typeface="Source Code Pro Medium" panose="020B0509030403020204" pitchFamily="49" charset="0"/>
               <a:cs typeface="SimHei" charset="-122"/>
             </a:endParaRPr>
           </a:p>
           <a:p>
-            <a:endParaRPr kumimoji="1" lang="en-US" altLang="zh-CN" dirty="0" smtClean="0"/>
+            <a:endParaRPr kumimoji="1" lang="en-US" altLang="zh-CN" dirty="0"/>
           </a:p>
           <a:p>
             <a:pPr>
@@ -7043,48 +7140,32 @@
               </a:lnSpc>
             </a:pPr>
             <a:r>
-              <a:rPr lang="en-US" altLang="zh-CN" dirty="0" smtClean="0">
-                <a:latin typeface="SimHei" charset="-122"/>
+              <a:rPr lang="en-US" altLang="zh-CN" dirty="0">
+                <a:latin typeface="Source Code Pro Medium" panose="020B0509030403020204" pitchFamily="49" charset="0"/>
+                <a:ea typeface="Source Code Pro Medium" panose="020B0509030403020204" pitchFamily="49" charset="0"/>
+                <a:cs typeface="SimHei" charset="-122"/>
+              </a:rPr>
+              <a:t>1.PHP</a:t>
+            </a:r>
+            <a:r>
+              <a:rPr lang="zh-CN" altLang="en-US" dirty="0">
+                <a:latin typeface="Source Code Pro Medium" panose="020B0509030403020204" pitchFamily="49" charset="0"/>
                 <a:ea typeface="SimHei" charset="-122"/>
                 <a:cs typeface="SimHei" charset="-122"/>
               </a:rPr>
-              <a:t>1.PHP</a:t>
-            </a:r>
-            <a:r>
-              <a:rPr lang="zh-CN" altLang="en-US" dirty="0" smtClean="0">
-                <a:latin typeface="SimHei" charset="-122"/>
-                <a:ea typeface="SimHei" charset="-122"/>
+              <a:t>是单进程的，没法在一个程序块中使用多进程来处理一个复杂的逻辑，暂时忽略鸡肋的</a:t>
+            </a:r>
+            <a:r>
+              <a:rPr lang="en-US" altLang="zh-CN" dirty="0" err="1">
+                <a:latin typeface="Source Code Pro Medium" panose="020B0509030403020204" pitchFamily="49" charset="0"/>
+                <a:ea typeface="Source Code Pro Medium" panose="020B0509030403020204" pitchFamily="49" charset="0"/>
                 <a:cs typeface="SimHei" charset="-122"/>
               </a:rPr>
-              <a:t>是</a:t>
-            </a:r>
-            <a:r>
-              <a:rPr lang="zh-CN" altLang="en-US" dirty="0">
-                <a:latin typeface="SimHei" charset="-122"/>
-                <a:ea typeface="SimHei" charset="-122"/>
-                <a:cs typeface="SimHei" charset="-122"/>
-              </a:rPr>
-              <a:t>单进程</a:t>
-            </a:r>
-            <a:r>
-              <a:rPr lang="zh-CN" altLang="en-US" dirty="0" smtClean="0">
-                <a:latin typeface="SimHei" charset="-122"/>
-                <a:ea typeface="SimHei" charset="-122"/>
-                <a:cs typeface="SimHei" charset="-122"/>
-              </a:rPr>
-              <a:t>的，没法在一个程序块中使用多进程来处理一个复杂的逻辑，暂时忽略鸡肋的</a:t>
-            </a:r>
-            <a:r>
-              <a:rPr lang="en-US" altLang="zh-CN" dirty="0" err="1" smtClean="0">
-                <a:latin typeface="SimHei" charset="-122"/>
-                <a:ea typeface="SimHei" charset="-122"/>
-                <a:cs typeface="SimHei" charset="-122"/>
-              </a:rPr>
               <a:t>pcntl_fork</a:t>
             </a:r>
-            <a:endParaRPr lang="en-US" altLang="zh-CN" dirty="0" smtClean="0">
-              <a:latin typeface="SimHei" charset="-122"/>
-              <a:ea typeface="SimHei" charset="-122"/>
+            <a:endParaRPr lang="en-US" altLang="zh-CN" dirty="0">
+              <a:latin typeface="Source Code Pro Medium" panose="020B0509030403020204" pitchFamily="49" charset="0"/>
+              <a:ea typeface="Source Code Pro Medium" panose="020B0509030403020204" pitchFamily="49" charset="0"/>
               <a:cs typeface="SimHei" charset="-122"/>
             </a:endParaRPr>
           </a:p>
@@ -7095,40 +7176,40 @@
               </a:lnSpc>
             </a:pPr>
             <a:r>
-              <a:rPr kumimoji="1" lang="en-US" altLang="zh-CN" dirty="0" smtClean="0">
-                <a:latin typeface="SimHei" charset="-122"/>
+              <a:rPr kumimoji="1" lang="en-US" altLang="zh-CN" dirty="0">
+                <a:latin typeface="Source Code Pro Medium" panose="020B0509030403020204" pitchFamily="49" charset="0"/>
+                <a:ea typeface="Source Code Pro Medium" panose="020B0509030403020204" pitchFamily="49" charset="0"/>
+                <a:cs typeface="SimHei" charset="-122"/>
+              </a:rPr>
+              <a:t>2.PHP</a:t>
+            </a:r>
+            <a:r>
+              <a:rPr kumimoji="1" lang="zh-CN" altLang="en-US" dirty="0">
+                <a:latin typeface="Source Code Pro Medium" panose="020B0509030403020204" pitchFamily="49" charset="0"/>
                 <a:ea typeface="SimHei" charset="-122"/>
                 <a:cs typeface="SimHei" charset="-122"/>
               </a:rPr>
-              <a:t>2.PHP</a:t>
-            </a:r>
-            <a:r>
-              <a:rPr kumimoji="1" lang="zh-CN" altLang="en-US" dirty="0" smtClean="0">
-                <a:latin typeface="SimHei" charset="-122"/>
+              <a:t>不支持异步</a:t>
+            </a:r>
+            <a:r>
+              <a:rPr kumimoji="1" lang="en-US" altLang="zh-CN" dirty="0">
+                <a:latin typeface="Source Code Pro Medium" panose="020B0509030403020204" pitchFamily="49" charset="0"/>
+                <a:ea typeface="Source Code Pro Medium" panose="020B0509030403020204" pitchFamily="49" charset="0"/>
+                <a:cs typeface="SimHei" charset="-122"/>
+              </a:rPr>
+              <a:t>,</a:t>
+            </a:r>
+            <a:r>
+              <a:rPr kumimoji="1" lang="zh-CN" altLang="en-US" dirty="0">
+                <a:latin typeface="Source Code Pro Medium" panose="020B0509030403020204" pitchFamily="49" charset="0"/>
                 <a:ea typeface="SimHei" charset="-122"/>
                 <a:cs typeface="SimHei" charset="-122"/>
               </a:rPr>
-              <a:t>不支持异步</a:t>
-            </a:r>
-            <a:r>
-              <a:rPr kumimoji="1" lang="en-US" altLang="zh-CN" dirty="0" smtClean="0">
-                <a:latin typeface="SimHei" charset="-122"/>
-                <a:ea typeface="SimHei" charset="-122"/>
-                <a:cs typeface="SimHei" charset="-122"/>
-              </a:rPr>
-              <a:t>,</a:t>
-            </a:r>
-            <a:r>
-              <a:rPr kumimoji="1" lang="zh-CN" altLang="en-US" dirty="0" smtClean="0">
-                <a:latin typeface="SimHei" charset="-122"/>
-                <a:ea typeface="SimHei" charset="-122"/>
-                <a:cs typeface="SimHei" charset="-122"/>
-              </a:rPr>
               <a:t>在处理高并发高负载的请求时会力不从心</a:t>
             </a:r>
-            <a:endParaRPr kumimoji="1" lang="en-US" altLang="zh-CN" dirty="0" smtClean="0">
-              <a:latin typeface="SimHei" charset="-122"/>
-              <a:ea typeface="SimHei" charset="-122"/>
+            <a:endParaRPr kumimoji="1" lang="en-US" altLang="zh-CN" dirty="0">
+              <a:latin typeface="Source Code Pro Medium" panose="020B0509030403020204" pitchFamily="49" charset="0"/>
+              <a:ea typeface="Source Code Pro Medium" panose="020B0509030403020204" pitchFamily="49" charset="0"/>
               <a:cs typeface="SimHei" charset="-122"/>
             </a:endParaRPr>
           </a:p>
@@ -7139,56 +7220,56 @@
               </a:lnSpc>
             </a:pPr>
             <a:r>
-              <a:rPr kumimoji="1" lang="en-US" altLang="zh-CN" dirty="0" smtClean="0">
-                <a:latin typeface="SimHei" charset="-122"/>
+              <a:rPr kumimoji="1" lang="en-US" altLang="zh-CN" dirty="0">
+                <a:latin typeface="Source Code Pro Medium" panose="020B0509030403020204" pitchFamily="49" charset="0"/>
+                <a:ea typeface="Source Code Pro Medium" panose="020B0509030403020204" pitchFamily="49" charset="0"/>
+                <a:cs typeface="SimHei" charset="-122"/>
+              </a:rPr>
+              <a:t>3.PHP</a:t>
+            </a:r>
+            <a:r>
+              <a:rPr kumimoji="1" lang="zh-CN" altLang="en-US" dirty="0">
+                <a:latin typeface="Source Code Pro Medium" panose="020B0509030403020204" pitchFamily="49" charset="0"/>
                 <a:ea typeface="SimHei" charset="-122"/>
                 <a:cs typeface="SimHei" charset="-122"/>
               </a:rPr>
-              <a:t>3.PHP</a:t>
-            </a:r>
-            <a:r>
-              <a:rPr kumimoji="1" lang="zh-CN" altLang="en-US" dirty="0" smtClean="0">
-                <a:latin typeface="SimHei" charset="-122"/>
+              <a:t>不适合做</a:t>
+            </a:r>
+            <a:r>
+              <a:rPr kumimoji="1" lang="en-US" altLang="zh-CN" dirty="0">
+                <a:latin typeface="Source Code Pro Medium" panose="020B0509030403020204" pitchFamily="49" charset="0"/>
+                <a:ea typeface="Source Code Pro Medium" panose="020B0509030403020204" pitchFamily="49" charset="0"/>
+                <a:cs typeface="SimHei" charset="-122"/>
+              </a:rPr>
+              <a:t>TCP</a:t>
+            </a:r>
+            <a:r>
+              <a:rPr kumimoji="1" lang="zh-CN" altLang="en-US" dirty="0">
+                <a:latin typeface="Source Code Pro Medium" panose="020B0509030403020204" pitchFamily="49" charset="0"/>
                 <a:ea typeface="SimHei" charset="-122"/>
                 <a:cs typeface="SimHei" charset="-122"/>
               </a:rPr>
-              <a:t>不适合做</a:t>
-            </a:r>
-            <a:r>
-              <a:rPr kumimoji="1" lang="en-US" altLang="zh-CN" dirty="0" smtClean="0">
-                <a:latin typeface="SimHei" charset="-122"/>
+              <a:t>，</a:t>
+            </a:r>
+            <a:r>
+              <a:rPr kumimoji="1" lang="en-US" altLang="zh-CN" dirty="0">
+                <a:latin typeface="Source Code Pro Medium" panose="020B0509030403020204" pitchFamily="49" charset="0"/>
+                <a:ea typeface="Source Code Pro Medium" panose="020B0509030403020204" pitchFamily="49" charset="0"/>
+                <a:cs typeface="SimHei" charset="-122"/>
+              </a:rPr>
+              <a:t>Socket</a:t>
+            </a:r>
+            <a:r>
+              <a:rPr kumimoji="1" lang="zh-CN" altLang="en-US" dirty="0">
+                <a:latin typeface="Source Code Pro Medium" panose="020B0509030403020204" pitchFamily="49" charset="0"/>
                 <a:ea typeface="SimHei" charset="-122"/>
                 <a:cs typeface="SimHei" charset="-122"/>
               </a:rPr>
-              <a:t>TCP</a:t>
-            </a:r>
-            <a:r>
-              <a:rPr kumimoji="1" lang="zh-CN" altLang="en-US" dirty="0" smtClean="0">
-                <a:latin typeface="SimHei" charset="-122"/>
-                <a:ea typeface="SimHei" charset="-122"/>
-                <a:cs typeface="SimHei" charset="-122"/>
-              </a:rPr>
-              <a:t>，</a:t>
-            </a:r>
-            <a:r>
-              <a:rPr kumimoji="1" lang="en-US" altLang="zh-CN" dirty="0" smtClean="0">
-                <a:latin typeface="SimHei" charset="-122"/>
-                <a:ea typeface="SimHei" charset="-122"/>
-                <a:cs typeface="SimHei" charset="-122"/>
-              </a:rPr>
-              <a:t>Socket</a:t>
-            </a:r>
-            <a:r>
-              <a:rPr kumimoji="1" lang="zh-CN" altLang="en-US" dirty="0" smtClean="0">
-                <a:latin typeface="SimHei" charset="-122"/>
-                <a:ea typeface="SimHei" charset="-122"/>
-                <a:cs typeface="SimHei" charset="-122"/>
-              </a:rPr>
               <a:t>之类的长连接。</a:t>
             </a:r>
-            <a:endParaRPr kumimoji="1" lang="en-US" altLang="zh-CN" dirty="0" smtClean="0">
-              <a:latin typeface="SimHei" charset="-122"/>
-              <a:ea typeface="SimHei" charset="-122"/>
+            <a:endParaRPr kumimoji="1" lang="en-US" altLang="zh-CN" dirty="0">
+              <a:latin typeface="Source Code Pro Medium" panose="020B0509030403020204" pitchFamily="49" charset="0"/>
+              <a:ea typeface="Source Code Pro Medium" panose="020B0509030403020204" pitchFamily="49" charset="0"/>
               <a:cs typeface="SimHei" charset="-122"/>
             </a:endParaRPr>
           </a:p>
@@ -7199,8 +7280,8 @@
               </a:lnSpc>
             </a:pPr>
             <a:endParaRPr kumimoji="1" lang="en-US" altLang="zh-CN" dirty="0">
-              <a:latin typeface="SimHei" charset="-122"/>
-              <a:ea typeface="SimHei" charset="-122"/>
+              <a:latin typeface="Source Code Pro Medium" panose="020B0509030403020204" pitchFamily="49" charset="0"/>
+              <a:ea typeface="Source Code Pro Medium" panose="020B0509030403020204" pitchFamily="49" charset="0"/>
               <a:cs typeface="SimHei" charset="-122"/>
             </a:endParaRPr>
           </a:p>
@@ -7211,96 +7292,88 @@
               </a:lnSpc>
             </a:pPr>
             <a:r>
-              <a:rPr kumimoji="1" lang="zh-CN" altLang="en-US" dirty="0" smtClean="0">
-                <a:latin typeface="SimHei" charset="-122"/>
+              <a:rPr kumimoji="1" lang="zh-CN" altLang="en-US" dirty="0">
+                <a:latin typeface="Source Code Pro Medium" panose="020B0509030403020204" pitchFamily="49" charset="0"/>
                 <a:ea typeface="SimHei" charset="-122"/>
                 <a:cs typeface="SimHei" charset="-122"/>
               </a:rPr>
               <a:t>对于以上问题有没有一种很好的解决办法，那么就是</a:t>
             </a:r>
             <a:r>
-              <a:rPr kumimoji="1" lang="en-US" altLang="zh-CN" dirty="0" err="1" smtClean="0">
-                <a:latin typeface="SimHei" charset="-122"/>
+              <a:rPr kumimoji="1" lang="en-US" altLang="zh-CN" dirty="0" err="1">
+                <a:latin typeface="Source Code Pro Medium" panose="020B0509030403020204" pitchFamily="49" charset="0"/>
+                <a:ea typeface="Source Code Pro Medium" panose="020B0509030403020204" pitchFamily="49" charset="0"/>
+                <a:cs typeface="SimHei" charset="-122"/>
+              </a:rPr>
+              <a:t>Swoole</a:t>
+            </a:r>
+            <a:r>
+              <a:rPr kumimoji="1" lang="zh-CN" altLang="en-US" dirty="0">
+                <a:latin typeface="Source Code Pro Medium" panose="020B0509030403020204" pitchFamily="49" charset="0"/>
                 <a:ea typeface="SimHei" charset="-122"/>
                 <a:cs typeface="SimHei" charset="-122"/>
               </a:rPr>
+              <a:t>的诞生；</a:t>
+            </a:r>
+            <a:r>
+              <a:rPr kumimoji="1" lang="en-US" altLang="zh-CN" dirty="0" err="1">
+                <a:latin typeface="Source Code Pro Medium" panose="020B0509030403020204" pitchFamily="49" charset="0"/>
+                <a:ea typeface="Source Code Pro Medium" panose="020B0509030403020204" pitchFamily="49" charset="0"/>
+                <a:cs typeface="SimHei" charset="-122"/>
+              </a:rPr>
               <a:t>Swoole</a:t>
             </a:r>
             <a:r>
-              <a:rPr kumimoji="1" lang="zh-CN" altLang="en-US" dirty="0" smtClean="0">
-                <a:latin typeface="SimHei" charset="-122"/>
+              <a:rPr kumimoji="1" lang="zh-CN" altLang="en-US" dirty="0">
+                <a:latin typeface="Source Code Pro Medium" panose="020B0509030403020204" pitchFamily="49" charset="0"/>
                 <a:ea typeface="SimHei" charset="-122"/>
                 <a:cs typeface="SimHei" charset="-122"/>
               </a:rPr>
-              <a:t>的诞生；</a:t>
-            </a:r>
-            <a:r>
-              <a:rPr kumimoji="1" lang="en-US" altLang="zh-CN" dirty="0" err="1" smtClean="0">
-                <a:latin typeface="SimHei" charset="-122"/>
+              <a:t>的诞生能让</a:t>
+            </a:r>
+            <a:r>
+              <a:rPr kumimoji="1" lang="en-US" altLang="zh-CN" dirty="0">
+                <a:latin typeface="Source Code Pro Medium" panose="020B0509030403020204" pitchFamily="49" charset="0"/>
+                <a:ea typeface="Source Code Pro Medium" panose="020B0509030403020204" pitchFamily="49" charset="0"/>
+                <a:cs typeface="SimHei" charset="-122"/>
+              </a:rPr>
+              <a:t>PHP</a:t>
+            </a:r>
+            <a:r>
+              <a:rPr lang="zh-CN" altLang="en-US" dirty="0">
+                <a:latin typeface="Source Code Pro Medium" panose="020B0509030403020204" pitchFamily="49" charset="0"/>
                 <a:ea typeface="SimHei" charset="-122"/>
                 <a:cs typeface="SimHei" charset="-122"/>
               </a:rPr>
-              <a:t>Swoole</a:t>
-            </a:r>
-            <a:r>
-              <a:rPr kumimoji="1" lang="zh-CN" altLang="en-US" dirty="0" smtClean="0">
-                <a:latin typeface="SimHei" charset="-122"/>
+              <a:t>很好的支持异步、异步、简单的使用</a:t>
+            </a:r>
+            <a:r>
+              <a:rPr kumimoji="1" lang="en-US" altLang="zh-CN" dirty="0">
+                <a:latin typeface="Source Code Pro Medium" panose="020B0509030403020204" pitchFamily="49" charset="0"/>
+                <a:ea typeface="Source Code Pro Medium" panose="020B0509030403020204" pitchFamily="49" charset="0"/>
+                <a:cs typeface="SimHei" charset="-122"/>
+              </a:rPr>
+              <a:t>TCP/UDP/Socket</a:t>
+            </a:r>
+            <a:r>
+              <a:rPr lang="zh-CN" altLang="en-US" dirty="0">
+                <a:latin typeface="Source Code Pro Medium" panose="020B0509030403020204" pitchFamily="49" charset="0"/>
                 <a:ea typeface="SimHei" charset="-122"/>
                 <a:cs typeface="SimHei" charset="-122"/>
               </a:rPr>
-              <a:t>的诞生能让</a:t>
-            </a:r>
-            <a:r>
-              <a:rPr kumimoji="1" lang="en-US" altLang="zh-CN" dirty="0" smtClean="0">
-                <a:latin typeface="SimHei" charset="-122"/>
-                <a:ea typeface="SimHei" charset="-122"/>
+              <a:t>服务</a:t>
+            </a:r>
+            <a:r>
+              <a:rPr lang="en-US" altLang="zh-CN" dirty="0">
+                <a:latin typeface="Source Code Pro Medium" panose="020B0509030403020204" pitchFamily="49" charset="0"/>
+                <a:ea typeface="Source Code Pro Medium" panose="020B0509030403020204" pitchFamily="49" charset="0"/>
                 <a:cs typeface="SimHei" charset="-122"/>
               </a:rPr>
-              <a:t>PHP</a:t>
-            </a:r>
-            <a:r>
-              <a:rPr lang="zh-CN" altLang="en-US" dirty="0">
-                <a:latin typeface="SimHei" charset="-122"/>
-                <a:ea typeface="SimHei" charset="-122"/>
-                <a:cs typeface="SimHei" charset="-122"/>
-              </a:rPr>
-              <a:t>很好的支持异步、异步、简单的</a:t>
-            </a:r>
-            <a:r>
-              <a:rPr lang="zh-CN" altLang="en-US" dirty="0" smtClean="0">
-                <a:latin typeface="SimHei" charset="-122"/>
-                <a:ea typeface="SimHei" charset="-122"/>
-                <a:cs typeface="SimHei" charset="-122"/>
-              </a:rPr>
-              <a:t>使用</a:t>
-            </a:r>
-            <a:r>
-              <a:rPr kumimoji="1" lang="en-US" altLang="zh-CN" dirty="0" smtClean="0">
-                <a:latin typeface="SimHei" charset="-122"/>
-                <a:ea typeface="SimHei" charset="-122"/>
-                <a:cs typeface="SimHei" charset="-122"/>
-              </a:rPr>
-              <a:t>TCP/UDP/Socket</a:t>
-            </a:r>
-            <a:r>
-              <a:rPr lang="zh-CN" altLang="en-US" dirty="0" smtClean="0">
-                <a:latin typeface="SimHei" charset="-122"/>
-                <a:ea typeface="SimHei" charset="-122"/>
-                <a:cs typeface="SimHei" charset="-122"/>
-              </a:rPr>
-              <a:t>服务</a:t>
-            </a:r>
-            <a:r>
-              <a:rPr lang="en-US" altLang="zh-CN" dirty="0" smtClean="0">
-                <a:latin typeface="SimHei" charset="-122"/>
-                <a:ea typeface="SimHei" charset="-122"/>
-                <a:cs typeface="SimHei" charset="-122"/>
-              </a:rPr>
               <a:t>.</a:t>
             </a:r>
-            <a:endParaRPr kumimoji="1" lang="en-US" altLang="zh-CN" dirty="0" smtClean="0">
-              <a:latin typeface="SimHei" charset="-122"/>
-              <a:ea typeface="SimHei" charset="-122"/>
+            <a:endParaRPr kumimoji="1" lang="en-US" altLang="zh-CN" dirty="0">
+              <a:latin typeface="Source Code Pro Medium" panose="020B0509030403020204" pitchFamily="49" charset="0"/>
+              <a:ea typeface="Source Code Pro Medium" panose="020B0509030403020204" pitchFamily="49" charset="0"/>
               <a:cs typeface="SimHei" charset="-122"/>
             </a:endParaRPr>
           </a:p>
@@ -7367,7 +7440,7 @@
         <p:spPr>
           <a:xfrm>
             <a:off x="778476" y="440678"/>
-            <a:ext cx="9562953" cy="5632311"/>
+            <a:ext cx="9562953" cy="5355312"/>
           </a:xfrm>
           <a:prstGeom prst="rect">
             <a:avLst/>
@@ -7386,29 +7459,26 @@
               </a:lnSpc>
             </a:pPr>
             <a:r>
-              <a:rPr kumimoji="1" lang="en-US" altLang="zh-CN" sz="2400" b="1" dirty="0" err="1" smtClean="0">
-                <a:latin typeface="SimHei" charset="-122"/>
+              <a:rPr kumimoji="1" lang="en-US" altLang="zh-CN" sz="2400" b="1" dirty="0" err="1">
+                <a:latin typeface="Source Code Pro Medium" panose="020B0509030403020204" pitchFamily="49" charset="0"/>
+                <a:ea typeface="Source Code Pro Medium" panose="020B0509030403020204" pitchFamily="49" charset="0"/>
+                <a:cs typeface="SimHei" charset="-122"/>
+              </a:rPr>
+              <a:t>Swoole</a:t>
+            </a:r>
+            <a:r>
+              <a:rPr kumimoji="1" lang="zh-CN" altLang="en-US" sz="2400" b="1" dirty="0">
+                <a:latin typeface="Source Code Pro Medium" panose="020B0509030403020204" pitchFamily="49" charset="0"/>
                 <a:ea typeface="SimHei" charset="-122"/>
                 <a:cs typeface="SimHei" charset="-122"/>
               </a:rPr>
-              <a:t>Swoole</a:t>
-            </a:r>
-            <a:r>
-              <a:rPr kumimoji="1" lang="zh-CN" altLang="en-US" sz="2400" b="1" dirty="0" smtClean="0">
-                <a:latin typeface="SimHei" charset="-122"/>
-                <a:ea typeface="SimHei" charset="-122"/>
-                <a:cs typeface="SimHei" charset="-122"/>
-              </a:rPr>
               <a:t>的安装</a:t>
             </a:r>
             <a:endParaRPr kumimoji="1" lang="en-US" altLang="zh-CN" sz="2400" b="1" dirty="0">
-              <a:latin typeface="SimHei" charset="-122"/>
-              <a:ea typeface="SimHei" charset="-122"/>
+              <a:latin typeface="Source Code Pro Medium" panose="020B0509030403020204" pitchFamily="49" charset="0"/>
+              <a:ea typeface="Source Code Pro Medium" panose="020B0509030403020204" pitchFamily="49" charset="0"/>
               <a:cs typeface="SimHei" charset="-122"/>
             </a:endParaRPr>
-          </a:p>
-          <a:p>
-            <a:endParaRPr kumimoji="1" lang="en-US" altLang="zh-CN" dirty="0" smtClean="0"/>
           </a:p>
           <a:p>
             <a:pPr>
@@ -7418,15 +7488,15 @@
             </a:pPr>
             <a:r>
               <a:rPr lang="en-US" altLang="zh-CN" sz="2000" dirty="0" err="1">
-                <a:latin typeface="SimHei" charset="-122"/>
-                <a:ea typeface="SimHei" charset="-122"/>
+                <a:latin typeface="Source Code Pro Medium" panose="020B0509030403020204" pitchFamily="49" charset="0"/>
+                <a:ea typeface="Source Code Pro Medium" panose="020B0509030403020204" pitchFamily="49" charset="0"/>
                 <a:cs typeface="SimHei" charset="-122"/>
               </a:rPr>
               <a:t>pecl</a:t>
             </a:r>
             <a:r>
               <a:rPr lang="zh-CN" altLang="en-US" sz="2000" dirty="0">
-                <a:latin typeface="SimHei" charset="-122"/>
+                <a:latin typeface="Source Code Pro Medium" panose="020B0509030403020204" pitchFamily="49" charset="0"/>
                 <a:ea typeface="SimHei" charset="-122"/>
                 <a:cs typeface="SimHei" charset="-122"/>
               </a:rPr>
@@ -7441,41 +7511,36 @@
             </a:pPr>
             <a:r>
               <a:rPr lang="en-US" altLang="zh-CN" sz="2000" dirty="0" err="1">
-                <a:latin typeface="SimHei" charset="-122"/>
-                <a:ea typeface="SimHei" charset="-122"/>
+                <a:latin typeface="Source Code Pro Medium" panose="020B0509030403020204" pitchFamily="49" charset="0"/>
+                <a:ea typeface="Source Code Pro Medium" panose="020B0509030403020204" pitchFamily="49" charset="0"/>
                 <a:cs typeface="SimHei" charset="-122"/>
               </a:rPr>
               <a:t>pecl</a:t>
             </a:r>
             <a:r>
               <a:rPr lang="en-US" altLang="zh-CN" sz="2000" dirty="0">
-                <a:latin typeface="SimHei" charset="-122"/>
-                <a:ea typeface="SimHei" charset="-122"/>
+                <a:latin typeface="Source Code Pro Medium" panose="020B0509030403020204" pitchFamily="49" charset="0"/>
+                <a:ea typeface="Source Code Pro Medium" panose="020B0509030403020204" pitchFamily="49" charset="0"/>
                 <a:cs typeface="SimHei" charset="-122"/>
               </a:rPr>
               <a:t> install </a:t>
             </a:r>
             <a:r>
               <a:rPr lang="en-US" altLang="zh-CN" sz="2000" dirty="0" err="1">
-                <a:latin typeface="SimHei" charset="-122"/>
-                <a:ea typeface="SimHei" charset="-122"/>
+                <a:latin typeface="Source Code Pro Medium" panose="020B0509030403020204" pitchFamily="49" charset="0"/>
+                <a:ea typeface="Source Code Pro Medium" panose="020B0509030403020204" pitchFamily="49" charset="0"/>
                 <a:cs typeface="SimHei" charset="-122"/>
               </a:rPr>
               <a:t>swoole</a:t>
             </a:r>
             <a:r>
               <a:rPr lang="en-US" altLang="zh-CN" sz="2000" dirty="0">
-                <a:latin typeface="SimHei" charset="-122"/>
-                <a:ea typeface="SimHei" charset="-122"/>
+                <a:latin typeface="Source Code Pro Medium" panose="020B0509030403020204" pitchFamily="49" charset="0"/>
+                <a:ea typeface="Source Code Pro Medium" panose="020B0509030403020204" pitchFamily="49" charset="0"/>
                 <a:cs typeface="SimHei" charset="-122"/>
               </a:rPr>
               <a:t> </a:t>
             </a:r>
-            <a:endParaRPr lang="en-US" altLang="zh-CN" sz="2000" dirty="0" smtClean="0">
-              <a:latin typeface="SimHei" charset="-122"/>
-              <a:ea typeface="SimHei" charset="-122"/>
-              <a:cs typeface="SimHei" charset="-122"/>
-            </a:endParaRPr>
           </a:p>
           <a:p>
             <a:pPr>
@@ -7484,8 +7549,8 @@
               </a:lnSpc>
             </a:pPr>
             <a:endParaRPr lang="en-US" altLang="zh-CN" sz="2000" dirty="0">
-              <a:latin typeface="SimHei" charset="-122"/>
-              <a:ea typeface="SimHei" charset="-122"/>
+              <a:latin typeface="Source Code Pro Medium" panose="020B0509030403020204" pitchFamily="49" charset="0"/>
+              <a:ea typeface="Source Code Pro Medium" panose="020B0509030403020204" pitchFamily="49" charset="0"/>
               <a:cs typeface="SimHei" charset="-122"/>
             </a:endParaRPr>
           </a:p>
@@ -7496,20 +7561,12 @@
               </a:lnSpc>
             </a:pPr>
             <a:r>
-              <a:rPr lang="zh-CN" altLang="en-US" sz="2000" dirty="0" smtClean="0">
-                <a:latin typeface="SimHei" charset="-122"/>
+              <a:rPr lang="zh-CN" altLang="en-US" sz="2000" dirty="0">
+                <a:latin typeface="Source Code Pro Medium" panose="020B0509030403020204" pitchFamily="49" charset="0"/>
                 <a:ea typeface="SimHei" charset="-122"/>
                 <a:cs typeface="SimHei" charset="-122"/>
               </a:rPr>
-              <a:t>源</a:t>
-            </a:r>
-            <a:r>
-              <a:rPr lang="zh-CN" altLang="en-US" sz="2000" dirty="0">
-                <a:latin typeface="SimHei" charset="-122"/>
-                <a:ea typeface="SimHei" charset="-122"/>
-                <a:cs typeface="SimHei" charset="-122"/>
-              </a:rPr>
-              <a:t>码安装：</a:t>
+              <a:t>源码安装：</a:t>
             </a:r>
           </a:p>
           <a:p>
@@ -7520,63 +7577,63 @@
             </a:pPr>
             <a:r>
               <a:rPr lang="en-US" altLang="zh-CN" sz="2000" dirty="0" err="1">
-                <a:latin typeface="SimHei" charset="-122"/>
-                <a:ea typeface="SimHei" charset="-122"/>
+                <a:latin typeface="Source Code Pro Medium" panose="020B0509030403020204" pitchFamily="49" charset="0"/>
+                <a:ea typeface="Source Code Pro Medium" panose="020B0509030403020204" pitchFamily="49" charset="0"/>
                 <a:cs typeface="SimHei" charset="-122"/>
               </a:rPr>
               <a:t>git</a:t>
             </a:r>
             <a:r>
               <a:rPr lang="en-US" altLang="zh-CN" sz="2000" dirty="0">
-                <a:latin typeface="SimHei" charset="-122"/>
-                <a:ea typeface="SimHei" charset="-122"/>
+                <a:latin typeface="Source Code Pro Medium" panose="020B0509030403020204" pitchFamily="49" charset="0"/>
+                <a:ea typeface="Source Code Pro Medium" panose="020B0509030403020204" pitchFamily="49" charset="0"/>
                 <a:cs typeface="SimHei" charset="-122"/>
               </a:rPr>
               <a:t> clone https://</a:t>
             </a:r>
             <a:r>
               <a:rPr lang="en-US" altLang="zh-CN" sz="2000" dirty="0" err="1">
-                <a:latin typeface="SimHei" charset="-122"/>
-                <a:ea typeface="SimHei" charset="-122"/>
+                <a:latin typeface="Source Code Pro Medium" panose="020B0509030403020204" pitchFamily="49" charset="0"/>
+                <a:ea typeface="Source Code Pro Medium" panose="020B0509030403020204" pitchFamily="49" charset="0"/>
                 <a:cs typeface="SimHei" charset="-122"/>
               </a:rPr>
               <a:t>github.com</a:t>
             </a:r>
             <a:r>
               <a:rPr lang="en-US" altLang="zh-CN" sz="2000" dirty="0">
-                <a:latin typeface="SimHei" charset="-122"/>
-                <a:ea typeface="SimHei" charset="-122"/>
+                <a:latin typeface="Source Code Pro Medium" panose="020B0509030403020204" pitchFamily="49" charset="0"/>
+                <a:ea typeface="Source Code Pro Medium" panose="020B0509030403020204" pitchFamily="49" charset="0"/>
                 <a:cs typeface="SimHei" charset="-122"/>
               </a:rPr>
               <a:t>/</a:t>
             </a:r>
             <a:r>
               <a:rPr lang="en-US" altLang="zh-CN" sz="2000" dirty="0" err="1">
-                <a:latin typeface="SimHei" charset="-122"/>
-                <a:ea typeface="SimHei" charset="-122"/>
+                <a:latin typeface="Source Code Pro Medium" panose="020B0509030403020204" pitchFamily="49" charset="0"/>
+                <a:ea typeface="Source Code Pro Medium" panose="020B0509030403020204" pitchFamily="49" charset="0"/>
                 <a:cs typeface="SimHei" charset="-122"/>
               </a:rPr>
               <a:t>swoole</a:t>
             </a:r>
             <a:r>
               <a:rPr lang="en-US" altLang="zh-CN" sz="2000" dirty="0">
-                <a:latin typeface="SimHei" charset="-122"/>
-                <a:ea typeface="SimHei" charset="-122"/>
+                <a:latin typeface="Source Code Pro Medium" panose="020B0509030403020204" pitchFamily="49" charset="0"/>
+                <a:ea typeface="Source Code Pro Medium" panose="020B0509030403020204" pitchFamily="49" charset="0"/>
                 <a:cs typeface="SimHei" charset="-122"/>
               </a:rPr>
               <a:t>/</a:t>
             </a:r>
             <a:r>
               <a:rPr lang="en-US" altLang="zh-CN" sz="2000" dirty="0" err="1">
-                <a:latin typeface="SimHei" charset="-122"/>
-                <a:ea typeface="SimHei" charset="-122"/>
+                <a:latin typeface="Source Code Pro Medium" panose="020B0509030403020204" pitchFamily="49" charset="0"/>
+                <a:ea typeface="Source Code Pro Medium" panose="020B0509030403020204" pitchFamily="49" charset="0"/>
                 <a:cs typeface="SimHei" charset="-122"/>
               </a:rPr>
               <a:t>swoole-src.git</a:t>
             </a:r>
             <a:endParaRPr lang="en-US" altLang="zh-CN" sz="2000" dirty="0">
-              <a:latin typeface="SimHei" charset="-122"/>
-              <a:ea typeface="SimHei" charset="-122"/>
+              <a:latin typeface="Source Code Pro Medium" panose="020B0509030403020204" pitchFamily="49" charset="0"/>
+              <a:ea typeface="Source Code Pro Medium" panose="020B0509030403020204" pitchFamily="49" charset="0"/>
               <a:cs typeface="SimHei" charset="-122"/>
             </a:endParaRPr>
           </a:p>
@@ -7588,23 +7645,23 @@
             </a:pPr>
             <a:r>
               <a:rPr lang="en-US" altLang="zh-CN" sz="2000" dirty="0">
-                <a:latin typeface="SimHei" charset="-122"/>
-                <a:ea typeface="SimHei" charset="-122"/>
+                <a:latin typeface="Source Code Pro Medium" panose="020B0509030403020204" pitchFamily="49" charset="0"/>
+                <a:ea typeface="Source Code Pro Medium" panose="020B0509030403020204" pitchFamily="49" charset="0"/>
                 <a:cs typeface="SimHei" charset="-122"/>
               </a:rPr>
               <a:t>cd </a:t>
             </a:r>
             <a:r>
               <a:rPr lang="en-US" altLang="zh-CN" sz="2000" dirty="0" err="1">
-                <a:latin typeface="SimHei" charset="-122"/>
-                <a:ea typeface="SimHei" charset="-122"/>
+                <a:latin typeface="Source Code Pro Medium" panose="020B0509030403020204" pitchFamily="49" charset="0"/>
+                <a:ea typeface="Source Code Pro Medium" panose="020B0509030403020204" pitchFamily="49" charset="0"/>
                 <a:cs typeface="SimHei" charset="-122"/>
               </a:rPr>
               <a:t>swoole-src</a:t>
             </a:r>
             <a:endParaRPr lang="en-US" altLang="zh-CN" sz="2000" dirty="0">
-              <a:latin typeface="SimHei" charset="-122"/>
-              <a:ea typeface="SimHei" charset="-122"/>
+              <a:latin typeface="Source Code Pro Medium" panose="020B0509030403020204" pitchFamily="49" charset="0"/>
+              <a:ea typeface="Source Code Pro Medium" panose="020B0509030403020204" pitchFamily="49" charset="0"/>
               <a:cs typeface="SimHei" charset="-122"/>
             </a:endParaRPr>
           </a:p>
@@ -7616,15 +7673,15 @@
             </a:pPr>
             <a:r>
               <a:rPr lang="en-US" altLang="zh-CN" sz="2000" dirty="0" err="1">
-                <a:latin typeface="SimHei" charset="-122"/>
-                <a:ea typeface="SimHei" charset="-122"/>
+                <a:latin typeface="Source Code Pro Medium" panose="020B0509030403020204" pitchFamily="49" charset="0"/>
+                <a:ea typeface="Source Code Pro Medium" panose="020B0509030403020204" pitchFamily="49" charset="0"/>
                 <a:cs typeface="SimHei" charset="-122"/>
               </a:rPr>
               <a:t>phpize</a:t>
             </a:r>
             <a:endParaRPr lang="en-US" altLang="zh-CN" sz="2000" dirty="0">
-              <a:latin typeface="SimHei" charset="-122"/>
-              <a:ea typeface="SimHei" charset="-122"/>
+              <a:latin typeface="Source Code Pro Medium" panose="020B0509030403020204" pitchFamily="49" charset="0"/>
+              <a:ea typeface="Source Code Pro Medium" panose="020B0509030403020204" pitchFamily="49" charset="0"/>
               <a:cs typeface="SimHei" charset="-122"/>
             </a:endParaRPr>
           </a:p>
@@ -7636,17 +7693,12 @@
             </a:pPr>
             <a:r>
               <a:rPr lang="en-US" altLang="zh-CN" sz="2000" dirty="0">
-                <a:latin typeface="SimHei" charset="-122"/>
-                <a:ea typeface="SimHei" charset="-122"/>
+                <a:latin typeface="Source Code Pro Medium" panose="020B0509030403020204" pitchFamily="49" charset="0"/>
+                <a:ea typeface="Source Code Pro Medium" panose="020B0509030403020204" pitchFamily="49" charset="0"/>
                 <a:cs typeface="SimHei" charset="-122"/>
               </a:rPr>
               <a:t>./configure</a:t>
             </a:r>
-            <a:endParaRPr lang="en-US" altLang="zh-CN" sz="2000" dirty="0">
-              <a:latin typeface="SimHei" charset="-122"/>
-              <a:ea typeface="SimHei" charset="-122"/>
-              <a:cs typeface="SimHei" charset="-122"/>
-            </a:endParaRPr>
           </a:p>
           <a:p>
             <a:pPr>
@@ -7656,27 +7708,18 @@
             </a:pPr>
             <a:r>
               <a:rPr lang="en-US" altLang="zh-CN" sz="2000" dirty="0">
-                <a:latin typeface="SimHei" charset="-122"/>
-                <a:ea typeface="SimHei" charset="-122"/>
+                <a:latin typeface="Source Code Pro Medium" panose="020B0509030403020204" pitchFamily="49" charset="0"/>
+                <a:ea typeface="Source Code Pro Medium" panose="020B0509030403020204" pitchFamily="49" charset="0"/>
                 <a:cs typeface="SimHei" charset="-122"/>
               </a:rPr>
               <a:t>make &amp;&amp; make install</a:t>
             </a:r>
-            <a:endParaRPr lang="en-US" altLang="zh-CN" sz="2000" dirty="0">
-              <a:latin typeface="SimHei" charset="-122"/>
-              <a:ea typeface="SimHei" charset="-122"/>
-              <a:cs typeface="SimHei" charset="-122"/>
-            </a:endParaRPr>
-          </a:p>
-          <a:p>
-            <a:r>
-              <a:rPr lang="en-US" altLang="zh-CN" dirty="0"/>
-              <a:t/>
-            </a:r>
+          </a:p>
+          <a:p>
             <a:br>
               <a:rPr lang="en-US" altLang="zh-CN" dirty="0"/>
             </a:br>
-            <a:endParaRPr kumimoji="1" lang="en-US" altLang="zh-CN" dirty="0" smtClean="0"/>
+            <a:endParaRPr kumimoji="1" lang="en-US" altLang="zh-CN" dirty="0"/>
           </a:p>
         </p:txBody>
       </p:sp>
@@ -7738,24 +7781,24 @@
               </a:lnSpc>
             </a:pPr>
             <a:r>
-              <a:rPr kumimoji="1" lang="en-US" altLang="zh-CN" sz="2400" dirty="0" err="1">
-                <a:latin typeface="SimHei" charset="-122"/>
+              <a:rPr kumimoji="1" lang="en-US" altLang="zh-CN" sz="2400" b="1" dirty="0" err="1">
+                <a:latin typeface="Source Code Pro Medium" panose="020B0509030403020204" pitchFamily="49" charset="0"/>
+                <a:ea typeface="Source Code Pro Medium" panose="020B0509030403020204" pitchFamily="49" charset="0"/>
+                <a:cs typeface="SimHei" charset="-122"/>
+              </a:rPr>
+              <a:t>Swoole</a:t>
+            </a:r>
+            <a:r>
+              <a:rPr kumimoji="1" lang="zh-CN" altLang="en-US" sz="2400" b="1" dirty="0">
+                <a:latin typeface="Source Code Pro Medium" panose="020B0509030403020204" pitchFamily="49" charset="0"/>
                 <a:ea typeface="SimHei" charset="-122"/>
                 <a:cs typeface="SimHei" charset="-122"/>
               </a:rPr>
-              <a:t>Swoole</a:t>
-            </a:r>
-            <a:r>
-              <a:rPr kumimoji="1" lang="zh-CN" altLang="en-US" sz="2400" dirty="0">
-                <a:latin typeface="SimHei" charset="-122"/>
-                <a:ea typeface="SimHei" charset="-122"/>
-                <a:cs typeface="SimHei" charset="-122"/>
-              </a:rPr>
-              <a:t>结构</a:t>
-            </a:r>
-            <a:endParaRPr kumimoji="1" lang="en-US" altLang="zh-CN" sz="2400" dirty="0">
-              <a:latin typeface="SimHei" charset="-122"/>
-              <a:ea typeface="SimHei" charset="-122"/>
+              <a:t>的结构</a:t>
+            </a:r>
+            <a:endParaRPr kumimoji="1" lang="en-US" altLang="zh-CN" sz="2400" b="1" dirty="0">
+              <a:latin typeface="Source Code Pro Medium" panose="020B0509030403020204" pitchFamily="49" charset="0"/>
+              <a:ea typeface="Source Code Pro Medium" panose="020B0509030403020204" pitchFamily="49" charset="0"/>
               <a:cs typeface="SimHei" charset="-122"/>
             </a:endParaRPr>
           </a:p>
@@ -7767,95 +7810,79 @@
             </a:pPr>
             <a:r>
               <a:rPr kumimoji="1" lang="en-US" altLang="zh-CN" dirty="0">
-                <a:latin typeface="SimHei" charset="-122"/>
+                <a:latin typeface="Source Code Pro Medium" panose="020B0509030403020204" pitchFamily="49" charset="0"/>
+                <a:ea typeface="Source Code Pro Medium" panose="020B0509030403020204" pitchFamily="49" charset="0"/>
+                <a:cs typeface="SimHei" charset="-122"/>
+              </a:rPr>
+              <a:t>1.Master</a:t>
+            </a:r>
+            <a:r>
+              <a:rPr kumimoji="1" lang="zh-CN" altLang="en-US" dirty="0">
+                <a:latin typeface="Source Code Pro Medium" panose="020B0509030403020204" pitchFamily="49" charset="0"/>
                 <a:ea typeface="SimHei" charset="-122"/>
                 <a:cs typeface="SimHei" charset="-122"/>
               </a:rPr>
-              <a:t>1.</a:t>
+              <a:t> 进程：</a:t>
+            </a:r>
+            <a:r>
+              <a:rPr kumimoji="1" lang="en-US" altLang="zh-CN" dirty="0" err="1">
+                <a:latin typeface="Source Code Pro Medium" panose="020B0509030403020204" pitchFamily="49" charset="0"/>
+                <a:ea typeface="Source Code Pro Medium" panose="020B0509030403020204" pitchFamily="49" charset="0"/>
+                <a:cs typeface="SimHei" charset="-122"/>
+              </a:rPr>
+              <a:t>Swoole</a:t>
             </a:r>
             <a:r>
               <a:rPr kumimoji="1" lang="zh-CN" altLang="en-US" dirty="0">
-                <a:latin typeface="SimHei" charset="-122"/>
+                <a:latin typeface="Source Code Pro Medium" panose="020B0509030403020204" pitchFamily="49" charset="0"/>
                 <a:ea typeface="SimHei" charset="-122"/>
                 <a:cs typeface="SimHei" charset="-122"/>
               </a:rPr>
-              <a:t> </a:t>
-            </a:r>
-            <a:r>
-              <a:rPr kumimoji="1" lang="en-US" altLang="zh-CN" dirty="0">
-                <a:latin typeface="SimHei" charset="-122"/>
+              <a:t>的主进程，处理</a:t>
+            </a:r>
+            <a:r>
+              <a:rPr kumimoji="1" lang="en-US" altLang="zh-CN" dirty="0" err="1">
+                <a:latin typeface="Source Code Pro Medium" panose="020B0509030403020204" pitchFamily="49" charset="0"/>
+                <a:ea typeface="Source Code Pro Medium" panose="020B0509030403020204" pitchFamily="49" charset="0"/>
+                <a:cs typeface="SimHei" charset="-122"/>
+              </a:rPr>
+              <a:t>Swoole</a:t>
+            </a:r>
+            <a:r>
+              <a:rPr kumimoji="1" lang="zh-CN" altLang="en-US" dirty="0">
+                <a:latin typeface="Source Code Pro Medium" panose="020B0509030403020204" pitchFamily="49" charset="0"/>
                 <a:ea typeface="SimHei" charset="-122"/>
                 <a:cs typeface="SimHei" charset="-122"/>
               </a:rPr>
-              <a:t>Master</a:t>
+              <a:t>核心的事件驱动，包含若干</a:t>
+            </a:r>
+            <a:r>
+              <a:rPr kumimoji="1" lang="en-US" altLang="zh-CN" dirty="0">
+                <a:latin typeface="Source Code Pro Medium" panose="020B0509030403020204" pitchFamily="49" charset="0"/>
+                <a:ea typeface="Source Code Pro Medium" panose="020B0509030403020204" pitchFamily="49" charset="0"/>
+                <a:cs typeface="SimHei" charset="-122"/>
+              </a:rPr>
+              <a:t>Reactor</a:t>
             </a:r>
             <a:r>
               <a:rPr kumimoji="1" lang="zh-CN" altLang="en-US" dirty="0">
-                <a:latin typeface="SimHei" charset="-122"/>
+                <a:latin typeface="Source Code Pro Medium" panose="020B0509030403020204" pitchFamily="49" charset="0"/>
                 <a:ea typeface="SimHei" charset="-122"/>
                 <a:cs typeface="SimHei" charset="-122"/>
               </a:rPr>
-              <a:t> 进程：</a:t>
-            </a:r>
-            <a:r>
-              <a:rPr kumimoji="1" lang="en-US" altLang="zh-CN" dirty="0" err="1">
-                <a:latin typeface="SimHei" charset="-122"/>
-                <a:ea typeface="SimHei" charset="-122"/>
+              <a:t>子线程，每个</a:t>
+            </a:r>
+            <a:r>
+              <a:rPr kumimoji="1" lang="en-US" altLang="zh-CN" dirty="0">
+                <a:latin typeface="Source Code Pro Medium" panose="020B0509030403020204" pitchFamily="49" charset="0"/>
+                <a:ea typeface="Source Code Pro Medium" panose="020B0509030403020204" pitchFamily="49" charset="0"/>
                 <a:cs typeface="SimHei" charset="-122"/>
               </a:rPr>
-              <a:t>Swoole</a:t>
+              <a:t>Reactor</a:t>
             </a:r>
             <a:r>
               <a:rPr kumimoji="1" lang="zh-CN" altLang="en-US" dirty="0">
-                <a:latin typeface="SimHei" charset="-122"/>
-                <a:ea typeface="SimHei" charset="-122"/>
-                <a:cs typeface="SimHei" charset="-122"/>
-              </a:rPr>
-              <a:t>的主进程，处理</a:t>
-            </a:r>
-            <a:r>
-              <a:rPr kumimoji="1" lang="en-US" altLang="zh-CN" dirty="0" err="1">
-                <a:latin typeface="SimHei" charset="-122"/>
-                <a:ea typeface="SimHei" charset="-122"/>
-                <a:cs typeface="SimHei" charset="-122"/>
-              </a:rPr>
-              <a:t>Swoole</a:t>
-            </a:r>
-            <a:r>
-              <a:rPr kumimoji="1" lang="zh-CN" altLang="en-US" dirty="0">
-                <a:latin typeface="SimHei" charset="-122"/>
-                <a:ea typeface="SimHei" charset="-122"/>
-                <a:cs typeface="SimHei" charset="-122"/>
-              </a:rPr>
-              <a:t>核心的事件驱动，包含若干</a:t>
-            </a:r>
-            <a:r>
-              <a:rPr kumimoji="1" lang="en-US" altLang="zh-CN" dirty="0">
-                <a:latin typeface="SimHei" charset="-122"/>
-                <a:ea typeface="SimHei" charset="-122"/>
-                <a:cs typeface="SimHei" charset="-122"/>
-              </a:rPr>
-              <a:t>Reactor</a:t>
-            </a:r>
-            <a:r>
-              <a:rPr kumimoji="1" lang="zh-CN" altLang="en-US" dirty="0">
-                <a:latin typeface="SimHei" charset="-122"/>
-                <a:ea typeface="SimHei" charset="-122"/>
-                <a:cs typeface="SimHei" charset="-122"/>
-              </a:rPr>
-              <a:t>子线程，每个</a:t>
-            </a:r>
-            <a:r>
-              <a:rPr kumimoji="1" lang="en-US" altLang="zh-CN" dirty="0">
-                <a:latin typeface="SimHei" charset="-122"/>
-                <a:ea typeface="SimHei" charset="-122"/>
-                <a:cs typeface="SimHei" charset="-122"/>
-              </a:rPr>
-              <a:t>Reactor</a:t>
-            </a:r>
-            <a:r>
-              <a:rPr kumimoji="1" lang="zh-CN" altLang="en-US" dirty="0">
-                <a:latin typeface="SimHei" charset="-122"/>
+                <a:latin typeface="Source Code Pro Medium" panose="020B0509030403020204" pitchFamily="49" charset="0"/>
                 <a:ea typeface="SimHei" charset="-122"/>
                 <a:cs typeface="SimHei" charset="-122"/>
               </a:rPr>
@@ -7866,23 +7893,23 @@
                 <a:solidFill>
                   <a:srgbClr val="FF0000"/>
                 </a:solidFill>
-                <a:latin typeface="SimHei" charset="-122"/>
+                <a:latin typeface="Source Code Pro Medium" panose="020B0509030403020204" pitchFamily="49" charset="0"/>
+                <a:ea typeface="Source Code Pro Medium" panose="020B0509030403020204" pitchFamily="49" charset="0"/>
+                <a:cs typeface="SimHei" charset="-122"/>
+              </a:rPr>
+              <a:t>epoll</a:t>
+            </a:r>
+            <a:r>
+              <a:rPr kumimoji="1" lang="zh-CN" altLang="en-US" dirty="0">
+                <a:latin typeface="Source Code Pro Medium" panose="020B0509030403020204" pitchFamily="49" charset="0"/>
                 <a:ea typeface="SimHei" charset="-122"/>
                 <a:cs typeface="SimHei" charset="-122"/>
               </a:rPr>
-              <a:t>epoll</a:t>
-            </a:r>
-            <a:r>
-              <a:rPr kumimoji="1" lang="zh-CN" altLang="en-US" dirty="0">
-                <a:latin typeface="SimHei" charset="-122"/>
-                <a:ea typeface="SimHei" charset="-122"/>
-                <a:cs typeface="SimHei" charset="-122"/>
-              </a:rPr>
               <a:t>函数的实例，进行客户端事件监听，如客户端连接</a:t>
             </a:r>
             <a:endParaRPr kumimoji="1" lang="en-US" altLang="zh-CN" dirty="0">
-              <a:latin typeface="SimHei" charset="-122"/>
-              <a:ea typeface="SimHei" charset="-122"/>
+              <a:latin typeface="Source Code Pro Medium" panose="020B0509030403020204" pitchFamily="49" charset="0"/>
+              <a:ea typeface="Source Code Pro Medium" panose="020B0509030403020204" pitchFamily="49" charset="0"/>
               <a:cs typeface="SimHei" charset="-122"/>
             </a:endParaRPr>
           </a:p>
@@ -7893,8 +7920,8 @@
               </a:lnSpc>
             </a:pPr>
             <a:endParaRPr kumimoji="1" lang="en-US" altLang="zh-CN" dirty="0">
-              <a:latin typeface="SimHei" charset="-122"/>
-              <a:ea typeface="SimHei" charset="-122"/>
+              <a:latin typeface="Source Code Pro Medium" panose="020B0509030403020204" pitchFamily="49" charset="0"/>
+              <a:ea typeface="Source Code Pro Medium" panose="020B0509030403020204" pitchFamily="49" charset="0"/>
               <a:cs typeface="SimHei" charset="-122"/>
             </a:endParaRPr>
           </a:p>
@@ -7906,87 +7933,71 @@
             </a:pPr>
             <a:r>
               <a:rPr kumimoji="1" lang="en-US" altLang="zh-CN" dirty="0">
-                <a:latin typeface="SimHei" charset="-122"/>
+                <a:latin typeface="Source Code Pro Medium" panose="020B0509030403020204" pitchFamily="49" charset="0"/>
+                <a:ea typeface="Source Code Pro Medium" panose="020B0509030403020204" pitchFamily="49" charset="0"/>
+                <a:cs typeface="SimHei" charset="-122"/>
+              </a:rPr>
+              <a:t>2.Manage</a:t>
+            </a:r>
+            <a:r>
+              <a:rPr kumimoji="1" lang="zh-CN" altLang="en-US" dirty="0">
+                <a:latin typeface="Source Code Pro Medium" panose="020B0509030403020204" pitchFamily="49" charset="0"/>
                 <a:ea typeface="SimHei" charset="-122"/>
                 <a:cs typeface="SimHei" charset="-122"/>
               </a:rPr>
-              <a:t>2.</a:t>
+              <a:t>进程：管理进程，用于创建管理下一层的</a:t>
+            </a:r>
+            <a:r>
+              <a:rPr kumimoji="1" lang="en-US" altLang="zh-CN" dirty="0">
+                <a:latin typeface="Source Code Pro Medium" panose="020B0509030403020204" pitchFamily="49" charset="0"/>
+                <a:ea typeface="Source Code Pro Medium" panose="020B0509030403020204" pitchFamily="49" charset="0"/>
+                <a:cs typeface="SimHei" charset="-122"/>
+              </a:rPr>
+              <a:t>Worker</a:t>
             </a:r>
             <a:r>
               <a:rPr kumimoji="1" lang="zh-CN" altLang="en-US" dirty="0">
-                <a:latin typeface="SimHei" charset="-122"/>
+                <a:latin typeface="Source Code Pro Medium" panose="020B0509030403020204" pitchFamily="49" charset="0"/>
                 <a:ea typeface="SimHei" charset="-122"/>
                 <a:cs typeface="SimHei" charset="-122"/>
               </a:rPr>
-              <a:t> </a:t>
+              <a:t>进程和</a:t>
             </a:r>
             <a:r>
               <a:rPr kumimoji="1" lang="en-US" altLang="zh-CN" dirty="0">
-                <a:latin typeface="SimHei" charset="-122"/>
+                <a:latin typeface="Source Code Pro Medium" panose="020B0509030403020204" pitchFamily="49" charset="0"/>
+                <a:ea typeface="Source Code Pro Medium" panose="020B0509030403020204" pitchFamily="49" charset="0"/>
+                <a:cs typeface="SimHei" charset="-122"/>
+              </a:rPr>
+              <a:t>Task</a:t>
+            </a:r>
+            <a:r>
+              <a:rPr kumimoji="1" lang="zh-CN" altLang="en-US" dirty="0">
+                <a:latin typeface="Source Code Pro Medium" panose="020B0509030403020204" pitchFamily="49" charset="0"/>
                 <a:ea typeface="SimHei" charset="-122"/>
                 <a:cs typeface="SimHei" charset="-122"/>
               </a:rPr>
-              <a:t>Manage</a:t>
+              <a:t> </a:t>
+            </a:r>
+            <a:r>
+              <a:rPr kumimoji="1" lang="en-US" altLang="zh-CN" dirty="0" err="1">
+                <a:latin typeface="Source Code Pro Medium" panose="020B0509030403020204" pitchFamily="49" charset="0"/>
+                <a:ea typeface="Source Code Pro Medium" panose="020B0509030403020204" pitchFamily="49" charset="0"/>
+                <a:cs typeface="SimHei" charset="-122"/>
+              </a:rPr>
+              <a:t>Woker</a:t>
             </a:r>
             <a:r>
               <a:rPr kumimoji="1" lang="zh-CN" altLang="en-US" dirty="0">
-                <a:latin typeface="SimHei" charset="-122"/>
+                <a:latin typeface="Source Code Pro Medium" panose="020B0509030403020204" pitchFamily="49" charset="0"/>
                 <a:ea typeface="SimHei" charset="-122"/>
                 <a:cs typeface="SimHei" charset="-122"/>
               </a:rPr>
-              <a:t>进程：管理进程，用于创建管理下一层的</a:t>
-            </a:r>
-            <a:r>
-              <a:rPr kumimoji="1" lang="en-US" altLang="zh-CN" dirty="0">
-                <a:latin typeface="SimHei" charset="-122"/>
-                <a:ea typeface="SimHei" charset="-122"/>
-                <a:cs typeface="SimHei" charset="-122"/>
-              </a:rPr>
-              <a:t>Worker</a:t>
-            </a:r>
-            <a:r>
-              <a:rPr kumimoji="1" lang="zh-CN" altLang="en-US" dirty="0">
-                <a:latin typeface="SimHei" charset="-122"/>
-                <a:ea typeface="SimHei" charset="-122"/>
-                <a:cs typeface="SimHei" charset="-122"/>
-              </a:rPr>
-              <a:t>进程和</a:t>
-            </a:r>
-            <a:r>
-              <a:rPr kumimoji="1" lang="en-US" altLang="zh-CN" dirty="0">
-                <a:latin typeface="SimHei" charset="-122"/>
-                <a:ea typeface="SimHei" charset="-122"/>
-                <a:cs typeface="SimHei" charset="-122"/>
-              </a:rPr>
-              <a:t>Task</a:t>
-            </a:r>
-            <a:r>
-              <a:rPr kumimoji="1" lang="zh-CN" altLang="en-US" dirty="0">
-                <a:latin typeface="SimHei" charset="-122"/>
-                <a:ea typeface="SimHei" charset="-122"/>
-                <a:cs typeface="SimHei" charset="-122"/>
-              </a:rPr>
-              <a:t> </a:t>
-            </a:r>
-            <a:r>
-              <a:rPr kumimoji="1" lang="en-US" altLang="zh-CN" dirty="0" err="1">
-                <a:latin typeface="SimHei" charset="-122"/>
-                <a:ea typeface="SimHei" charset="-122"/>
-                <a:cs typeface="SimHei" charset="-122"/>
-              </a:rPr>
-              <a:t>Woker</a:t>
-            </a:r>
-            <a:r>
-              <a:rPr kumimoji="1" lang="zh-CN" altLang="en-US" dirty="0">
-                <a:latin typeface="SimHei" charset="-122"/>
-                <a:ea typeface="SimHei" charset="-122"/>
-                <a:cs typeface="SimHei" charset="-122"/>
-              </a:rPr>
               <a:t>进程</a:t>
             </a:r>
             <a:endParaRPr kumimoji="1" lang="en-US" altLang="zh-CN" dirty="0">
-              <a:latin typeface="SimHei" charset="-122"/>
-              <a:ea typeface="SimHei" charset="-122"/>
+              <a:latin typeface="Source Code Pro Medium" panose="020B0509030403020204" pitchFamily="49" charset="0"/>
+              <a:ea typeface="Source Code Pro Medium" panose="020B0509030403020204" pitchFamily="49" charset="0"/>
               <a:cs typeface="SimHei" charset="-122"/>
             </a:endParaRPr>
           </a:p>
@@ -7997,8 +8008,8 @@
               </a:lnSpc>
             </a:pPr>
             <a:endParaRPr kumimoji="1" lang="en-US" altLang="zh-CN" dirty="0">
-              <a:latin typeface="SimHei" charset="-122"/>
-              <a:ea typeface="SimHei" charset="-122"/>
+              <a:latin typeface="Source Code Pro Medium" panose="020B0509030403020204" pitchFamily="49" charset="0"/>
+              <a:ea typeface="Source Code Pro Medium" panose="020B0509030403020204" pitchFamily="49" charset="0"/>
               <a:cs typeface="SimHei" charset="-122"/>
             </a:endParaRPr>
           </a:p>
@@ -8010,8 +8021,8 @@
             </a:pPr>
             <a:r>
               <a:rPr kumimoji="1" lang="en-US" altLang="zh-CN" dirty="0">
-                <a:latin typeface="SimHei" charset="-122"/>
-                <a:ea typeface="SimHei" charset="-122"/>
+                <a:latin typeface="Source Code Pro Medium" panose="020B0509030403020204" pitchFamily="49" charset="0"/>
+                <a:ea typeface="Source Code Pro Medium" panose="020B0509030403020204" pitchFamily="49" charset="0"/>
                 <a:cs typeface="SimHei" charset="-122"/>
               </a:rPr>
               <a:t>3.</a:t>
@@ -8025,23 +8036,23 @@
             </a:pPr>
             <a:r>
               <a:rPr kumimoji="1" lang="en-US" altLang="zh-CN" dirty="0">
-                <a:latin typeface="SimHei" charset="-122"/>
+                <a:latin typeface="Source Code Pro Medium" panose="020B0509030403020204" pitchFamily="49" charset="0"/>
+                <a:ea typeface="Source Code Pro Medium" panose="020B0509030403020204" pitchFamily="49" charset="0"/>
+                <a:cs typeface="SimHei" charset="-122"/>
+              </a:rPr>
+              <a:t>Worker</a:t>
+            </a:r>
+            <a:r>
+              <a:rPr kumimoji="1" lang="zh-CN" altLang="en-US" dirty="0">
+                <a:latin typeface="Source Code Pro Medium" panose="020B0509030403020204" pitchFamily="49" charset="0"/>
                 <a:ea typeface="SimHei" charset="-122"/>
                 <a:cs typeface="SimHei" charset="-122"/>
               </a:rPr>
-              <a:t>Worker</a:t>
-            </a:r>
-            <a:r>
-              <a:rPr kumimoji="1" lang="zh-CN" altLang="en-US" dirty="0">
-                <a:latin typeface="SimHei" charset="-122"/>
-                <a:ea typeface="SimHei" charset="-122"/>
-                <a:cs typeface="SimHei" charset="-122"/>
-              </a:rPr>
               <a:t>进程：</a:t>
             </a:r>
             <a:endParaRPr kumimoji="1" lang="en-US" altLang="zh-CN" dirty="0">
-              <a:latin typeface="SimHei" charset="-122"/>
-              <a:ea typeface="SimHei" charset="-122"/>
+              <a:latin typeface="Source Code Pro Medium" panose="020B0509030403020204" pitchFamily="49" charset="0"/>
+              <a:ea typeface="Source Code Pro Medium" panose="020B0509030403020204" pitchFamily="49" charset="0"/>
               <a:cs typeface="SimHei" charset="-122"/>
             </a:endParaRPr>
           </a:p>
@@ -8053,15 +8064,15 @@
             </a:pPr>
             <a:r>
               <a:rPr kumimoji="1" lang="zh-CN" altLang="en-US" dirty="0">
-                <a:latin typeface="SimHei" charset="-122"/>
+                <a:latin typeface="Source Code Pro Medium" panose="020B0509030403020204" pitchFamily="49" charset="0"/>
                 <a:ea typeface="SimHei" charset="-122"/>
                 <a:cs typeface="SimHei" charset="-122"/>
               </a:rPr>
               <a:t>主逻辑进程，处理来自客户端的请求</a:t>
             </a:r>
             <a:endParaRPr kumimoji="1" lang="en-US" altLang="zh-CN" dirty="0">
-              <a:latin typeface="SimHei" charset="-122"/>
-              <a:ea typeface="SimHei" charset="-122"/>
+              <a:latin typeface="Source Code Pro Medium" panose="020B0509030403020204" pitchFamily="49" charset="0"/>
+              <a:ea typeface="Source Code Pro Medium" panose="020B0509030403020204" pitchFamily="49" charset="0"/>
               <a:cs typeface="SimHei" charset="-122"/>
             </a:endParaRPr>
           </a:p>
@@ -8073,23 +8084,23 @@
             </a:pPr>
             <a:r>
               <a:rPr kumimoji="1" lang="en-US" altLang="zh-CN" dirty="0">
-                <a:latin typeface="SimHei" charset="-122"/>
+                <a:latin typeface="Source Code Pro Medium" panose="020B0509030403020204" pitchFamily="49" charset="0"/>
+                <a:ea typeface="Source Code Pro Medium" panose="020B0509030403020204" pitchFamily="49" charset="0"/>
+                <a:cs typeface="SimHei" charset="-122"/>
+              </a:rPr>
+              <a:t>Task</a:t>
+            </a:r>
+            <a:r>
+              <a:rPr kumimoji="1" lang="zh-CN" altLang="en-US" dirty="0">
+                <a:latin typeface="Source Code Pro Medium" panose="020B0509030403020204" pitchFamily="49" charset="0"/>
                 <a:ea typeface="SimHei" charset="-122"/>
                 <a:cs typeface="SimHei" charset="-122"/>
               </a:rPr>
-              <a:t>Task</a:t>
-            </a:r>
-            <a:r>
-              <a:rPr kumimoji="1" lang="zh-CN" altLang="en-US" dirty="0">
-                <a:latin typeface="SimHei" charset="-122"/>
-                <a:ea typeface="SimHei" charset="-122"/>
-                <a:cs typeface="SimHei" charset="-122"/>
-              </a:rPr>
               <a:t>进程：</a:t>
             </a:r>
             <a:endParaRPr kumimoji="1" lang="en-US" altLang="zh-CN" dirty="0">
-              <a:latin typeface="SimHei" charset="-122"/>
-              <a:ea typeface="SimHei" charset="-122"/>
+              <a:latin typeface="Source Code Pro Medium" panose="020B0509030403020204" pitchFamily="49" charset="0"/>
+              <a:ea typeface="Source Code Pro Medium" panose="020B0509030403020204" pitchFamily="49" charset="0"/>
               <a:cs typeface="SimHei" charset="-122"/>
             </a:endParaRPr>
           </a:p>
@@ -8101,15 +8112,15 @@
             </a:pPr>
             <a:r>
               <a:rPr kumimoji="1" lang="zh-CN" altLang="en-US" dirty="0">
-                <a:latin typeface="SimHei" charset="-122"/>
+                <a:latin typeface="Source Code Pro Medium" panose="020B0509030403020204" pitchFamily="49" charset="0"/>
                 <a:ea typeface="SimHei" charset="-122"/>
                 <a:cs typeface="SimHei" charset="-122"/>
               </a:rPr>
               <a:t>异步工作进程，用于处理耗时较长的任务</a:t>
             </a:r>
             <a:endParaRPr kumimoji="1" lang="en-US" altLang="zh-CN" dirty="0">
-              <a:latin typeface="SimHei" charset="-122"/>
-              <a:ea typeface="SimHei" charset="-122"/>
+              <a:latin typeface="Source Code Pro Medium" panose="020B0509030403020204" pitchFamily="49" charset="0"/>
+              <a:ea typeface="Source Code Pro Medium" panose="020B0509030403020204" pitchFamily="49" charset="0"/>
               <a:cs typeface="SimHei" charset="-122"/>
             </a:endParaRPr>
           </a:p>
@@ -8118,30 +8129,6 @@
           </a:p>
         </p:txBody>
       </p:sp>
-      <p:pic>
-        <p:nvPicPr>
-          <p:cNvPr id="6" name="图片 5"/>
-          <p:cNvPicPr>
-            <a:picLocks noChangeAspect="1"/>
-          </p:cNvPicPr>
-          <p:nvPr/>
-        </p:nvPicPr>
-        <p:blipFill>
-          <a:blip r:embed="rId3"/>
-          <a:stretch>
-            <a:fillRect/>
-          </a:stretch>
-        </p:blipFill>
-        <p:spPr>
-          <a:xfrm>
-            <a:off x="5090985" y="2940908"/>
-            <a:ext cx="7101016" cy="3917092"/>
-          </a:xfrm>
-          <a:prstGeom prst="rect">
-            <a:avLst/>
-          </a:prstGeom>
-        </p:spPr>
-      </p:pic>
     </p:spTree>
     <p:extLst>
       <p:ext uri="{BB962C8B-B14F-4D97-AF65-F5344CB8AC3E}">
@@ -8156,7 +8143,7 @@
 </file>
 
 <file path=ppt/slides/slide5.xml><?xml version="1.0" encoding="utf-8"?>
-<p:sld xmlns:a="http://schemas.openxmlformats.org/drawingml/2006/main" xmlns:r="http://schemas.openxmlformats.org/officeDocument/2006/relationships" xmlns:p="http://schemas.openxmlformats.org/presentationml/2006/main" showMasterSp="0">
+<p:sld xmlns:a="http://schemas.openxmlformats.org/drawingml/2006/main" xmlns:r="http://schemas.openxmlformats.org/officeDocument/2006/relationships" xmlns:p="http://schemas.openxmlformats.org/presentationml/2006/main">
   <p:cSld>
     <p:spTree>
       <p:nvGrpSpPr>
@@ -8174,13 +8161,103 @@
       </p:grpSpPr>
       <p:sp>
         <p:nvSpPr>
-          <p:cNvPr id="4" name="矩形 3"/>
+          <p:cNvPr id="5" name="文本框 4"/>
+          <p:cNvSpPr txBox="1"/>
+          <p:nvPr/>
+        </p:nvSpPr>
+        <p:spPr>
+          <a:xfrm>
+            <a:off x="778476" y="420130"/>
+            <a:ext cx="9562953" cy="923330"/>
+          </a:xfrm>
+          <a:prstGeom prst="rect">
+            <a:avLst/>
+          </a:prstGeom>
+          <a:noFill/>
+        </p:spPr>
+        <p:txBody>
+          <a:bodyPr wrap="square" rtlCol="0">
+            <a:spAutoFit/>
+          </a:bodyPr>
+          <a:lstStyle/>
+          <a:p>
+            <a:pPr>
+              <a:lnSpc>
+                <a:spcPct val="150000"/>
+              </a:lnSpc>
+            </a:pPr>
+            <a:r>
+              <a:rPr kumimoji="1" lang="en-US" altLang="zh-CN" sz="2400" dirty="0" err="1">
+                <a:latin typeface="Source Code Pro Medium" panose="020B0509030403020204" pitchFamily="49" charset="0"/>
+                <a:ea typeface="Source Code Pro Medium" panose="020B0509030403020204" pitchFamily="49" charset="0"/>
+                <a:cs typeface="SimHei" charset="-122"/>
+              </a:rPr>
+              <a:t>Swoole</a:t>
+            </a:r>
+            <a:r>
+              <a:rPr kumimoji="1" lang="zh-CN" altLang="en-US" sz="2400" dirty="0">
+                <a:latin typeface="Source Code Pro Medium" panose="020B0509030403020204" pitchFamily="49" charset="0"/>
+                <a:ea typeface="SimHei" charset="-122"/>
+                <a:cs typeface="SimHei" charset="-122"/>
+              </a:rPr>
+              <a:t>的运行流程</a:t>
+            </a:r>
+            <a:endParaRPr kumimoji="1" lang="en-US" altLang="zh-CN" sz="2400" dirty="0">
+              <a:latin typeface="Source Code Pro Medium" panose="020B0509030403020204" pitchFamily="49" charset="0"/>
+              <a:ea typeface="Source Code Pro Medium" panose="020B0509030403020204" pitchFamily="49" charset="0"/>
+              <a:cs typeface="SimHei" charset="-122"/>
+            </a:endParaRPr>
+          </a:p>
+          <a:p>
+            <a:endParaRPr kumimoji="1" lang="zh-CN" altLang="en-US" dirty="0"/>
+          </a:p>
+        </p:txBody>
+      </p:sp>
+      <p:pic>
+        <p:nvPicPr>
+          <p:cNvPr id="3" name="图片 2">
+            <a:extLst>
+              <a:ext uri="{FF2B5EF4-FFF2-40B4-BE49-F238E27FC236}">
+                <a16:creationId xmlns:a16="http://schemas.microsoft.com/office/drawing/2014/main" id="{7834CD22-6D4D-4351-8779-6F3B27C0BF9E}"/>
+              </a:ext>
+            </a:extLst>
+          </p:cNvPr>
+          <p:cNvPicPr>
+            <a:picLocks noChangeAspect="1"/>
+          </p:cNvPicPr>
+          <p:nvPr/>
+        </p:nvPicPr>
+        <p:blipFill>
+          <a:blip r:embed="rId3"/>
+          <a:stretch>
+            <a:fillRect/>
+          </a:stretch>
+        </p:blipFill>
+        <p:spPr>
+          <a:xfrm>
+            <a:off x="449802" y="964409"/>
+            <a:ext cx="5646198" cy="5355312"/>
+          </a:xfrm>
+          <a:prstGeom prst="rect">
+            <a:avLst/>
+          </a:prstGeom>
+        </p:spPr>
+      </p:pic>
+      <p:sp>
+        <p:nvSpPr>
+          <p:cNvPr id="4" name="矩形 3">
+            <a:extLst>
+              <a:ext uri="{FF2B5EF4-FFF2-40B4-BE49-F238E27FC236}">
+                <a16:creationId xmlns:a16="http://schemas.microsoft.com/office/drawing/2014/main" id="{7B54302A-1BCF-47AD-A037-4534002CDDA3}"/>
+              </a:ext>
+            </a:extLst>
+          </p:cNvPr>
           <p:cNvSpPr/>
           <p:nvPr/>
         </p:nvSpPr>
         <p:spPr>
           <a:xfrm>
-            <a:off x="3048000" y="751344"/>
+            <a:off x="6096000" y="964409"/>
             <a:ext cx="6096000" cy="5355312"/>
           </a:xfrm>
           <a:prstGeom prst="rect">
@@ -8198,7 +8275,7 @@
                 <a:solidFill>
                   <a:srgbClr val="2C3E50"/>
                 </a:solidFill>
-                <a:latin typeface="PingFang SC" charset="-122"/>
+                <a:latin typeface="Source Code Pro Medium" panose="020B0509030403020204" pitchFamily="49" charset="0"/>
               </a:rPr>
               <a:t>请求到达 </a:t>
             </a:r>
@@ -8207,64 +8284,53 @@
                 <a:solidFill>
                   <a:srgbClr val="2C3E50"/>
                 </a:solidFill>
-                <a:latin typeface="PingFang SC" charset="-122"/>
+                <a:latin typeface="Source Code Pro Medium" panose="020B0509030403020204" pitchFamily="49" charset="0"/>
+                <a:ea typeface="Source Code Pro Medium" panose="020B0509030403020204" pitchFamily="49" charset="0"/>
               </a:rPr>
               <a:t>Main Reactor </a:t>
             </a:r>
-            <a:r>
-              <a:rPr lang="zh-CN" altLang="en-US" dirty="0"/>
-              <a:t/>
-            </a:r>
             <a:br>
-              <a:rPr lang="zh-CN" altLang="en-US" dirty="0"/>
+              <a:rPr lang="zh-CN" altLang="en-US" dirty="0">
+                <a:latin typeface="Source Code Pro Medium" panose="020B0509030403020204" pitchFamily="49" charset="0"/>
+              </a:rPr>
             </a:br>
             <a:r>
               <a:rPr lang="en-US" altLang="zh-CN" dirty="0">
                 <a:solidFill>
                   <a:srgbClr val="2C3E50"/>
                 </a:solidFill>
-                <a:latin typeface="PingFang SC" charset="-122"/>
+                <a:latin typeface="Source Code Pro Medium" panose="020B0509030403020204" pitchFamily="49" charset="0"/>
+                <a:ea typeface="Source Code Pro Medium" panose="020B0509030403020204" pitchFamily="49" charset="0"/>
               </a:rPr>
               <a:t>| </a:t>
             </a:r>
-            <a:r>
-              <a:rPr lang="zh-CN" altLang="en-US" dirty="0"/>
-              <a:t/>
-            </a:r>
             <a:br>
-              <a:rPr lang="zh-CN" altLang="en-US" dirty="0"/>
+              <a:rPr lang="zh-CN" altLang="en-US" dirty="0">
+                <a:latin typeface="Source Code Pro Medium" panose="020B0509030403020204" pitchFamily="49" charset="0"/>
+              </a:rPr>
             </a:br>
-            <a:r>
-              <a:rPr lang="en-US" altLang="zh-CN" dirty="0" smtClean="0">
-                <a:solidFill>
-                  <a:srgbClr val="2C3E50"/>
-                </a:solidFill>
-                <a:latin typeface="PingFang SC" charset="-122"/>
-              </a:rPr>
-              <a:t>|</a:t>
-            </a:r>
             <a:r>
               <a:rPr lang="en-US" altLang="zh-CN" dirty="0">
                 <a:solidFill>
                   <a:srgbClr val="2C3E50"/>
                 </a:solidFill>
-                <a:latin typeface="PingFang SC" charset="-122"/>
-              </a:rPr>
-              <a:t> </a:t>
-            </a:r>
-            <a:r>
-              <a:rPr lang="zh-CN" altLang="en-US" dirty="0"/>
-              <a:t/>
+                <a:latin typeface="Source Code Pro Medium" panose="020B0509030403020204" pitchFamily="49" charset="0"/>
+                <a:ea typeface="Source Code Pro Medium" panose="020B0509030403020204" pitchFamily="49" charset="0"/>
+              </a:rPr>
+              <a:t>| </a:t>
             </a:r>
             <a:br>
-              <a:rPr lang="zh-CN" altLang="en-US" dirty="0"/>
+              <a:rPr lang="zh-CN" altLang="en-US" dirty="0">
+                <a:latin typeface="Source Code Pro Medium" panose="020B0509030403020204" pitchFamily="49" charset="0"/>
+              </a:rPr>
             </a:br>
             <a:r>
               <a:rPr lang="en-US" altLang="zh-CN" dirty="0">
                 <a:solidFill>
                   <a:srgbClr val="2C3E50"/>
                 </a:solidFill>
-                <a:latin typeface="PingFang SC" charset="-122"/>
+                <a:latin typeface="Source Code Pro Medium" panose="020B0509030403020204" pitchFamily="49" charset="0"/>
+                <a:ea typeface="Source Code Pro Medium" panose="020B0509030403020204" pitchFamily="49" charset="0"/>
               </a:rPr>
               <a:t>Main Reactor</a:t>
             </a:r>
@@ -8273,7 +8339,7 @@
                 <a:solidFill>
                   <a:srgbClr val="2C3E50"/>
                 </a:solidFill>
-                <a:latin typeface="PingFang SC" charset="-122"/>
+                <a:latin typeface="Source Code Pro Medium" panose="020B0509030403020204" pitchFamily="49" charset="0"/>
               </a:rPr>
               <a:t>根据</a:t>
             </a:r>
@@ -8282,7 +8348,8 @@
                 <a:solidFill>
                   <a:srgbClr val="2C3E50"/>
                 </a:solidFill>
-                <a:latin typeface="PingFang SC" charset="-122"/>
+                <a:latin typeface="Source Code Pro Medium" panose="020B0509030403020204" pitchFamily="49" charset="0"/>
+                <a:ea typeface="Source Code Pro Medium" panose="020B0509030403020204" pitchFamily="49" charset="0"/>
               </a:rPr>
               <a:t>Reactor</a:t>
             </a:r>
@@ -8291,7 +8358,7 @@
                 <a:solidFill>
                   <a:srgbClr val="2C3E50"/>
                 </a:solidFill>
-                <a:latin typeface="PingFang SC" charset="-122"/>
+                <a:latin typeface="Source Code Pro Medium" panose="020B0509030403020204" pitchFamily="49" charset="0"/>
               </a:rPr>
               <a:t>的情况，将请求注册给对应的</a:t>
             </a:r>
@@ -8300,23 +8367,23 @@
                 <a:solidFill>
                   <a:srgbClr val="2C3E50"/>
                 </a:solidFill>
-                <a:latin typeface="PingFang SC" charset="-122"/>
+                <a:latin typeface="Source Code Pro Medium" panose="020B0509030403020204" pitchFamily="49" charset="0"/>
+                <a:ea typeface="Source Code Pro Medium" panose="020B0509030403020204" pitchFamily="49" charset="0"/>
               </a:rPr>
               <a:t>Reactor </a:t>
             </a:r>
-            <a:r>
-              <a:rPr lang="zh-CN" altLang="en-US" dirty="0"/>
-              <a:t/>
-            </a:r>
             <a:br>
-              <a:rPr lang="zh-CN" altLang="en-US" dirty="0"/>
+              <a:rPr lang="zh-CN" altLang="en-US" dirty="0">
+                <a:latin typeface="Source Code Pro Medium" panose="020B0509030403020204" pitchFamily="49" charset="0"/>
+              </a:rPr>
             </a:br>
             <a:r>
               <a:rPr lang="en-US" altLang="zh-CN" dirty="0">
                 <a:solidFill>
                   <a:srgbClr val="2C3E50"/>
                 </a:solidFill>
-                <a:latin typeface="PingFang SC" charset="-122"/>
+                <a:latin typeface="Source Code Pro Medium" panose="020B0509030403020204" pitchFamily="49" charset="0"/>
+                <a:ea typeface="Source Code Pro Medium" panose="020B0509030403020204" pitchFamily="49" charset="0"/>
               </a:rPr>
               <a:t>(</a:t>
             </a:r>
@@ -8325,7 +8392,7 @@
                 <a:solidFill>
                   <a:srgbClr val="2C3E50"/>
                 </a:solidFill>
-                <a:latin typeface="PingFang SC" charset="-122"/>
+                <a:latin typeface="Source Code Pro Medium" panose="020B0509030403020204" pitchFamily="49" charset="0"/>
               </a:rPr>
               <a:t>每个</a:t>
             </a:r>
@@ -8334,7 +8401,8 @@
                 <a:solidFill>
                   <a:srgbClr val="2C3E50"/>
                 </a:solidFill>
-                <a:latin typeface="PingFang SC" charset="-122"/>
+                <a:latin typeface="Source Code Pro Medium" panose="020B0509030403020204" pitchFamily="49" charset="0"/>
+                <a:ea typeface="Source Code Pro Medium" panose="020B0509030403020204" pitchFamily="49" charset="0"/>
               </a:rPr>
               <a:t>Reactor</a:t>
             </a:r>
@@ -8343,7 +8411,7 @@
                 <a:solidFill>
                   <a:srgbClr val="2C3E50"/>
                 </a:solidFill>
-                <a:latin typeface="PingFang SC" charset="-122"/>
+                <a:latin typeface="Source Code Pro Medium" panose="020B0509030403020204" pitchFamily="49" charset="0"/>
               </a:rPr>
               <a:t>都有</a:t>
             </a:r>
@@ -8352,7 +8420,8 @@
                 <a:solidFill>
                   <a:srgbClr val="2C3E50"/>
                 </a:solidFill>
-                <a:latin typeface="PingFang SC" charset="-122"/>
+                <a:latin typeface="Source Code Pro Medium" panose="020B0509030403020204" pitchFamily="49" charset="0"/>
+                <a:ea typeface="Source Code Pro Medium" panose="020B0509030403020204" pitchFamily="49" charset="0"/>
               </a:rPr>
               <a:t>epoll</a:t>
             </a:r>
@@ -8361,7 +8430,7 @@
                 <a:solidFill>
                   <a:srgbClr val="2C3E50"/>
                 </a:solidFill>
-                <a:latin typeface="PingFang SC" charset="-122"/>
+                <a:latin typeface="Source Code Pro Medium" panose="020B0509030403020204" pitchFamily="49" charset="0"/>
               </a:rPr>
               <a:t>。用来监听客户端的变化</a:t>
             </a:r>
@@ -8370,55 +8439,52 @@
                 <a:solidFill>
                   <a:srgbClr val="2C3E50"/>
                 </a:solidFill>
-                <a:latin typeface="PingFang SC" charset="-122"/>
+                <a:latin typeface="Source Code Pro Medium" panose="020B0509030403020204" pitchFamily="49" charset="0"/>
+                <a:ea typeface="Source Code Pro Medium" panose="020B0509030403020204" pitchFamily="49" charset="0"/>
               </a:rPr>
               <a:t>) </a:t>
             </a:r>
-            <a:r>
-              <a:rPr lang="zh-CN" altLang="en-US" dirty="0"/>
-              <a:t/>
-            </a:r>
             <a:br>
-              <a:rPr lang="zh-CN" altLang="en-US" dirty="0"/>
+              <a:rPr lang="zh-CN" altLang="en-US" dirty="0">
+                <a:latin typeface="Source Code Pro Medium" panose="020B0509030403020204" pitchFamily="49" charset="0"/>
+              </a:rPr>
             </a:br>
             <a:r>
               <a:rPr lang="en-US" altLang="zh-CN" dirty="0">
                 <a:solidFill>
                   <a:srgbClr val="2C3E50"/>
                 </a:solidFill>
-                <a:latin typeface="PingFang SC" charset="-122"/>
+                <a:latin typeface="Source Code Pro Medium" panose="020B0509030403020204" pitchFamily="49" charset="0"/>
+                <a:ea typeface="Source Code Pro Medium" panose="020B0509030403020204" pitchFamily="49" charset="0"/>
               </a:rPr>
               <a:t>| </a:t>
             </a:r>
-            <a:r>
-              <a:rPr lang="zh-CN" altLang="en-US" dirty="0"/>
-              <a:t/>
-            </a:r>
             <a:br>
-              <a:rPr lang="zh-CN" altLang="en-US" dirty="0"/>
+              <a:rPr lang="zh-CN" altLang="en-US" dirty="0">
+                <a:latin typeface="Source Code Pro Medium" panose="020B0509030403020204" pitchFamily="49" charset="0"/>
+              </a:rPr>
             </a:br>
             <a:r>
               <a:rPr lang="en-US" altLang="zh-CN" dirty="0">
                 <a:solidFill>
                   <a:srgbClr val="2C3E50"/>
                 </a:solidFill>
-                <a:latin typeface="PingFang SC" charset="-122"/>
+                <a:latin typeface="Source Code Pro Medium" panose="020B0509030403020204" pitchFamily="49" charset="0"/>
+                <a:ea typeface="Source Code Pro Medium" panose="020B0509030403020204" pitchFamily="49" charset="0"/>
               </a:rPr>
               <a:t>| </a:t>
             </a:r>
-            <a:r>
-              <a:rPr lang="zh-CN" altLang="en-US" dirty="0"/>
-              <a:t/>
-            </a:r>
             <a:br>
-              <a:rPr lang="zh-CN" altLang="en-US" dirty="0"/>
+              <a:rPr lang="zh-CN" altLang="en-US" dirty="0">
+                <a:latin typeface="Source Code Pro Medium" panose="020B0509030403020204" pitchFamily="49" charset="0"/>
+              </a:rPr>
             </a:br>
             <a:r>
               <a:rPr lang="zh-CN" altLang="en-US" dirty="0">
                 <a:solidFill>
                   <a:srgbClr val="2C3E50"/>
                 </a:solidFill>
-                <a:latin typeface="PingFang SC" charset="-122"/>
+                <a:latin typeface="Source Code Pro Medium" panose="020B0509030403020204" pitchFamily="49" charset="0"/>
               </a:rPr>
               <a:t>客户端有变化时，交给</a:t>
             </a:r>
@@ -8427,7 +8493,8 @@
                 <a:solidFill>
                   <a:srgbClr val="2C3E50"/>
                 </a:solidFill>
-                <a:latin typeface="PingFang SC" charset="-122"/>
+                <a:latin typeface="Source Code Pro Medium" panose="020B0509030403020204" pitchFamily="49" charset="0"/>
+                <a:ea typeface="Source Code Pro Medium" panose="020B0509030403020204" pitchFamily="49" charset="0"/>
               </a:rPr>
               <a:t>worker</a:t>
             </a:r>
@@ -8436,55 +8503,52 @@
                 <a:solidFill>
                   <a:srgbClr val="2C3E50"/>
                 </a:solidFill>
-                <a:latin typeface="PingFang SC" charset="-122"/>
+                <a:latin typeface="Source Code Pro Medium" panose="020B0509030403020204" pitchFamily="49" charset="0"/>
               </a:rPr>
               <a:t>来处理 </a:t>
             </a:r>
-            <a:r>
-              <a:rPr lang="zh-CN" altLang="en-US" dirty="0"/>
-              <a:t/>
-            </a:r>
             <a:br>
-              <a:rPr lang="zh-CN" altLang="en-US" dirty="0"/>
+              <a:rPr lang="zh-CN" altLang="en-US" dirty="0">
+                <a:latin typeface="Source Code Pro Medium" panose="020B0509030403020204" pitchFamily="49" charset="0"/>
+              </a:rPr>
             </a:br>
             <a:r>
               <a:rPr lang="en-US" altLang="zh-CN" dirty="0">
                 <a:solidFill>
                   <a:srgbClr val="2C3E50"/>
                 </a:solidFill>
-                <a:latin typeface="PingFang SC" charset="-122"/>
+                <a:latin typeface="Source Code Pro Medium" panose="020B0509030403020204" pitchFamily="49" charset="0"/>
+                <a:ea typeface="Source Code Pro Medium" panose="020B0509030403020204" pitchFamily="49" charset="0"/>
               </a:rPr>
               <a:t>| </a:t>
             </a:r>
-            <a:r>
-              <a:rPr lang="zh-CN" altLang="en-US" dirty="0"/>
-              <a:t/>
-            </a:r>
             <a:br>
-              <a:rPr lang="zh-CN" altLang="en-US" dirty="0"/>
+              <a:rPr lang="zh-CN" altLang="en-US" dirty="0">
+                <a:latin typeface="Source Code Pro Medium" panose="020B0509030403020204" pitchFamily="49" charset="0"/>
+              </a:rPr>
             </a:br>
             <a:r>
               <a:rPr lang="en-US" altLang="zh-CN" dirty="0">
                 <a:solidFill>
                   <a:srgbClr val="2C3E50"/>
                 </a:solidFill>
-                <a:latin typeface="PingFang SC" charset="-122"/>
+                <a:latin typeface="Source Code Pro Medium" panose="020B0509030403020204" pitchFamily="49" charset="0"/>
+                <a:ea typeface="Source Code Pro Medium" panose="020B0509030403020204" pitchFamily="49" charset="0"/>
               </a:rPr>
               <a:t>| </a:t>
             </a:r>
-            <a:r>
-              <a:rPr lang="zh-CN" altLang="en-US" dirty="0"/>
-              <a:t/>
-            </a:r>
             <a:br>
-              <a:rPr lang="zh-CN" altLang="en-US" dirty="0"/>
+              <a:rPr lang="zh-CN" altLang="en-US" dirty="0">
+                <a:latin typeface="Source Code Pro Medium" panose="020B0509030403020204" pitchFamily="49" charset="0"/>
+              </a:rPr>
             </a:br>
             <a:r>
               <a:rPr lang="en-US" altLang="zh-CN" dirty="0">
                 <a:solidFill>
                   <a:srgbClr val="2C3E50"/>
                 </a:solidFill>
-                <a:latin typeface="PingFang SC" charset="-122"/>
+                <a:latin typeface="Source Code Pro Medium" panose="020B0509030403020204" pitchFamily="49" charset="0"/>
+                <a:ea typeface="Source Code Pro Medium" panose="020B0509030403020204" pitchFamily="49" charset="0"/>
               </a:rPr>
               <a:t>worker</a:t>
             </a:r>
@@ -8493,7 +8557,7 @@
                 <a:solidFill>
                   <a:srgbClr val="2C3E50"/>
                 </a:solidFill>
-                <a:latin typeface="PingFang SC" charset="-122"/>
+                <a:latin typeface="Source Code Pro Medium" panose="020B0509030403020204" pitchFamily="49" charset="0"/>
               </a:rPr>
               <a:t>处理完毕，通过进程间通信</a:t>
             </a:r>
@@ -8502,7 +8566,8 @@
                 <a:solidFill>
                   <a:srgbClr val="2C3E50"/>
                 </a:solidFill>
-                <a:latin typeface="PingFang SC" charset="-122"/>
+                <a:latin typeface="Source Code Pro Medium" panose="020B0509030403020204" pitchFamily="49" charset="0"/>
+                <a:ea typeface="Source Code Pro Medium" panose="020B0509030403020204" pitchFamily="49" charset="0"/>
               </a:rPr>
               <a:t>(</a:t>
             </a:r>
@@ -8511,7 +8576,7 @@
                 <a:solidFill>
                   <a:srgbClr val="2C3E50"/>
                 </a:solidFill>
-                <a:latin typeface="PingFang SC" charset="-122"/>
+                <a:latin typeface="Source Code Pro Medium" panose="020B0509030403020204" pitchFamily="49" charset="0"/>
               </a:rPr>
               <a:t>比如管道、共享内存、消息队列</a:t>
             </a:r>
@@ -8520,7 +8585,8 @@
                 <a:solidFill>
                   <a:srgbClr val="2C3E50"/>
                 </a:solidFill>
-                <a:latin typeface="PingFang SC" charset="-122"/>
+                <a:latin typeface="Source Code Pro Medium" panose="020B0509030403020204" pitchFamily="49" charset="0"/>
+                <a:ea typeface="Source Code Pro Medium" panose="020B0509030403020204" pitchFamily="49" charset="0"/>
               </a:rPr>
               <a:t>)</a:t>
             </a:r>
@@ -8529,7 +8595,7 @@
                 <a:solidFill>
                   <a:srgbClr val="2C3E50"/>
                 </a:solidFill>
-                <a:latin typeface="PingFang SC" charset="-122"/>
+                <a:latin typeface="Source Code Pro Medium" panose="020B0509030403020204" pitchFamily="49" charset="0"/>
               </a:rPr>
               <a:t>发给对应的</a:t>
             </a:r>
@@ -8538,7 +8604,8 @@
                 <a:solidFill>
                   <a:srgbClr val="2C3E50"/>
                 </a:solidFill>
-                <a:latin typeface="PingFang SC" charset="-122"/>
+                <a:latin typeface="Source Code Pro Medium" panose="020B0509030403020204" pitchFamily="49" charset="0"/>
+                <a:ea typeface="Source Code Pro Medium" panose="020B0509030403020204" pitchFamily="49" charset="0"/>
               </a:rPr>
               <a:t>reactor</a:t>
             </a:r>
@@ -8547,55 +8614,52 @@
                 <a:solidFill>
                   <a:srgbClr val="2C3E50"/>
                 </a:solidFill>
-                <a:latin typeface="PingFang SC" charset="-122"/>
+                <a:latin typeface="Source Code Pro Medium" panose="020B0509030403020204" pitchFamily="49" charset="0"/>
               </a:rPr>
               <a:t>。 </a:t>
             </a:r>
-            <a:r>
-              <a:rPr lang="zh-CN" altLang="en-US" dirty="0"/>
-              <a:t/>
-            </a:r>
             <a:br>
-              <a:rPr lang="zh-CN" altLang="en-US" dirty="0"/>
+              <a:rPr lang="zh-CN" altLang="en-US" dirty="0">
+                <a:latin typeface="Source Code Pro Medium" panose="020B0509030403020204" pitchFamily="49" charset="0"/>
+              </a:rPr>
             </a:br>
             <a:r>
               <a:rPr lang="en-US" altLang="zh-CN" dirty="0">
                 <a:solidFill>
                   <a:srgbClr val="2C3E50"/>
                 </a:solidFill>
-                <a:latin typeface="PingFang SC" charset="-122"/>
+                <a:latin typeface="Source Code Pro Medium" panose="020B0509030403020204" pitchFamily="49" charset="0"/>
+                <a:ea typeface="Source Code Pro Medium" panose="020B0509030403020204" pitchFamily="49" charset="0"/>
               </a:rPr>
               <a:t>| </a:t>
             </a:r>
-            <a:r>
-              <a:rPr lang="zh-CN" altLang="en-US" dirty="0"/>
-              <a:t/>
-            </a:r>
             <a:br>
-              <a:rPr lang="zh-CN" altLang="en-US" dirty="0"/>
+              <a:rPr lang="zh-CN" altLang="en-US" dirty="0">
+                <a:latin typeface="Source Code Pro Medium" panose="020B0509030403020204" pitchFamily="49" charset="0"/>
+              </a:rPr>
             </a:br>
             <a:r>
               <a:rPr lang="en-US" altLang="zh-CN" dirty="0">
                 <a:solidFill>
                   <a:srgbClr val="2C3E50"/>
                 </a:solidFill>
-                <a:latin typeface="PingFang SC" charset="-122"/>
+                <a:latin typeface="Source Code Pro Medium" panose="020B0509030403020204" pitchFamily="49" charset="0"/>
+                <a:ea typeface="Source Code Pro Medium" panose="020B0509030403020204" pitchFamily="49" charset="0"/>
               </a:rPr>
               <a:t>| </a:t>
             </a:r>
-            <a:r>
-              <a:rPr lang="zh-CN" altLang="en-US" dirty="0"/>
-              <a:t/>
-            </a:r>
             <a:br>
-              <a:rPr lang="zh-CN" altLang="en-US" dirty="0"/>
+              <a:rPr lang="zh-CN" altLang="en-US" dirty="0">
+                <a:latin typeface="Source Code Pro Medium" panose="020B0509030403020204" pitchFamily="49" charset="0"/>
+              </a:rPr>
             </a:br>
             <a:r>
               <a:rPr lang="en-US" altLang="zh-CN" dirty="0">
                 <a:solidFill>
                   <a:srgbClr val="2C3E50"/>
                 </a:solidFill>
-                <a:latin typeface="PingFang SC" charset="-122"/>
+                <a:latin typeface="Source Code Pro Medium" panose="020B0509030403020204" pitchFamily="49" charset="0"/>
+                <a:ea typeface="Source Code Pro Medium" panose="020B0509030403020204" pitchFamily="49" charset="0"/>
               </a:rPr>
               <a:t>reactor</a:t>
             </a:r>
@@ -8604,66 +8668,64 @@
                 <a:solidFill>
                   <a:srgbClr val="2C3E50"/>
                 </a:solidFill>
-                <a:latin typeface="PingFang SC" charset="-122"/>
+                <a:latin typeface="Source Code Pro Medium" panose="020B0509030403020204" pitchFamily="49" charset="0"/>
               </a:rPr>
               <a:t>将响应结果发给相应的连接 </a:t>
             </a:r>
-            <a:r>
-              <a:rPr lang="zh-CN" altLang="en-US" dirty="0"/>
-              <a:t/>
-            </a:r>
             <a:br>
-              <a:rPr lang="zh-CN" altLang="en-US" dirty="0"/>
+              <a:rPr lang="zh-CN" altLang="en-US" dirty="0">
+                <a:latin typeface="Source Code Pro Medium" panose="020B0509030403020204" pitchFamily="49" charset="0"/>
+              </a:rPr>
             </a:br>
             <a:r>
               <a:rPr lang="en-US" altLang="zh-CN" dirty="0">
                 <a:solidFill>
                   <a:srgbClr val="2C3E50"/>
                 </a:solidFill>
-                <a:latin typeface="PingFang SC" charset="-122"/>
+                <a:latin typeface="Source Code Pro Medium" panose="020B0509030403020204" pitchFamily="49" charset="0"/>
+                <a:ea typeface="Source Code Pro Medium" panose="020B0509030403020204" pitchFamily="49" charset="0"/>
               </a:rPr>
               <a:t>| </a:t>
             </a:r>
-            <a:r>
-              <a:rPr lang="zh-CN" altLang="en-US" dirty="0"/>
-              <a:t/>
-            </a:r>
             <a:br>
-              <a:rPr lang="zh-CN" altLang="en-US" dirty="0"/>
+              <a:rPr lang="zh-CN" altLang="en-US" dirty="0">
+                <a:latin typeface="Source Code Pro Medium" panose="020B0509030403020204" pitchFamily="49" charset="0"/>
+              </a:rPr>
             </a:br>
             <a:r>
               <a:rPr lang="en-US" altLang="zh-CN" dirty="0">
                 <a:solidFill>
                   <a:srgbClr val="2C3E50"/>
                 </a:solidFill>
-                <a:latin typeface="PingFang SC" charset="-122"/>
+                <a:latin typeface="Source Code Pro Medium" panose="020B0509030403020204" pitchFamily="49" charset="0"/>
+                <a:ea typeface="Source Code Pro Medium" panose="020B0509030403020204" pitchFamily="49" charset="0"/>
               </a:rPr>
               <a:t>| </a:t>
             </a:r>
-            <a:r>
-              <a:rPr lang="zh-CN" altLang="en-US" dirty="0"/>
-              <a:t/>
-            </a:r>
             <a:br>
-              <a:rPr lang="zh-CN" altLang="en-US" dirty="0"/>
+              <a:rPr lang="zh-CN" altLang="en-US" dirty="0">
+                <a:latin typeface="Source Code Pro Medium" panose="020B0509030403020204" pitchFamily="49" charset="0"/>
+              </a:rPr>
             </a:br>
             <a:r>
               <a:rPr lang="zh-CN" altLang="en-US" dirty="0">
                 <a:solidFill>
                   <a:srgbClr val="2C3E50"/>
                 </a:solidFill>
-                <a:latin typeface="PingFang SC" charset="-122"/>
+                <a:latin typeface="Source Code Pro Medium" panose="020B0509030403020204" pitchFamily="49" charset="0"/>
               </a:rPr>
               <a:t>请求处理完成</a:t>
             </a:r>
-            <a:endParaRPr lang="zh-CN" altLang="en-US" dirty="0"/>
+            <a:endParaRPr lang="zh-CN" altLang="en-US" dirty="0">
+              <a:latin typeface="Source Code Pro Medium" panose="020B0509030403020204" pitchFamily="49" charset="0"/>
+            </a:endParaRPr>
           </a:p>
         </p:txBody>
       </p:sp>
     </p:spTree>
     <p:extLst>
       <p:ext uri="{BB962C8B-B14F-4D97-AF65-F5344CB8AC3E}">
-        <p14:creationId xmlns:p14="http://schemas.microsoft.com/office/powerpoint/2010/main" val="307104470"/>
+        <p14:creationId xmlns:p14="http://schemas.microsoft.com/office/powerpoint/2010/main" val="2517491227"/>
       </p:ext>
     </p:extLst>
   </p:cSld>
@@ -8718,60 +8780,81 @@
               </a:lnSpc>
             </a:pPr>
             <a:r>
-              <a:rPr kumimoji="1" lang="en-US" altLang="zh-CN" sz="2400" b="1" dirty="0" err="1" smtClean="0">
-                <a:latin typeface="SimHei" charset="-122"/>
+              <a:rPr kumimoji="1" lang="en-US" altLang="zh-CN" sz="2400" b="1" dirty="0" err="1">
+                <a:latin typeface="Source Code Pro Medium" panose="020B0509030403020204" pitchFamily="49" charset="0"/>
+                <a:ea typeface="Source Code Pro Medium" panose="020B0509030403020204" pitchFamily="49" charset="0"/>
+                <a:cs typeface="SimHei" charset="-122"/>
+              </a:rPr>
+              <a:t>Swoole</a:t>
+            </a:r>
+            <a:r>
+              <a:rPr kumimoji="1" lang="zh-CN" altLang="en-US" sz="2400" b="1" dirty="0">
+                <a:latin typeface="Source Code Pro Medium" panose="020B0509030403020204" pitchFamily="49" charset="0"/>
                 <a:ea typeface="SimHei" charset="-122"/>
                 <a:cs typeface="SimHei" charset="-122"/>
               </a:rPr>
-              <a:t>Swoole</a:t>
-            </a:r>
-            <a:r>
-              <a:rPr kumimoji="1" lang="zh-CN" altLang="en-US" sz="2400" b="1" dirty="0" smtClean="0">
-                <a:latin typeface="SimHei" charset="-122"/>
-                <a:ea typeface="SimHei" charset="-122"/>
-                <a:cs typeface="SimHei" charset="-122"/>
-              </a:rPr>
               <a:t>的实例</a:t>
             </a:r>
             <a:endParaRPr kumimoji="1" lang="en-US" altLang="zh-CN" sz="2400" b="1" dirty="0">
-              <a:latin typeface="SimHei" charset="-122"/>
-              <a:ea typeface="SimHei" charset="-122"/>
+              <a:latin typeface="Source Code Pro Medium" panose="020B0509030403020204" pitchFamily="49" charset="0"/>
+              <a:ea typeface="Source Code Pro Medium" panose="020B0509030403020204" pitchFamily="49" charset="0"/>
               <a:cs typeface="SimHei" charset="-122"/>
             </a:endParaRPr>
           </a:p>
           <a:p>
-            <a:endParaRPr kumimoji="1" lang="en-US" altLang="zh-CN" dirty="0" smtClean="0"/>
+            <a:endParaRPr kumimoji="1" lang="en-US" altLang="zh-CN" dirty="0">
+              <a:latin typeface="Source Code Pro Medium" panose="020B0509030403020204" pitchFamily="49" charset="0"/>
+              <a:ea typeface="Source Code Pro Medium" panose="020B0509030403020204" pitchFamily="49" charset="0"/>
+            </a:endParaRPr>
           </a:p>
           <a:p>
             <a:pPr marL="342900" indent="-342900">
               <a:buAutoNum type="arabicPeriod"/>
             </a:pPr>
             <a:r>
-              <a:rPr kumimoji="1" lang="en-US" altLang="zh-CN" dirty="0" err="1" smtClean="0"/>
+              <a:rPr kumimoji="1" lang="en-US" altLang="zh-CN" dirty="0" err="1">
+                <a:latin typeface="Source Code Pro Medium" panose="020B0509030403020204" pitchFamily="49" charset="0"/>
+                <a:ea typeface="Source Code Pro Medium" panose="020B0509030403020204" pitchFamily="49" charset="0"/>
+              </a:rPr>
               <a:t>tcp</a:t>
             </a:r>
             <a:r>
-              <a:rPr kumimoji="1" lang="zh-CN" altLang="en-US" dirty="0" smtClean="0"/>
+              <a:rPr kumimoji="1" lang="zh-CN" altLang="en-US" dirty="0">
+                <a:latin typeface="Source Code Pro Medium" panose="020B0509030403020204" pitchFamily="49" charset="0"/>
+              </a:rPr>
               <a:t> </a:t>
             </a:r>
             <a:r>
-              <a:rPr kumimoji="1" lang="en-US" altLang="zh-CN" dirty="0" smtClean="0"/>
+              <a:rPr kumimoji="1" lang="en-US" altLang="zh-CN" dirty="0">
+                <a:latin typeface="Source Code Pro Medium" panose="020B0509030403020204" pitchFamily="49" charset="0"/>
+                <a:ea typeface="Source Code Pro Medium" panose="020B0509030403020204" pitchFamily="49" charset="0"/>
+              </a:rPr>
               <a:t>Server</a:t>
             </a:r>
             <a:r>
-              <a:rPr kumimoji="1" lang="zh-CN" altLang="en-US" dirty="0" smtClean="0"/>
+              <a:rPr kumimoji="1" lang="zh-CN" altLang="en-US" dirty="0">
+                <a:latin typeface="Source Code Pro Medium" panose="020B0509030403020204" pitchFamily="49" charset="0"/>
+              </a:rPr>
               <a:t> 和 </a:t>
             </a:r>
             <a:r>
-              <a:rPr kumimoji="1" lang="en-US" altLang="zh-CN" dirty="0" err="1" smtClean="0"/>
+              <a:rPr kumimoji="1" lang="en-US" altLang="zh-CN" dirty="0" err="1">
+                <a:latin typeface="Source Code Pro Medium" panose="020B0509030403020204" pitchFamily="49" charset="0"/>
+                <a:ea typeface="Source Code Pro Medium" panose="020B0509030403020204" pitchFamily="49" charset="0"/>
+              </a:rPr>
               <a:t>tcp</a:t>
             </a:r>
             <a:r>
-              <a:rPr kumimoji="1" lang="zh-CN" altLang="en-US" dirty="0" smtClean="0"/>
+              <a:rPr kumimoji="1" lang="zh-CN" altLang="en-US" dirty="0">
+                <a:latin typeface="Source Code Pro Medium" panose="020B0509030403020204" pitchFamily="49" charset="0"/>
+              </a:rPr>
               <a:t> </a:t>
             </a:r>
             <a:r>
-              <a:rPr kumimoji="1" lang="en-US" altLang="zh-CN" dirty="0" smtClean="0"/>
+              <a:rPr kumimoji="1" lang="en-US" altLang="zh-CN" dirty="0">
+                <a:latin typeface="Source Code Pro Medium" panose="020B0509030403020204" pitchFamily="49" charset="0"/>
+                <a:ea typeface="Source Code Pro Medium" panose="020B0509030403020204" pitchFamily="49" charset="0"/>
+              </a:rPr>
               <a:t>Client</a:t>
             </a:r>
           </a:p>
@@ -8779,38 +8862,59 @@
             <a:pPr marL="342900" indent="-342900">
               <a:buAutoNum type="arabicPeriod"/>
             </a:pPr>
-            <a:endParaRPr kumimoji="1" lang="en-US" altLang="zh-CN" dirty="0"/>
+            <a:endParaRPr kumimoji="1" lang="en-US" altLang="zh-CN" dirty="0">
+              <a:latin typeface="Source Code Pro Medium" panose="020B0509030403020204" pitchFamily="49" charset="0"/>
+              <a:ea typeface="Source Code Pro Medium" panose="020B0509030403020204" pitchFamily="49" charset="0"/>
+            </a:endParaRPr>
           </a:p>
           <a:p>
             <a:pPr marL="342900" indent="-342900">
               <a:buAutoNum type="arabicPeriod"/>
             </a:pPr>
             <a:r>
-              <a:rPr kumimoji="1" lang="en-US" altLang="zh-CN" dirty="0" err="1" smtClean="0"/>
+              <a:rPr kumimoji="1" lang="en-US" altLang="zh-CN" dirty="0" err="1">
+                <a:latin typeface="Source Code Pro Medium" panose="020B0509030403020204" pitchFamily="49" charset="0"/>
+                <a:ea typeface="Source Code Pro Medium" panose="020B0509030403020204" pitchFamily="49" charset="0"/>
+              </a:rPr>
               <a:t>udp</a:t>
             </a:r>
             <a:r>
-              <a:rPr kumimoji="1" lang="zh-CN" altLang="en-US" dirty="0" smtClean="0"/>
+              <a:rPr kumimoji="1" lang="zh-CN" altLang="en-US" dirty="0">
+                <a:latin typeface="Source Code Pro Medium" panose="020B0509030403020204" pitchFamily="49" charset="0"/>
+              </a:rPr>
               <a:t> </a:t>
             </a:r>
             <a:r>
-              <a:rPr kumimoji="1" lang="en-US" altLang="zh-CN" dirty="0" smtClean="0"/>
+              <a:rPr kumimoji="1" lang="en-US" altLang="zh-CN" dirty="0">
+                <a:latin typeface="Source Code Pro Medium" panose="020B0509030403020204" pitchFamily="49" charset="0"/>
+                <a:ea typeface="Source Code Pro Medium" panose="020B0509030403020204" pitchFamily="49" charset="0"/>
+              </a:rPr>
               <a:t>Server</a:t>
             </a:r>
             <a:r>
-              <a:rPr kumimoji="1" lang="zh-CN" altLang="en-US" dirty="0" smtClean="0"/>
+              <a:rPr kumimoji="1" lang="zh-CN" altLang="en-US" dirty="0">
+                <a:latin typeface="Source Code Pro Medium" panose="020B0509030403020204" pitchFamily="49" charset="0"/>
+              </a:rPr>
               <a:t> 和 </a:t>
             </a:r>
             <a:r>
-              <a:rPr kumimoji="1" lang="en-US" altLang="zh-CN" dirty="0" err="1" smtClean="0"/>
+              <a:rPr kumimoji="1" lang="en-US" altLang="zh-CN" dirty="0" err="1">
+                <a:latin typeface="Source Code Pro Medium" panose="020B0509030403020204" pitchFamily="49" charset="0"/>
+                <a:ea typeface="Source Code Pro Medium" panose="020B0509030403020204" pitchFamily="49" charset="0"/>
+              </a:rPr>
               <a:t>udp</a:t>
             </a:r>
             <a:r>
-              <a:rPr kumimoji="1" lang="zh-CN" altLang="en-US" dirty="0" smtClean="0"/>
+              <a:rPr kumimoji="1" lang="zh-CN" altLang="en-US" dirty="0">
+                <a:latin typeface="Source Code Pro Medium" panose="020B0509030403020204" pitchFamily="49" charset="0"/>
+              </a:rPr>
               <a:t> </a:t>
             </a:r>
             <a:r>
-              <a:rPr kumimoji="1" lang="en-US" altLang="zh-CN" dirty="0" smtClean="0"/>
+              <a:rPr kumimoji="1" lang="en-US" altLang="zh-CN" dirty="0">
+                <a:latin typeface="Source Code Pro Medium" panose="020B0509030403020204" pitchFamily="49" charset="0"/>
+                <a:ea typeface="Source Code Pro Medium" panose="020B0509030403020204" pitchFamily="49" charset="0"/>
+              </a:rPr>
               <a:t>Server</a:t>
             </a:r>
           </a:p>
@@ -8818,47 +8922,59 @@
             <a:pPr marL="342900" indent="-342900">
               <a:buAutoNum type="arabicPeriod"/>
             </a:pPr>
-            <a:endParaRPr kumimoji="1" lang="en-US" altLang="zh-CN" dirty="0"/>
+            <a:endParaRPr kumimoji="1" lang="en-US" altLang="zh-CN" dirty="0">
+              <a:latin typeface="Source Code Pro Medium" panose="020B0509030403020204" pitchFamily="49" charset="0"/>
+              <a:ea typeface="Source Code Pro Medium" panose="020B0509030403020204" pitchFamily="49" charset="0"/>
+            </a:endParaRPr>
           </a:p>
           <a:p>
             <a:pPr marL="342900" indent="-342900">
               <a:buAutoNum type="arabicPeriod"/>
             </a:pPr>
             <a:r>
-              <a:rPr kumimoji="1" lang="en-US" altLang="zh-CN" dirty="0" err="1" smtClean="0"/>
-              <a:t>Webscoket</a:t>
-            </a:r>
-            <a:endParaRPr kumimoji="1" lang="en-US" altLang="zh-CN" dirty="0" smtClean="0"/>
+              <a:rPr kumimoji="1" lang="en-US" altLang="zh-CN" dirty="0" err="1">
+                <a:latin typeface="Source Code Pro Medium" panose="020B0509030403020204" pitchFamily="49" charset="0"/>
+                <a:ea typeface="Source Code Pro Medium" panose="020B0509030403020204" pitchFamily="49" charset="0"/>
+              </a:rPr>
+              <a:t>webscoket</a:t>
+            </a:r>
+            <a:endParaRPr kumimoji="1" lang="en-US" altLang="zh-CN" dirty="0">
+              <a:latin typeface="Source Code Pro Medium" panose="020B0509030403020204" pitchFamily="49" charset="0"/>
+              <a:ea typeface="Source Code Pro Medium" panose="020B0509030403020204" pitchFamily="49" charset="0"/>
+            </a:endParaRPr>
           </a:p>
           <a:p>
             <a:pPr marL="342900" indent="-342900">
               <a:buAutoNum type="arabicPeriod"/>
             </a:pPr>
-            <a:endParaRPr kumimoji="1" lang="en-US" altLang="zh-CN" dirty="0"/>
+            <a:endParaRPr kumimoji="1" lang="en-US" altLang="zh-CN" dirty="0">
+              <a:latin typeface="Source Code Pro Medium" panose="020B0509030403020204" pitchFamily="49" charset="0"/>
+              <a:ea typeface="Source Code Pro Medium" panose="020B0509030403020204" pitchFamily="49" charset="0"/>
+            </a:endParaRPr>
           </a:p>
           <a:p>
             <a:pPr marL="342900" indent="-342900">
               <a:buAutoNum type="arabicPeriod"/>
             </a:pPr>
             <a:r>
-              <a:rPr kumimoji="1" lang="zh-CN" altLang="en-US" dirty="0" smtClean="0"/>
+              <a:rPr kumimoji="1" lang="zh-CN" altLang="en-US" dirty="0">
+                <a:latin typeface="Source Code Pro Medium" panose="020B0509030403020204" pitchFamily="49" charset="0"/>
+              </a:rPr>
               <a:t>异步导入</a:t>
             </a:r>
             <a:r>
-              <a:rPr kumimoji="1" lang="en-US" altLang="zh-CN" dirty="0" smtClean="0"/>
-              <a:t>Demo</a:t>
-            </a:r>
-            <a:endParaRPr kumimoji="1" lang="en-US" altLang="zh-CN" dirty="0" smtClean="0"/>
-          </a:p>
-          <a:p>
-            <a:r>
-              <a:rPr lang="en-US" altLang="zh-CN" dirty="0"/>
-              <a:t/>
-            </a:r>
+              <a:rPr kumimoji="1" lang="en-US" altLang="zh-CN" dirty="0">
+                <a:latin typeface="Source Code Pro Medium" panose="020B0509030403020204" pitchFamily="49" charset="0"/>
+                <a:ea typeface="Source Code Pro Medium" panose="020B0509030403020204" pitchFamily="49" charset="0"/>
+              </a:rPr>
+              <a:t>demo</a:t>
+            </a:r>
+          </a:p>
+          <a:p>
             <a:br>
               <a:rPr lang="en-US" altLang="zh-CN" dirty="0"/>
             </a:br>
-            <a:endParaRPr kumimoji="1" lang="en-US" altLang="zh-CN" dirty="0" smtClean="0"/>
+            <a:endParaRPr kumimoji="1" lang="en-US" altLang="zh-CN" dirty="0"/>
           </a:p>
         </p:txBody>
       </p:sp>
@@ -8866,6 +8982,131 @@
     <p:extLst>
       <p:ext uri="{BB962C8B-B14F-4D97-AF65-F5344CB8AC3E}">
         <p14:creationId xmlns:p14="http://schemas.microsoft.com/office/powerpoint/2010/main" val="209376499"/>
+      </p:ext>
+    </p:extLst>
+  </p:cSld>
+  <p:clrMapOvr>
+    <a:masterClrMapping/>
+  </p:clrMapOvr>
+</p:sld>
+</file>
+
+<file path=ppt/slides/slide7.xml><?xml version="1.0" encoding="utf-8"?>
+<p:sld xmlns:a="http://schemas.openxmlformats.org/drawingml/2006/main" xmlns:r="http://schemas.openxmlformats.org/officeDocument/2006/relationships" xmlns:p="http://schemas.openxmlformats.org/presentationml/2006/main">
+  <p:cSld>
+    <p:spTree>
+      <p:nvGrpSpPr>
+        <p:cNvPr id="1" name=""/>
+        <p:cNvGrpSpPr/>
+        <p:nvPr/>
+      </p:nvGrpSpPr>
+      <p:grpSpPr>
+        <a:xfrm>
+          <a:off x="0" y="0"/>
+          <a:ext cx="0" cy="0"/>
+          <a:chOff x="0" y="0"/>
+          <a:chExt cx="0" cy="0"/>
+        </a:xfrm>
+      </p:grpSpPr>
+      <p:sp>
+        <p:nvSpPr>
+          <p:cNvPr id="5" name="文本框 4"/>
+          <p:cNvSpPr txBox="1"/>
+          <p:nvPr/>
+        </p:nvSpPr>
+        <p:spPr>
+          <a:xfrm>
+            <a:off x="778476" y="440678"/>
+            <a:ext cx="9562953" cy="1986698"/>
+          </a:xfrm>
+          <a:prstGeom prst="rect">
+            <a:avLst/>
+          </a:prstGeom>
+          <a:noFill/>
+        </p:spPr>
+        <p:txBody>
+          <a:bodyPr wrap="square" rtlCol="0">
+            <a:spAutoFit/>
+          </a:bodyPr>
+          <a:lstStyle/>
+          <a:p>
+            <a:pPr>
+              <a:lnSpc>
+                <a:spcPct val="150000"/>
+              </a:lnSpc>
+            </a:pPr>
+            <a:r>
+              <a:rPr kumimoji="1" lang="en-US" altLang="zh-CN" sz="2400" b="1" dirty="0" err="1">
+                <a:latin typeface="Source Code Pro Medium" panose="020B0509030403020204" pitchFamily="49" charset="0"/>
+                <a:ea typeface="Source Code Pro Medium" panose="020B0509030403020204" pitchFamily="49" charset="0"/>
+                <a:cs typeface="SimHei" charset="-122"/>
+              </a:rPr>
+              <a:t>Swoole</a:t>
+            </a:r>
+            <a:r>
+              <a:rPr kumimoji="1" lang="zh-CN" altLang="en-US" sz="2400" b="1" dirty="0">
+                <a:latin typeface="Source Code Pro Medium" panose="020B0509030403020204" pitchFamily="49" charset="0"/>
+                <a:ea typeface="SimHei" charset="-122"/>
+                <a:cs typeface="SimHei" charset="-122"/>
+              </a:rPr>
+              <a:t>的一些资料</a:t>
+            </a:r>
+            <a:endParaRPr kumimoji="1" lang="en-US" altLang="zh-CN" sz="2400" b="1" dirty="0">
+              <a:latin typeface="Source Code Pro Medium" panose="020B0509030403020204" pitchFamily="49" charset="0"/>
+              <a:ea typeface="Source Code Pro Medium" panose="020B0509030403020204" pitchFamily="49" charset="0"/>
+              <a:cs typeface="SimHei" charset="-122"/>
+            </a:endParaRPr>
+          </a:p>
+          <a:p>
+            <a:pPr>
+              <a:lnSpc>
+                <a:spcPct val="150000"/>
+              </a:lnSpc>
+            </a:pPr>
+            <a:endParaRPr kumimoji="1" lang="en-US" altLang="zh-CN" sz="2400" b="1" dirty="0">
+              <a:latin typeface="Source Code Pro Medium" panose="020B0509030403020204" pitchFamily="49" charset="0"/>
+              <a:ea typeface="Source Code Pro Medium" panose="020B0509030403020204" pitchFamily="49" charset="0"/>
+              <a:cs typeface="SimHei" charset="-122"/>
+            </a:endParaRPr>
+          </a:p>
+          <a:p>
+            <a:pPr>
+              <a:lnSpc>
+                <a:spcPct val="150000"/>
+              </a:lnSpc>
+            </a:pPr>
+            <a:r>
+              <a:rPr lang="en-US" altLang="zh-CN" dirty="0">
+                <a:latin typeface="Source Code Pro Medium" panose="020B0509030403020204" pitchFamily="49" charset="0"/>
+                <a:ea typeface="Source Code Pro Medium" panose="020B0509030403020204" pitchFamily="49" charset="0"/>
+              </a:rPr>
+              <a:t>https://wiki.swoole.com</a:t>
+            </a:r>
+            <a:br>
+              <a:rPr lang="en-US" altLang="zh-CN" dirty="0">
+                <a:latin typeface="Source Code Pro Medium" panose="020B0509030403020204" pitchFamily="49" charset="0"/>
+                <a:ea typeface="Source Code Pro Medium" panose="020B0509030403020204" pitchFamily="49" charset="0"/>
+              </a:rPr>
+            </a:br>
+            <a:r>
+              <a:rPr lang="en-US" altLang="zh-CN" dirty="0">
+                <a:latin typeface="Source Code Pro Medium" panose="020B0509030403020204" pitchFamily="49" charset="0"/>
+                <a:ea typeface="Source Code Pro Medium" panose="020B0509030403020204" pitchFamily="49" charset="0"/>
+                <a:hlinkClick r:id="rId3"/>
+              </a:rPr>
+              <a:t>https://www.zybuluo.com/phper/note/494239</a:t>
+            </a:r>
+            <a:endParaRPr lang="en-US" altLang="zh-CN" dirty="0">
+              <a:latin typeface="Source Code Pro Medium" panose="020B0509030403020204" pitchFamily="49" charset="0"/>
+              <a:ea typeface="Source Code Pro Medium" panose="020B0509030403020204" pitchFamily="49" charset="0"/>
+            </a:endParaRPr>
+          </a:p>
+        </p:txBody>
+      </p:sp>
+    </p:spTree>
+    <p:extLst>
+      <p:ext uri="{BB962C8B-B14F-4D97-AF65-F5344CB8AC3E}">
+        <p14:creationId xmlns:p14="http://schemas.microsoft.com/office/powerpoint/2010/main" val="1486162718"/>
       </p:ext>
     </p:extLst>
   </p:cSld>

--- a/swoole.pptx
+++ b/swoole.pptx
@@ -5,7 +5,7 @@
     <p:sldMasterId id="2147483648" r:id="rId1"/>
   </p:sldMasterIdLst>
   <p:notesMasterIdLst>
-    <p:notesMasterId r:id="rId9"/>
+    <p:notesMasterId r:id="rId10"/>
   </p:notesMasterIdLst>
   <p:sldIdLst>
     <p:sldId id="256" r:id="rId2"/>
@@ -13,8 +13,9 @@
     <p:sldId id="264" r:id="rId4"/>
     <p:sldId id="263" r:id="rId5"/>
     <p:sldId id="266" r:id="rId6"/>
-    <p:sldId id="265" r:id="rId7"/>
-    <p:sldId id="267" r:id="rId8"/>
+    <p:sldId id="268" r:id="rId7"/>
+    <p:sldId id="265" r:id="rId8"/>
+    <p:sldId id="267" r:id="rId9"/>
   </p:sldIdLst>
   <p:sldSz cx="12192000" cy="6858000"/>
   <p:notesSz cx="6858000" cy="9144000"/>
@@ -796,6 +797,186 @@
           <a:bodyPr/>
           <a:lstStyle/>
           <a:p>
+            <a:r>
+              <a:rPr lang="zh-CN" altLang="en-US" sz="1200" b="0" i="0" kern="1200" dirty="0" smtClean="0">
+                <a:solidFill>
+                  <a:schemeClr val="tx1"/>
+                </a:solidFill>
+                <a:effectLst/>
+                <a:latin typeface="+mn-lt"/>
+                <a:ea typeface="+mn-ea"/>
+                <a:cs typeface="+mn-cs"/>
+              </a:rPr>
+              <a:t>一个更通俗的比喻，假设</a:t>
+            </a:r>
+            <a:r>
+              <a:rPr lang="en-US" altLang="zh-CN" sz="1200" b="0" i="0" kern="1200" dirty="0" smtClean="0">
+                <a:solidFill>
+                  <a:schemeClr val="tx1"/>
+                </a:solidFill>
+                <a:effectLst/>
+                <a:latin typeface="+mn-lt"/>
+                <a:ea typeface="+mn-ea"/>
+                <a:cs typeface="+mn-cs"/>
+              </a:rPr>
+              <a:t>Server</a:t>
+            </a:r>
+            <a:r>
+              <a:rPr lang="zh-CN" altLang="en-US" sz="1200" b="0" i="0" kern="1200" dirty="0" smtClean="0">
+                <a:solidFill>
+                  <a:schemeClr val="tx1"/>
+                </a:solidFill>
+                <a:effectLst/>
+                <a:latin typeface="+mn-lt"/>
+                <a:ea typeface="+mn-ea"/>
+                <a:cs typeface="+mn-cs"/>
+              </a:rPr>
+              <a:t>就是一个工厂，那</a:t>
+            </a:r>
+            <a:r>
+              <a:rPr lang="en-US" altLang="zh-CN" sz="1200" b="0" i="0" kern="1200" dirty="0" smtClean="0">
+                <a:solidFill>
+                  <a:schemeClr val="tx1"/>
+                </a:solidFill>
+                <a:effectLst/>
+                <a:latin typeface="+mn-lt"/>
+                <a:ea typeface="+mn-ea"/>
+                <a:cs typeface="+mn-cs"/>
+              </a:rPr>
+              <a:t>reactor</a:t>
+            </a:r>
+            <a:r>
+              <a:rPr lang="zh-CN" altLang="en-US" sz="1200" b="0" i="0" kern="1200" dirty="0" smtClean="0">
+                <a:solidFill>
+                  <a:schemeClr val="tx1"/>
+                </a:solidFill>
+                <a:effectLst/>
+                <a:latin typeface="+mn-lt"/>
+                <a:ea typeface="+mn-ea"/>
+                <a:cs typeface="+mn-cs"/>
+              </a:rPr>
+              <a:t>就是销售，帮你接项目订单。而</a:t>
+            </a:r>
+            <a:r>
+              <a:rPr lang="en-US" altLang="zh-CN" sz="1200" b="0" i="0" kern="1200" dirty="0" smtClean="0">
+                <a:solidFill>
+                  <a:schemeClr val="tx1"/>
+                </a:solidFill>
+                <a:effectLst/>
+                <a:latin typeface="+mn-lt"/>
+                <a:ea typeface="+mn-ea"/>
+                <a:cs typeface="+mn-cs"/>
+              </a:rPr>
+              <a:t>worker</a:t>
+            </a:r>
+            <a:r>
+              <a:rPr lang="zh-CN" altLang="en-US" sz="1200" b="0" i="0" kern="1200" dirty="0" smtClean="0">
+                <a:solidFill>
+                  <a:schemeClr val="tx1"/>
+                </a:solidFill>
+                <a:effectLst/>
+                <a:latin typeface="+mn-lt"/>
+                <a:ea typeface="+mn-ea"/>
+                <a:cs typeface="+mn-cs"/>
+              </a:rPr>
+              <a:t>就是工人，当销售接到订单后，</a:t>
+            </a:r>
+            <a:r>
+              <a:rPr lang="en-US" altLang="zh-CN" sz="1200" b="0" i="0" kern="1200" dirty="0" smtClean="0">
+                <a:solidFill>
+                  <a:schemeClr val="tx1"/>
+                </a:solidFill>
+                <a:effectLst/>
+                <a:latin typeface="+mn-lt"/>
+                <a:ea typeface="+mn-ea"/>
+                <a:cs typeface="+mn-cs"/>
+              </a:rPr>
+              <a:t>worker</a:t>
+            </a:r>
+            <a:r>
+              <a:rPr lang="zh-CN" altLang="en-US" sz="1200" b="0" i="0" kern="1200" dirty="0" smtClean="0">
+                <a:solidFill>
+                  <a:schemeClr val="tx1"/>
+                </a:solidFill>
+                <a:effectLst/>
+                <a:latin typeface="+mn-lt"/>
+                <a:ea typeface="+mn-ea"/>
+                <a:cs typeface="+mn-cs"/>
+              </a:rPr>
+              <a:t>去工作生产出客户要的东西。而</a:t>
+            </a:r>
+            <a:r>
+              <a:rPr lang="en-US" altLang="zh-CN" sz="1200" b="0" i="0" kern="1200" dirty="0" err="1" smtClean="0">
+                <a:solidFill>
+                  <a:schemeClr val="tx1"/>
+                </a:solidFill>
+                <a:effectLst/>
+                <a:latin typeface="+mn-lt"/>
+                <a:ea typeface="+mn-ea"/>
+                <a:cs typeface="+mn-cs"/>
+              </a:rPr>
+              <a:t>task_worker</a:t>
+            </a:r>
+            <a:r>
+              <a:rPr lang="zh-CN" altLang="en-US" sz="1200" b="0" i="0" kern="1200" dirty="0" smtClean="0">
+                <a:solidFill>
+                  <a:schemeClr val="tx1"/>
+                </a:solidFill>
+                <a:effectLst/>
+                <a:latin typeface="+mn-lt"/>
+                <a:ea typeface="+mn-ea"/>
+                <a:cs typeface="+mn-cs"/>
+              </a:rPr>
+              <a:t>可以理解为行政人员，可以帮助</a:t>
+            </a:r>
+            <a:r>
+              <a:rPr lang="en-US" altLang="zh-CN" sz="1200" b="0" i="0" kern="1200" dirty="0" smtClean="0">
+                <a:solidFill>
+                  <a:schemeClr val="tx1"/>
+                </a:solidFill>
+                <a:effectLst/>
+                <a:latin typeface="+mn-lt"/>
+                <a:ea typeface="+mn-ea"/>
+                <a:cs typeface="+mn-cs"/>
+              </a:rPr>
+              <a:t>worker</a:t>
+            </a:r>
+            <a:r>
+              <a:rPr lang="zh-CN" altLang="en-US" sz="1200" b="0" i="0" kern="1200" dirty="0" smtClean="0">
+                <a:solidFill>
+                  <a:schemeClr val="tx1"/>
+                </a:solidFill>
+                <a:effectLst/>
+                <a:latin typeface="+mn-lt"/>
+                <a:ea typeface="+mn-ea"/>
+                <a:cs typeface="+mn-cs"/>
+              </a:rPr>
+              <a:t>干些杂事，让</a:t>
+            </a:r>
+            <a:r>
+              <a:rPr lang="en-US" altLang="zh-CN" sz="1200" b="0" i="0" kern="1200" dirty="0" smtClean="0">
+                <a:solidFill>
+                  <a:schemeClr val="tx1"/>
+                </a:solidFill>
+                <a:effectLst/>
+                <a:latin typeface="+mn-lt"/>
+                <a:ea typeface="+mn-ea"/>
+                <a:cs typeface="+mn-cs"/>
+              </a:rPr>
+              <a:t>worker</a:t>
+            </a:r>
+            <a:r>
+              <a:rPr lang="zh-CN" altLang="en-US" sz="1200" b="0" i="0" kern="1200" dirty="0" smtClean="0">
+                <a:solidFill>
+                  <a:schemeClr val="tx1"/>
+                </a:solidFill>
+                <a:effectLst/>
+                <a:latin typeface="+mn-lt"/>
+                <a:ea typeface="+mn-ea"/>
+                <a:cs typeface="+mn-cs"/>
+              </a:rPr>
+              <a:t>专心工作。</a:t>
+            </a:r>
             <a:endParaRPr kumimoji="1" lang="zh-CN" altLang="en-US" dirty="0"/>
           </a:p>
         </p:txBody>
@@ -880,22 +1061,7 @@
           <a:bodyPr/>
           <a:lstStyle/>
           <a:p>
-            <a:r>
-              <a:rPr kumimoji="1" lang="en-US" altLang="zh-CN" dirty="0" err="1"/>
-              <a:t>Pcnttl_fork</a:t>
-            </a:r>
-            <a:r>
-              <a:rPr kumimoji="1" lang="zh-CN" altLang="en-US" dirty="0"/>
-              <a:t> 不适应</a:t>
-            </a:r>
-            <a:r>
-              <a:rPr kumimoji="1" lang="en-US" altLang="zh-CN" dirty="0"/>
-              <a:t>windows</a:t>
-            </a:r>
-            <a:r>
-              <a:rPr kumimoji="1" lang="zh-CN" altLang="en-US" dirty="0"/>
-              <a:t>平台，并且使用复杂繁琐</a:t>
-            </a:r>
+            <a:endParaRPr kumimoji="1" lang="zh-CN" altLang="en-US" dirty="0"/>
           </a:p>
         </p:txBody>
       </p:sp>
@@ -925,7 +1091,7 @@
     </p:spTree>
     <p:extLst>
       <p:ext uri="{BB962C8B-B14F-4D97-AF65-F5344CB8AC3E}">
-        <p14:creationId xmlns:p14="http://schemas.microsoft.com/office/powerpoint/2010/main" val="1412604907"/>
+        <p14:creationId xmlns:p14="http://schemas.microsoft.com/office/powerpoint/2010/main" val="1658405250"/>
       </p:ext>
     </p:extLst>
   </p:cSld>
@@ -1016,6 +1182,105 @@
             <a:fld id="{E80D2DFD-B107-F948-8AE7-D211D61A3CE1}" type="slidenum">
               <a:rPr kumimoji="1" lang="zh-CN" altLang="en-US" smtClean="0"/>
               <a:t>7</a:t>
+            </a:fld>
+            <a:endParaRPr kumimoji="1" lang="zh-CN" altLang="en-US"/>
+          </a:p>
+        </p:txBody>
+      </p:sp>
+    </p:spTree>
+    <p:extLst>
+      <p:ext uri="{BB962C8B-B14F-4D97-AF65-F5344CB8AC3E}">
+        <p14:creationId xmlns:p14="http://schemas.microsoft.com/office/powerpoint/2010/main" val="1412604907"/>
+      </p:ext>
+    </p:extLst>
+  </p:cSld>
+  <p:clrMapOvr>
+    <a:masterClrMapping/>
+  </p:clrMapOvr>
+</p:notes>
+</file>
+
+<file path=ppt/notesSlides/notesSlide7.xml><?xml version="1.0" encoding="utf-8"?>
+<p:notes xmlns:a="http://schemas.openxmlformats.org/drawingml/2006/main" xmlns:r="http://schemas.openxmlformats.org/officeDocument/2006/relationships" xmlns:p="http://schemas.openxmlformats.org/presentationml/2006/main">
+  <p:cSld>
+    <p:spTree>
+      <p:nvGrpSpPr>
+        <p:cNvPr id="1" name=""/>
+        <p:cNvGrpSpPr/>
+        <p:nvPr/>
+      </p:nvGrpSpPr>
+      <p:grpSpPr>
+        <a:xfrm>
+          <a:off x="0" y="0"/>
+          <a:ext cx="0" cy="0"/>
+          <a:chOff x="0" y="0"/>
+          <a:chExt cx="0" cy="0"/>
+        </a:xfrm>
+      </p:grpSpPr>
+      <p:sp>
+        <p:nvSpPr>
+          <p:cNvPr id="2" name="幻灯片图像占位符 1"/>
+          <p:cNvSpPr>
+            <a:spLocks noGrp="1" noRot="1" noChangeAspect="1"/>
+          </p:cNvSpPr>
+          <p:nvPr>
+            <p:ph type="sldImg"/>
+          </p:nvPr>
+        </p:nvSpPr>
+        <p:spPr/>
+      </p:sp>
+      <p:sp>
+        <p:nvSpPr>
+          <p:cNvPr id="3" name="备注占位符 2"/>
+          <p:cNvSpPr>
+            <a:spLocks noGrp="1"/>
+          </p:cNvSpPr>
+          <p:nvPr>
+            <p:ph type="body" idx="1"/>
+          </p:nvPr>
+        </p:nvSpPr>
+        <p:spPr/>
+        <p:txBody>
+          <a:bodyPr/>
+          <a:lstStyle/>
+          <a:p>
+            <a:r>
+              <a:rPr kumimoji="1" lang="en-US" altLang="zh-CN" dirty="0" err="1"/>
+              <a:t>Pcnttl_fork</a:t>
+            </a:r>
+            <a:r>
+              <a:rPr kumimoji="1" lang="zh-CN" altLang="en-US" dirty="0"/>
+              <a:t> 不适应</a:t>
+            </a:r>
+            <a:r>
+              <a:rPr kumimoji="1" lang="en-US" altLang="zh-CN" dirty="0"/>
+              <a:t>windows</a:t>
+            </a:r>
+            <a:r>
+              <a:rPr kumimoji="1" lang="zh-CN" altLang="en-US" dirty="0"/>
+              <a:t>平台，并且使用复杂繁琐</a:t>
+            </a:r>
+          </a:p>
+        </p:txBody>
+      </p:sp>
+      <p:sp>
+        <p:nvSpPr>
+          <p:cNvPr id="4" name="幻灯片编号占位符 3"/>
+          <p:cNvSpPr>
+            <a:spLocks noGrp="1"/>
+          </p:cNvSpPr>
+          <p:nvPr>
+            <p:ph type="sldNum" sz="quarter" idx="10"/>
+          </p:nvPr>
+        </p:nvSpPr>
+        <p:spPr/>
+        <p:txBody>
+          <a:bodyPr/>
+          <a:lstStyle/>
+          <a:p>
+            <a:fld id="{E80D2DFD-B107-F948-8AE7-D211D61A3CE1}" type="slidenum">
+              <a:rPr kumimoji="1" lang="zh-CN" altLang="en-US" smtClean="0"/>
+              <a:t>8</a:t>
             </a:fld>
             <a:endParaRPr kumimoji="1" lang="zh-CN" altLang="en-US"/>
           </a:p>
@@ -1205,7 +1470,7 @@
           <a:p>
             <a:fld id="{48A87A34-81AB-432B-8DAE-1953F412C126}" type="datetimeFigureOut">
               <a:rPr lang="en-US" dirty="0"/>
-              <a:t>4/12/2018</a:t>
+              <a:t>4/12/18</a:t>
             </a:fld>
             <a:endParaRPr lang="en-US" dirty="0"/>
           </a:p>
@@ -1512,7 +1777,7 @@
           <a:p>
             <a:fld id="{48A87A34-81AB-432B-8DAE-1953F412C126}" type="datetimeFigureOut">
               <a:rPr lang="en-US" dirty="0"/>
-              <a:t>4/12/2018</a:t>
+              <a:t>4/12/18</a:t>
             </a:fld>
             <a:endParaRPr lang="en-US" dirty="0"/>
           </a:p>
@@ -1729,7 +1994,7 @@
           <a:p>
             <a:fld id="{48A87A34-81AB-432B-8DAE-1953F412C126}" type="datetimeFigureOut">
               <a:rPr lang="en-US" dirty="0"/>
-              <a:t>4/12/2018</a:t>
+              <a:t>4/12/18</a:t>
             </a:fld>
             <a:endParaRPr lang="en-US" dirty="0"/>
           </a:p>
@@ -2015,7 +2280,7 @@
           <a:p>
             <a:fld id="{48A87A34-81AB-432B-8DAE-1953F412C126}" type="datetimeFigureOut">
               <a:rPr lang="en-US" dirty="0"/>
-              <a:t>4/12/2018</a:t>
+              <a:t>4/12/18</a:t>
             </a:fld>
             <a:endParaRPr lang="en-US" dirty="0"/>
           </a:p>
@@ -2464,7 +2729,7 @@
           <a:p>
             <a:fld id="{48A87A34-81AB-432B-8DAE-1953F412C126}" type="datetimeFigureOut">
               <a:rPr lang="en-US" dirty="0"/>
-              <a:t>4/12/2018</a:t>
+              <a:t>4/12/18</a:t>
             </a:fld>
             <a:endParaRPr lang="en-US" dirty="0"/>
           </a:p>
@@ -3035,7 +3300,7 @@
           <a:p>
             <a:fld id="{48A87A34-81AB-432B-8DAE-1953F412C126}" type="datetimeFigureOut">
               <a:rPr lang="en-US" dirty="0"/>
-              <a:t>4/12/2018</a:t>
+              <a:t>4/12/18</a:t>
             </a:fld>
             <a:endParaRPr lang="en-US" dirty="0"/>
           </a:p>
@@ -3882,7 +4147,7 @@
           <a:p>
             <a:fld id="{48A87A34-81AB-432B-8DAE-1953F412C126}" type="datetimeFigureOut">
               <a:rPr lang="en-US" dirty="0"/>
-              <a:t>4/12/2018</a:t>
+              <a:t>4/12/18</a:t>
             </a:fld>
             <a:endParaRPr lang="en-US" dirty="0"/>
           </a:p>
@@ -4082,7 +4347,7 @@
           <a:p>
             <a:fld id="{48A87A34-81AB-432B-8DAE-1953F412C126}" type="datetimeFigureOut">
               <a:rPr lang="en-US" dirty="0"/>
-              <a:t>4/12/2018</a:t>
+              <a:t>4/12/18</a:t>
             </a:fld>
             <a:endParaRPr lang="en-US" dirty="0"/>
           </a:p>
@@ -4291,7 +4556,7 @@
           <a:p>
             <a:fld id="{48A87A34-81AB-432B-8DAE-1953F412C126}" type="datetimeFigureOut">
               <a:rPr lang="en-US" dirty="0"/>
-              <a:t>4/12/2018</a:t>
+              <a:t>4/12/18</a:t>
             </a:fld>
             <a:endParaRPr lang="en-US" dirty="0"/>
           </a:p>
@@ -4491,7 +4756,7 @@
           <a:p>
             <a:fld id="{48A87A34-81AB-432B-8DAE-1953F412C126}" type="datetimeFigureOut">
               <a:rPr lang="en-US" dirty="0"/>
-              <a:t>4/12/2018</a:t>
+              <a:t>4/12/18</a:t>
             </a:fld>
             <a:endParaRPr lang="en-US" dirty="0"/>
           </a:p>
@@ -4766,7 +5031,7 @@
           <a:p>
             <a:fld id="{48A87A34-81AB-432B-8DAE-1953F412C126}" type="datetimeFigureOut">
               <a:rPr lang="en-US" dirty="0"/>
-              <a:t>4/12/2018</a:t>
+              <a:t>4/12/18</a:t>
             </a:fld>
             <a:endParaRPr lang="en-US" dirty="0"/>
           </a:p>
@@ -5028,7 +5293,7 @@
           <a:p>
             <a:fld id="{48A87A34-81AB-432B-8DAE-1953F412C126}" type="datetimeFigureOut">
               <a:rPr lang="en-US" dirty="0"/>
-              <a:t>4/12/2018</a:t>
+              <a:t>4/12/18</a:t>
             </a:fld>
             <a:endParaRPr lang="en-US" dirty="0"/>
           </a:p>
@@ -5438,7 +5703,7 @@
           <a:p>
             <a:fld id="{48A87A34-81AB-432B-8DAE-1953F412C126}" type="datetimeFigureOut">
               <a:rPr lang="en-US" dirty="0"/>
-              <a:t>4/12/2018</a:t>
+              <a:t>4/12/18</a:t>
             </a:fld>
             <a:endParaRPr lang="en-US" dirty="0"/>
           </a:p>
@@ -5581,7 +5846,7 @@
           <a:p>
             <a:fld id="{48A87A34-81AB-432B-8DAE-1953F412C126}" type="datetimeFigureOut">
               <a:rPr lang="en-US" dirty="0"/>
-              <a:t>4/12/2018</a:t>
+              <a:t>4/12/18</a:t>
             </a:fld>
             <a:endParaRPr lang="en-US" dirty="0"/>
           </a:p>
@@ -5701,7 +5966,7 @@
           <a:p>
             <a:fld id="{48A87A34-81AB-432B-8DAE-1953F412C126}" type="datetimeFigureOut">
               <a:rPr lang="en-US" dirty="0"/>
-              <a:t>4/12/2018</a:t>
+              <a:t>4/12/18</a:t>
             </a:fld>
             <a:endParaRPr lang="en-US" dirty="0"/>
           </a:p>
@@ -5975,7 +6240,7 @@
           <a:p>
             <a:fld id="{48A87A34-81AB-432B-8DAE-1953F412C126}" type="datetimeFigureOut">
               <a:rPr lang="en-US" dirty="0"/>
-              <a:t>4/12/2018</a:t>
+              <a:t>4/12/18</a:t>
             </a:fld>
             <a:endParaRPr lang="en-US" dirty="0"/>
           </a:p>
@@ -6282,7 +6547,7 @@
           <a:p>
             <a:fld id="{48A87A34-81AB-432B-8DAE-1953F412C126}" type="datetimeFigureOut">
               <a:rPr lang="en-US" dirty="0"/>
-              <a:t>4/12/2018</a:t>
+              <a:t>4/12/18</a:t>
             </a:fld>
             <a:endParaRPr lang="en-US" dirty="0"/>
           </a:p>
@@ -6531,7 +6796,7 @@
             <a:fld id="{48A87A34-81AB-432B-8DAE-1953F412C126}" type="datetimeFigureOut">
               <a:rPr lang="en-US" dirty="0"/>
               <a:pPr/>
-              <a:t>4/12/2018</a:t>
+              <a:t>4/12/18</a:t>
             </a:fld>
             <a:endParaRPr lang="en-US" dirty="0"/>
           </a:p>
@@ -7090,7 +7355,7 @@
         <p:spPr>
           <a:xfrm>
             <a:off x="778476" y="440678"/>
-            <a:ext cx="9562953" cy="3831818"/>
+            <a:ext cx="9562953" cy="5770811"/>
           </a:xfrm>
           <a:prstGeom prst="rect">
             <a:avLst/>
@@ -7122,8 +7387,28 @@
                 <a:ea typeface="SimHei" charset="-122"/>
                 <a:cs typeface="SimHei" charset="-122"/>
               </a:rPr>
-              <a:t>的一些概念</a:t>
-            </a:r>
+              <a:t>的一些</a:t>
+            </a:r>
+            <a:r>
+              <a:rPr kumimoji="1" lang="zh-CN" altLang="en-US" sz="2400" b="1" dirty="0" smtClean="0">
+                <a:latin typeface="Source Code Pro Medium" panose="020B0509030403020204" pitchFamily="49" charset="0"/>
+                <a:ea typeface="SimHei" charset="-122"/>
+                <a:cs typeface="SimHei" charset="-122"/>
+              </a:rPr>
+              <a:t>概念</a:t>
+            </a:r>
+            <a:endParaRPr kumimoji="1" lang="en-US" altLang="zh-CN" sz="2400" b="1" dirty="0" smtClean="0">
+              <a:latin typeface="Source Code Pro Medium" panose="020B0509030403020204" pitchFamily="49" charset="0"/>
+              <a:ea typeface="SimHei" charset="-122"/>
+              <a:cs typeface="SimHei" charset="-122"/>
+            </a:endParaRPr>
+          </a:p>
+          <a:p>
+            <a:pPr>
+              <a:lnSpc>
+                <a:spcPct val="150000"/>
+              </a:lnSpc>
+            </a:pPr>
             <a:endParaRPr kumimoji="1" lang="en-US" altLang="zh-CN" sz="2400" b="1" dirty="0">
               <a:latin typeface="Source Code Pro Medium" panose="020B0509030403020204" pitchFamily="49" charset="0"/>
               <a:ea typeface="Source Code Pro Medium" panose="020B0509030403020204" pitchFamily="49" charset="0"/>
@@ -7131,42 +7416,31 @@
             </a:endParaRPr>
           </a:p>
           <a:p>
-            <a:endParaRPr kumimoji="1" lang="en-US" altLang="zh-CN" dirty="0"/>
-          </a:p>
-          <a:p>
             <a:pPr>
               <a:lnSpc>
                 <a:spcPct val="150000"/>
               </a:lnSpc>
             </a:pPr>
             <a:r>
-              <a:rPr lang="en-US" altLang="zh-CN" dirty="0">
-                <a:latin typeface="Source Code Pro Medium" panose="020B0509030403020204" pitchFamily="49" charset="0"/>
-                <a:ea typeface="Source Code Pro Medium" panose="020B0509030403020204" pitchFamily="49" charset="0"/>
-                <a:cs typeface="SimHei" charset="-122"/>
-              </a:rPr>
-              <a:t>1.PHP</a:t>
-            </a:r>
-            <a:r>
-              <a:rPr lang="zh-CN" altLang="en-US" dirty="0">
-                <a:latin typeface="Source Code Pro Medium" panose="020B0509030403020204" pitchFamily="49" charset="0"/>
-                <a:ea typeface="SimHei" charset="-122"/>
-                <a:cs typeface="SimHei" charset="-122"/>
-              </a:rPr>
-              <a:t>是单进程的，没法在一个程序块中使用多进程来处理一个复杂的逻辑，暂时忽略鸡肋的</a:t>
-            </a:r>
-            <a:r>
-              <a:rPr lang="en-US" altLang="zh-CN" dirty="0" err="1">
-                <a:latin typeface="Source Code Pro Medium" panose="020B0509030403020204" pitchFamily="49" charset="0"/>
-                <a:ea typeface="Source Code Pro Medium" panose="020B0509030403020204" pitchFamily="49" charset="0"/>
-                <a:cs typeface="SimHei" charset="-122"/>
-              </a:rPr>
-              <a:t>pcntl_fork</a:t>
-            </a:r>
-            <a:endParaRPr lang="en-US" altLang="zh-CN" dirty="0">
-              <a:latin typeface="Source Code Pro Medium" panose="020B0509030403020204" pitchFamily="49" charset="0"/>
-              <a:ea typeface="Source Code Pro Medium" panose="020B0509030403020204" pitchFamily="49" charset="0"/>
-              <a:cs typeface="SimHei" charset="-122"/>
+              <a:rPr lang="en-US" altLang="zh-CN" b="1" dirty="0" smtClean="0">
+                <a:latin typeface="Source Code Pro" charset="0"/>
+                <a:ea typeface="Source Code Pro" charset="0"/>
+                <a:cs typeface="Source Code Pro" charset="0"/>
+              </a:rPr>
+              <a:t>PHP</a:t>
+            </a:r>
+            <a:r>
+              <a:rPr lang="zh-CN" altLang="en-US" b="1" dirty="0" smtClean="0">
+                <a:latin typeface="Source Code Pro" charset="0"/>
+                <a:ea typeface="Source Code Pro" charset="0"/>
+                <a:cs typeface="Source Code Pro" charset="0"/>
+              </a:rPr>
+              <a:t>部分局限性：</a:t>
+            </a:r>
+            <a:endParaRPr lang="en-US" altLang="zh-CN" b="1" dirty="0" smtClean="0">
+              <a:latin typeface="Source Code Pro" charset="0"/>
+              <a:ea typeface="Source Code Pro" charset="0"/>
+              <a:cs typeface="Source Code Pro" charset="0"/>
             </a:endParaRPr>
           </a:p>
           <a:p>
@@ -7176,41 +7450,33 @@
               </a:lnSpc>
             </a:pPr>
             <a:r>
-              <a:rPr kumimoji="1" lang="en-US" altLang="zh-CN" dirty="0">
-                <a:latin typeface="Source Code Pro Medium" panose="020B0509030403020204" pitchFamily="49" charset="0"/>
-                <a:ea typeface="Source Code Pro Medium" panose="020B0509030403020204" pitchFamily="49" charset="0"/>
-                <a:cs typeface="SimHei" charset="-122"/>
-              </a:rPr>
-              <a:t>2.PHP</a:t>
-            </a:r>
-            <a:r>
-              <a:rPr kumimoji="1" lang="zh-CN" altLang="en-US" dirty="0">
-                <a:latin typeface="Source Code Pro Medium" panose="020B0509030403020204" pitchFamily="49" charset="0"/>
-                <a:ea typeface="SimHei" charset="-122"/>
-                <a:cs typeface="SimHei" charset="-122"/>
-              </a:rPr>
-              <a:t>不支持异步</a:t>
-            </a:r>
-            <a:r>
-              <a:rPr kumimoji="1" lang="en-US" altLang="zh-CN" dirty="0">
-                <a:latin typeface="Source Code Pro Medium" panose="020B0509030403020204" pitchFamily="49" charset="0"/>
-                <a:ea typeface="Source Code Pro Medium" panose="020B0509030403020204" pitchFamily="49" charset="0"/>
-                <a:cs typeface="SimHei" charset="-122"/>
-              </a:rPr>
-              <a:t>,</a:t>
-            </a:r>
-            <a:r>
-              <a:rPr kumimoji="1" lang="zh-CN" altLang="en-US" dirty="0">
-                <a:latin typeface="Source Code Pro Medium" panose="020B0509030403020204" pitchFamily="49" charset="0"/>
-                <a:ea typeface="SimHei" charset="-122"/>
-                <a:cs typeface="SimHei" charset="-122"/>
-              </a:rPr>
-              <a:t>在处理高并发高负载的请求时会力不从心</a:t>
-            </a:r>
-            <a:endParaRPr kumimoji="1" lang="en-US" altLang="zh-CN" dirty="0">
-              <a:latin typeface="Source Code Pro Medium" panose="020B0509030403020204" pitchFamily="49" charset="0"/>
-              <a:ea typeface="Source Code Pro Medium" panose="020B0509030403020204" pitchFamily="49" charset="0"/>
-              <a:cs typeface="SimHei" charset="-122"/>
+              <a:rPr lang="en-US" altLang="zh-CN" b="1" dirty="0" smtClean="0">
+                <a:latin typeface="Source Code Pro" charset="0"/>
+                <a:ea typeface="Source Code Pro" charset="0"/>
+                <a:cs typeface="Source Code Pro" charset="0"/>
+              </a:rPr>
+              <a:t>1.PHP</a:t>
+            </a:r>
+            <a:r>
+              <a:rPr lang="zh-CN" altLang="en-US" b="1" dirty="0">
+                <a:latin typeface="Source Code Pro" charset="0"/>
+                <a:ea typeface="Source Code Pro" charset="0"/>
+                <a:cs typeface="Source Code Pro" charset="0"/>
+              </a:rPr>
+              <a:t>是单进程的，没法在一个程序块中使用多进程来处理一个复杂的</a:t>
+            </a:r>
+            <a:r>
+              <a:rPr lang="zh-CN" altLang="en-US" b="1" dirty="0">
+                <a:latin typeface="Source Code Pro" charset="0"/>
+                <a:ea typeface="Source Code Pro" charset="0"/>
+                <a:cs typeface="Source Code Pro" charset="0"/>
+              </a:rPr>
+              <a:t>逻辑</a:t>
+            </a:r>
+            <a:endParaRPr lang="en-US" altLang="zh-CN" b="1" dirty="0">
+              <a:latin typeface="Source Code Pro" charset="0"/>
+              <a:ea typeface="Source Code Pro" charset="0"/>
+              <a:cs typeface="Source Code Pro" charset="0"/>
             </a:endParaRPr>
           </a:p>
           <a:p>
@@ -7220,57 +7486,41 @@
               </a:lnSpc>
             </a:pPr>
             <a:r>
-              <a:rPr kumimoji="1" lang="en-US" altLang="zh-CN" dirty="0">
-                <a:latin typeface="Source Code Pro Medium" panose="020B0509030403020204" pitchFamily="49" charset="0"/>
-                <a:ea typeface="Source Code Pro Medium" panose="020B0509030403020204" pitchFamily="49" charset="0"/>
-                <a:cs typeface="SimHei" charset="-122"/>
-              </a:rPr>
-              <a:t>3.PHP</a:t>
-            </a:r>
-            <a:r>
-              <a:rPr kumimoji="1" lang="zh-CN" altLang="en-US" dirty="0">
-                <a:latin typeface="Source Code Pro Medium" panose="020B0509030403020204" pitchFamily="49" charset="0"/>
-                <a:ea typeface="SimHei" charset="-122"/>
-                <a:cs typeface="SimHei" charset="-122"/>
-              </a:rPr>
-              <a:t>不适合做</a:t>
-            </a:r>
-            <a:r>
-              <a:rPr kumimoji="1" lang="en-US" altLang="zh-CN" dirty="0">
-                <a:latin typeface="Source Code Pro Medium" panose="020B0509030403020204" pitchFamily="49" charset="0"/>
-                <a:ea typeface="Source Code Pro Medium" panose="020B0509030403020204" pitchFamily="49" charset="0"/>
-                <a:cs typeface="SimHei" charset="-122"/>
-              </a:rPr>
-              <a:t>TCP</a:t>
-            </a:r>
-            <a:r>
-              <a:rPr kumimoji="1" lang="zh-CN" altLang="en-US" dirty="0">
-                <a:latin typeface="Source Code Pro Medium" panose="020B0509030403020204" pitchFamily="49" charset="0"/>
-                <a:ea typeface="SimHei" charset="-122"/>
-                <a:cs typeface="SimHei" charset="-122"/>
-              </a:rPr>
-              <a:t>，</a:t>
-            </a:r>
-            <a:r>
-              <a:rPr kumimoji="1" lang="en-US" altLang="zh-CN" dirty="0">
-                <a:latin typeface="Source Code Pro Medium" panose="020B0509030403020204" pitchFamily="49" charset="0"/>
-                <a:ea typeface="Source Code Pro Medium" panose="020B0509030403020204" pitchFamily="49" charset="0"/>
-                <a:cs typeface="SimHei" charset="-122"/>
-              </a:rPr>
-              <a:t>Socket</a:t>
-            </a:r>
-            <a:r>
-              <a:rPr kumimoji="1" lang="zh-CN" altLang="en-US" dirty="0">
-                <a:latin typeface="Source Code Pro Medium" panose="020B0509030403020204" pitchFamily="49" charset="0"/>
-                <a:ea typeface="SimHei" charset="-122"/>
-                <a:cs typeface="SimHei" charset="-122"/>
-              </a:rPr>
-              <a:t>之类的长连接。</a:t>
-            </a:r>
-            <a:endParaRPr kumimoji="1" lang="en-US" altLang="zh-CN" dirty="0">
-              <a:latin typeface="Source Code Pro Medium" panose="020B0509030403020204" pitchFamily="49" charset="0"/>
-              <a:ea typeface="Source Code Pro Medium" panose="020B0509030403020204" pitchFamily="49" charset="0"/>
-              <a:cs typeface="SimHei" charset="-122"/>
+              <a:rPr lang="en-US" altLang="zh-CN" b="1" dirty="0">
+                <a:latin typeface="Source Code Pro" charset="0"/>
+                <a:ea typeface="Source Code Pro" charset="0"/>
+                <a:cs typeface="Source Code Pro" charset="0"/>
+              </a:rPr>
+              <a:t>2.PHP</a:t>
+            </a:r>
+            <a:r>
+              <a:rPr lang="zh-CN" altLang="en-US" b="1" dirty="0">
+                <a:latin typeface="Source Code Pro" charset="0"/>
+                <a:ea typeface="Source Code Pro" charset="0"/>
+                <a:cs typeface="Source Code Pro" charset="0"/>
+              </a:rPr>
+              <a:t>不支持异步</a:t>
+            </a:r>
+            <a:r>
+              <a:rPr lang="en-US" altLang="zh-CN" b="1" dirty="0">
+                <a:latin typeface="Source Code Pro" charset="0"/>
+                <a:ea typeface="Source Code Pro" charset="0"/>
+                <a:cs typeface="Source Code Pro" charset="0"/>
+              </a:rPr>
+              <a:t>,</a:t>
+            </a:r>
+            <a:r>
+              <a:rPr lang="zh-CN" altLang="en-US" b="1" dirty="0">
+                <a:latin typeface="Source Code Pro" charset="0"/>
+                <a:ea typeface="Source Code Pro" charset="0"/>
+                <a:cs typeface="Source Code Pro" charset="0"/>
+              </a:rPr>
+              <a:t>在处理高并发高负载的请求时会力不从心</a:t>
+            </a:r>
+            <a:endParaRPr lang="en-US" altLang="zh-CN" b="1" dirty="0">
+              <a:latin typeface="Source Code Pro" charset="0"/>
+              <a:ea typeface="Source Code Pro" charset="0"/>
+              <a:cs typeface="Source Code Pro" charset="0"/>
             </a:endParaRPr>
           </a:p>
           <a:p>
@@ -7279,10 +7529,66 @@
                 <a:spcPct val="150000"/>
               </a:lnSpc>
             </a:pPr>
-            <a:endParaRPr kumimoji="1" lang="en-US" altLang="zh-CN" dirty="0">
-              <a:latin typeface="Source Code Pro Medium" panose="020B0509030403020204" pitchFamily="49" charset="0"/>
-              <a:ea typeface="Source Code Pro Medium" panose="020B0509030403020204" pitchFamily="49" charset="0"/>
-              <a:cs typeface="SimHei" charset="-122"/>
+            <a:r>
+              <a:rPr lang="en-US" altLang="zh-CN" b="1" dirty="0">
+                <a:latin typeface="Source Code Pro" charset="0"/>
+                <a:ea typeface="Source Code Pro" charset="0"/>
+                <a:cs typeface="Source Code Pro" charset="0"/>
+              </a:rPr>
+              <a:t>3.PHP</a:t>
+            </a:r>
+            <a:r>
+              <a:rPr lang="zh-CN" altLang="en-US" b="1" dirty="0">
+                <a:latin typeface="Source Code Pro" charset="0"/>
+                <a:ea typeface="Source Code Pro" charset="0"/>
+                <a:cs typeface="Source Code Pro" charset="0"/>
+              </a:rPr>
+              <a:t>不适合做</a:t>
+            </a:r>
+            <a:r>
+              <a:rPr lang="en-US" altLang="zh-CN" b="1" dirty="0">
+                <a:latin typeface="Source Code Pro" charset="0"/>
+                <a:ea typeface="Source Code Pro" charset="0"/>
+                <a:cs typeface="Source Code Pro" charset="0"/>
+              </a:rPr>
+              <a:t>TCP</a:t>
+            </a:r>
+            <a:r>
+              <a:rPr lang="zh-CN" altLang="en-US" b="1" dirty="0">
+                <a:latin typeface="Source Code Pro" charset="0"/>
+                <a:ea typeface="Source Code Pro" charset="0"/>
+                <a:cs typeface="Source Code Pro" charset="0"/>
+              </a:rPr>
+              <a:t>，</a:t>
+            </a:r>
+            <a:r>
+              <a:rPr lang="en-US" altLang="zh-CN" b="1" dirty="0">
+                <a:latin typeface="Source Code Pro" charset="0"/>
+                <a:ea typeface="Source Code Pro" charset="0"/>
+                <a:cs typeface="Source Code Pro" charset="0"/>
+              </a:rPr>
+              <a:t>Socket</a:t>
+            </a:r>
+            <a:r>
+              <a:rPr lang="zh-CN" altLang="en-US" b="1" dirty="0">
+                <a:latin typeface="Source Code Pro" charset="0"/>
+                <a:ea typeface="Source Code Pro" charset="0"/>
+                <a:cs typeface="Source Code Pro" charset="0"/>
+              </a:rPr>
+              <a:t>之类的长连接</a:t>
+            </a:r>
+            <a:r>
+              <a:rPr lang="zh-CN" altLang="en-US" b="1" dirty="0">
+                <a:latin typeface="Source Code Pro" charset="0"/>
+                <a:ea typeface="Source Code Pro" charset="0"/>
+                <a:cs typeface="Source Code Pro" charset="0"/>
+              </a:rPr>
+              <a:t>。</a:t>
+            </a:r>
+            <a:endParaRPr lang="en-US" altLang="zh-CN" b="1" dirty="0">
+              <a:latin typeface="Source Code Pro" charset="0"/>
+              <a:ea typeface="Source Code Pro" charset="0"/>
+              <a:cs typeface="Source Code Pro" charset="0"/>
             </a:endParaRPr>
           </a:p>
           <a:p>
@@ -7291,90 +7597,333 @@
                 <a:spcPct val="150000"/>
               </a:lnSpc>
             </a:pPr>
-            <a:r>
-              <a:rPr kumimoji="1" lang="zh-CN" altLang="en-US" dirty="0">
-                <a:latin typeface="Source Code Pro Medium" panose="020B0509030403020204" pitchFamily="49" charset="0"/>
-                <a:ea typeface="SimHei" charset="-122"/>
-                <a:cs typeface="SimHei" charset="-122"/>
-              </a:rPr>
-              <a:t>对于以上问题有没有一种很好的解决办法，那么就是</a:t>
-            </a:r>
-            <a:r>
-              <a:rPr kumimoji="1" lang="en-US" altLang="zh-CN" dirty="0" err="1">
-                <a:latin typeface="Source Code Pro Medium" panose="020B0509030403020204" pitchFamily="49" charset="0"/>
-                <a:ea typeface="Source Code Pro Medium" panose="020B0509030403020204" pitchFamily="49" charset="0"/>
-                <a:cs typeface="SimHei" charset="-122"/>
+            <a:endParaRPr lang="en-US" altLang="zh-CN" b="1" dirty="0">
+              <a:latin typeface="Source Code Pro" charset="0"/>
+              <a:ea typeface="Source Code Pro" charset="0"/>
+              <a:cs typeface="Source Code Pro" charset="0"/>
+            </a:endParaRPr>
+          </a:p>
+          <a:p>
+            <a:pPr>
+              <a:lnSpc>
+                <a:spcPct val="150000"/>
+              </a:lnSpc>
+            </a:pPr>
+            <a:r>
+              <a:rPr lang="zh-CN" altLang="en-US" b="1" dirty="0" smtClean="0">
+                <a:latin typeface="Source Code Pro" charset="0"/>
+                <a:ea typeface="Source Code Pro" charset="0"/>
+                <a:cs typeface="Source Code Pro" charset="0"/>
+              </a:rPr>
+              <a:t>类似这种</a:t>
+            </a:r>
+            <a:r>
+              <a:rPr lang="en-US" altLang="zh-CN" b="1" dirty="0" smtClean="0">
+                <a:latin typeface="Source Code Pro" charset="0"/>
+                <a:ea typeface="Source Code Pro" charset="0"/>
+                <a:cs typeface="Source Code Pro" charset="0"/>
+              </a:rPr>
+              <a:t>Unix</a:t>
+            </a:r>
+            <a:r>
+              <a:rPr lang="zh-CN" altLang="en-US" b="1" dirty="0">
+                <a:latin typeface="Source Code Pro" charset="0"/>
+                <a:ea typeface="Source Code Pro" charset="0"/>
+                <a:cs typeface="Source Code Pro" charset="0"/>
+              </a:rPr>
+              <a:t>系统编程、网络通信编程、异步</a:t>
+            </a:r>
+            <a:r>
+              <a:rPr lang="en-US" altLang="zh-CN" b="1" dirty="0" err="1">
+                <a:latin typeface="Source Code Pro" charset="0"/>
+                <a:ea typeface="Source Code Pro" charset="0"/>
+                <a:cs typeface="Source Code Pro" charset="0"/>
+              </a:rPr>
+              <a:t>io</a:t>
+            </a:r>
+            <a:r>
+              <a:rPr lang="zh-CN" altLang="en-US" b="1" dirty="0">
+                <a:latin typeface="Source Code Pro" charset="0"/>
+                <a:ea typeface="Source Code Pro" charset="0"/>
+                <a:cs typeface="Source Code Pro" charset="0"/>
+              </a:rPr>
+              <a:t>，大部分</a:t>
+            </a:r>
+            <a:r>
+              <a:rPr lang="en-US" altLang="zh-CN" b="1" dirty="0" err="1">
+                <a:latin typeface="Source Code Pro" charset="0"/>
+                <a:ea typeface="Source Code Pro" charset="0"/>
+                <a:cs typeface="Source Code Pro" charset="0"/>
+              </a:rPr>
+              <a:t>PHPer</a:t>
+            </a:r>
+            <a:r>
+              <a:rPr lang="zh-CN" altLang="en-US" b="1" dirty="0">
+                <a:latin typeface="Source Code Pro" charset="0"/>
+                <a:ea typeface="Source Code Pro" charset="0"/>
+                <a:cs typeface="Source Code Pro" charset="0"/>
+              </a:rPr>
+              <a:t>不懂。</a:t>
+            </a:r>
+            <a:r>
+              <a:rPr lang="en-US" altLang="zh-CN" b="1" dirty="0">
+                <a:latin typeface="Source Code Pro" charset="0"/>
+                <a:ea typeface="Source Code Pro" charset="0"/>
+                <a:cs typeface="Source Code Pro" charset="0"/>
+              </a:rPr>
+              <a:t>PHP</a:t>
+            </a:r>
+            <a:r>
+              <a:rPr lang="zh-CN" altLang="en-US" b="1" dirty="0">
+                <a:latin typeface="Source Code Pro" charset="0"/>
+                <a:ea typeface="Source Code Pro" charset="0"/>
+                <a:cs typeface="Source Code Pro" charset="0"/>
+              </a:rPr>
+              <a:t>界也确实没有这样的东西。</a:t>
+            </a:r>
+            <a:r>
+              <a:rPr lang="en-US" altLang="zh-CN" b="1" dirty="0" err="1">
+                <a:latin typeface="Source Code Pro" charset="0"/>
+                <a:ea typeface="Source Code Pro" charset="0"/>
+                <a:cs typeface="Source Code Pro" charset="0"/>
               </a:rPr>
               <a:t>Swoole</a:t>
             </a:r>
             <a:r>
-              <a:rPr kumimoji="1" lang="zh-CN" altLang="en-US" dirty="0">
-                <a:latin typeface="Source Code Pro Medium" panose="020B0509030403020204" pitchFamily="49" charset="0"/>
-                <a:ea typeface="SimHei" charset="-122"/>
-                <a:cs typeface="SimHei" charset="-122"/>
-              </a:rPr>
-              <a:t>的诞生；</a:t>
-            </a:r>
-            <a:r>
-              <a:rPr kumimoji="1" lang="en-US" altLang="zh-CN" dirty="0" err="1">
-                <a:latin typeface="Source Code Pro Medium" panose="020B0509030403020204" pitchFamily="49" charset="0"/>
-                <a:ea typeface="Source Code Pro Medium" panose="020B0509030403020204" pitchFamily="49" charset="0"/>
-                <a:cs typeface="SimHei" charset="-122"/>
+              <a:rPr lang="zh-CN" altLang="en-US" b="1" dirty="0">
+                <a:latin typeface="Source Code Pro" charset="0"/>
+                <a:ea typeface="Source Code Pro" charset="0"/>
+                <a:cs typeface="Source Code Pro" charset="0"/>
+              </a:rPr>
+              <a:t>开源项目就是为了弥补</a:t>
+            </a:r>
+            <a:r>
+              <a:rPr lang="en-US" altLang="zh-CN" b="1" dirty="0">
+                <a:latin typeface="Source Code Pro" charset="0"/>
+                <a:ea typeface="Source Code Pro" charset="0"/>
+                <a:cs typeface="Source Code Pro" charset="0"/>
+              </a:rPr>
+              <a:t>PHP</a:t>
+            </a:r>
+            <a:r>
+              <a:rPr lang="zh-CN" altLang="en-US" b="1" dirty="0">
+                <a:latin typeface="Source Code Pro" charset="0"/>
+                <a:ea typeface="Source Code Pro" charset="0"/>
+                <a:cs typeface="Source Code Pro" charset="0"/>
+              </a:rPr>
+              <a:t>在这些方面的缺陷诞生的。</a:t>
+            </a:r>
+            <a:r>
+              <a:rPr lang="zh-CN" altLang="en-US" b="1" dirty="0">
+                <a:latin typeface="Source Code Pro" charset="0"/>
+                <a:ea typeface="Source Code Pro" charset="0"/>
+                <a:cs typeface="Source Code Pro" charset="0"/>
+              </a:rPr>
+              <a:t>与</a:t>
+            </a:r>
+            <a:r>
+              <a:rPr lang="en-US" altLang="zh-CN" b="1" dirty="0" err="1">
+                <a:latin typeface="Source Code Pro" charset="0"/>
+                <a:ea typeface="Source Code Pro" charset="0"/>
+                <a:cs typeface="Source Code Pro" charset="0"/>
+              </a:rPr>
+              <a:t>S</a:t>
+            </a:r>
+            <a:r>
+              <a:rPr lang="en-US" altLang="zh-CN" b="1" dirty="0" err="1">
+                <a:latin typeface="Source Code Pro" charset="0"/>
+                <a:ea typeface="Source Code Pro" charset="0"/>
+                <a:cs typeface="Source Code Pro" charset="0"/>
+              </a:rPr>
+              <a:t>woole</a:t>
+            </a:r>
+            <a:r>
+              <a:rPr lang="zh-CN" altLang="en-US" b="1" dirty="0">
+                <a:latin typeface="Source Code Pro" charset="0"/>
+                <a:ea typeface="Source Code Pro" charset="0"/>
+                <a:cs typeface="Source Code Pro" charset="0"/>
+              </a:rPr>
+              <a:t>实际上是一个网络通信和异步</a:t>
+            </a:r>
+            <a:r>
+              <a:rPr lang="en-US" altLang="zh-CN" b="1" dirty="0" err="1">
+                <a:latin typeface="Source Code Pro" charset="0"/>
+                <a:ea typeface="Source Code Pro" charset="0"/>
+                <a:cs typeface="Source Code Pro" charset="0"/>
+              </a:rPr>
+              <a:t>io</a:t>
+            </a:r>
+            <a:r>
+              <a:rPr lang="zh-CN" altLang="en-US" b="1" dirty="0">
+                <a:latin typeface="Source Code Pro" charset="0"/>
+                <a:ea typeface="Source Code Pro" charset="0"/>
+                <a:cs typeface="Source Code Pro" charset="0"/>
+              </a:rPr>
+              <a:t>的引擎，一个基础</a:t>
+            </a:r>
+            <a:r>
+              <a:rPr lang="zh-CN" altLang="en-US" b="1" dirty="0">
+                <a:latin typeface="Source Code Pro" charset="0"/>
+                <a:ea typeface="Source Code Pro" charset="0"/>
+                <a:cs typeface="Source Code Pro" charset="0"/>
+              </a:rPr>
+              <a:t>库，</a:t>
+            </a:r>
+            <a:r>
+              <a:rPr lang="zh-CN" altLang="en-US" b="1" dirty="0">
+                <a:latin typeface="Source Code Pro" charset="0"/>
+                <a:ea typeface="Source Code Pro" charset="0"/>
+                <a:cs typeface="Source Code Pro" charset="0"/>
+              </a:rPr>
+              <a:t>能让</a:t>
+            </a:r>
+            <a:r>
+              <a:rPr lang="en-US" altLang="zh-CN" b="1" dirty="0">
+                <a:latin typeface="Source Code Pro" charset="0"/>
+                <a:ea typeface="Source Code Pro" charset="0"/>
+                <a:cs typeface="Source Code Pro" charset="0"/>
+              </a:rPr>
+              <a:t>PHP</a:t>
+            </a:r>
+            <a:r>
+              <a:rPr lang="zh-CN" altLang="en-US" b="1" dirty="0">
+                <a:latin typeface="Source Code Pro" charset="0"/>
+                <a:ea typeface="Source Code Pro" charset="0"/>
+                <a:cs typeface="Source Code Pro" charset="0"/>
+              </a:rPr>
+              <a:t>很好的支持异步、异步、简单的使用</a:t>
+            </a:r>
+            <a:r>
+              <a:rPr lang="en-US" altLang="zh-CN" b="1" dirty="0">
+                <a:latin typeface="Source Code Pro" charset="0"/>
+                <a:ea typeface="Source Code Pro" charset="0"/>
+                <a:cs typeface="Source Code Pro" charset="0"/>
+              </a:rPr>
+              <a:t>TCP/UDP/Socket</a:t>
+            </a:r>
+            <a:r>
+              <a:rPr lang="zh-CN" altLang="en-US" b="1" dirty="0">
+                <a:latin typeface="Source Code Pro" charset="0"/>
+                <a:ea typeface="Source Code Pro" charset="0"/>
+                <a:cs typeface="Source Code Pro" charset="0"/>
+              </a:rPr>
+              <a:t>服务</a:t>
+            </a:r>
+            <a:r>
+              <a:rPr lang="en-US" altLang="zh-CN" b="1" dirty="0">
+                <a:latin typeface="Source Code Pro" charset="0"/>
+                <a:ea typeface="Source Code Pro" charset="0"/>
+                <a:cs typeface="Source Code Pro" charset="0"/>
+              </a:rPr>
+              <a:t>.</a:t>
+            </a:r>
+          </a:p>
+          <a:p>
+            <a:pPr>
+              <a:lnSpc>
+                <a:spcPct val="150000"/>
+              </a:lnSpc>
+            </a:pPr>
+            <a:r>
+              <a:rPr lang="en-US" altLang="zh-CN" b="1" dirty="0" err="1">
+                <a:latin typeface="Source Code Pro" charset="0"/>
+                <a:ea typeface="Source Code Pro" charset="0"/>
+                <a:cs typeface="Source Code Pro" charset="0"/>
+              </a:rPr>
+              <a:t>PHPer</a:t>
+            </a:r>
+            <a:r>
+              <a:rPr lang="zh-CN" altLang="en-US" b="1" dirty="0">
+                <a:latin typeface="Source Code Pro" charset="0"/>
+                <a:ea typeface="Source Code Pro" charset="0"/>
+                <a:cs typeface="Source Code Pro" charset="0"/>
+              </a:rPr>
+              <a:t>可以</a:t>
+            </a:r>
+            <a:r>
+              <a:rPr lang="zh-CN" altLang="en-US" b="1" dirty="0">
+                <a:latin typeface="Source Code Pro" charset="0"/>
+                <a:ea typeface="Source Code Pro" charset="0"/>
+                <a:cs typeface="Source Code Pro" charset="0"/>
+              </a:rPr>
+              <a:t>基于</a:t>
+            </a:r>
+            <a:r>
+              <a:rPr lang="en-US" altLang="zh-CN" b="1" dirty="0" err="1">
+                <a:latin typeface="Source Code Pro" charset="0"/>
+                <a:ea typeface="Source Code Pro" charset="0"/>
+                <a:cs typeface="Source Code Pro" charset="0"/>
               </a:rPr>
               <a:t>Swoole</a:t>
             </a:r>
             <a:r>
-              <a:rPr kumimoji="1" lang="zh-CN" altLang="en-US" dirty="0">
-                <a:latin typeface="Source Code Pro Medium" panose="020B0509030403020204" pitchFamily="49" charset="0"/>
-                <a:ea typeface="SimHei" charset="-122"/>
-                <a:cs typeface="SimHei" charset="-122"/>
-              </a:rPr>
-              <a:t>的诞生能让</a:t>
-            </a:r>
-            <a:r>
-              <a:rPr kumimoji="1" lang="en-US" altLang="zh-CN" dirty="0">
-                <a:latin typeface="Source Code Pro Medium" panose="020B0509030403020204" pitchFamily="49" charset="0"/>
-                <a:ea typeface="Source Code Pro Medium" panose="020B0509030403020204" pitchFamily="49" charset="0"/>
-                <a:cs typeface="SimHei" charset="-122"/>
+              <a:rPr lang="zh-CN" altLang="en-US" b="1" dirty="0">
+                <a:latin typeface="Source Code Pro" charset="0"/>
+                <a:ea typeface="Source Code Pro" charset="0"/>
+                <a:cs typeface="Source Code Pro" charset="0"/>
+              </a:rPr>
+              <a:t>去实现过去</a:t>
+            </a:r>
+            <a:r>
+              <a:rPr lang="en-US" altLang="zh-CN" b="1" dirty="0">
+                <a:latin typeface="Source Code Pro" charset="0"/>
+                <a:ea typeface="Source Code Pro" charset="0"/>
+                <a:cs typeface="Source Code Pro" charset="0"/>
               </a:rPr>
               <a:t>PHP</a:t>
             </a:r>
             <a:r>
-              <a:rPr lang="zh-CN" altLang="en-US" dirty="0">
-                <a:latin typeface="Source Code Pro Medium" panose="020B0509030403020204" pitchFamily="49" charset="0"/>
-                <a:ea typeface="SimHei" charset="-122"/>
-                <a:cs typeface="SimHei" charset="-122"/>
-              </a:rPr>
-              <a:t>很好的支持异步、异步、简单的使用</a:t>
-            </a:r>
-            <a:r>
-              <a:rPr kumimoji="1" lang="en-US" altLang="zh-CN" dirty="0">
-                <a:latin typeface="Source Code Pro Medium" panose="020B0509030403020204" pitchFamily="49" charset="0"/>
-                <a:ea typeface="Source Code Pro Medium" panose="020B0509030403020204" pitchFamily="49" charset="0"/>
-                <a:cs typeface="SimHei" charset="-122"/>
-              </a:rPr>
-              <a:t>TCP/UDP/Socket</a:t>
-            </a:r>
-            <a:r>
-              <a:rPr lang="zh-CN" altLang="en-US" dirty="0">
-                <a:latin typeface="Source Code Pro Medium" panose="020B0509030403020204" pitchFamily="49" charset="0"/>
-                <a:ea typeface="SimHei" charset="-122"/>
-                <a:cs typeface="SimHei" charset="-122"/>
-              </a:rPr>
-              <a:t>服务</a:t>
-            </a:r>
-            <a:r>
-              <a:rPr lang="en-US" altLang="zh-CN" dirty="0">
-                <a:latin typeface="Source Code Pro Medium" panose="020B0509030403020204" pitchFamily="49" charset="0"/>
-                <a:ea typeface="Source Code Pro Medium" panose="020B0509030403020204" pitchFamily="49" charset="0"/>
-                <a:cs typeface="SimHei" charset="-122"/>
-              </a:rPr>
-              <a:t>.</a:t>
-            </a:r>
-            <a:endParaRPr kumimoji="1" lang="en-US" altLang="zh-CN" dirty="0">
-              <a:latin typeface="Source Code Pro Medium" panose="020B0509030403020204" pitchFamily="49" charset="0"/>
-              <a:ea typeface="Source Code Pro Medium" panose="020B0509030403020204" pitchFamily="49" charset="0"/>
-              <a:cs typeface="SimHei" charset="-122"/>
+              <a:rPr lang="zh-CN" altLang="en-US" b="1" dirty="0">
+                <a:latin typeface="Source Code Pro" charset="0"/>
+                <a:ea typeface="Source Code Pro" charset="0"/>
+                <a:cs typeface="Source Code Pro" charset="0"/>
+              </a:rPr>
+              <a:t>无法实现的功能。</a:t>
+            </a:r>
+            <a:r>
+              <a:rPr lang="en-US" altLang="zh-CN" b="1" dirty="0" err="1">
+                <a:latin typeface="Source Code Pro" charset="0"/>
+                <a:ea typeface="Source Code Pro" charset="0"/>
+                <a:cs typeface="Source Code Pro" charset="0"/>
+              </a:rPr>
+              <a:t>swoole</a:t>
+            </a:r>
+            <a:r>
+              <a:rPr lang="zh-CN" altLang="en-US" b="1" dirty="0">
+                <a:latin typeface="Source Code Pro" charset="0"/>
+                <a:ea typeface="Source Code Pro" charset="0"/>
+                <a:cs typeface="Source Code Pro" charset="0"/>
+              </a:rPr>
+              <a:t>为</a:t>
+            </a:r>
+            <a:r>
+              <a:rPr lang="en-US" altLang="zh-CN" b="1" dirty="0" err="1">
+                <a:latin typeface="Source Code Pro" charset="0"/>
+                <a:ea typeface="Source Code Pro" charset="0"/>
+                <a:cs typeface="Source Code Pro" charset="0"/>
+              </a:rPr>
+              <a:t>PHPer</a:t>
+            </a:r>
+            <a:r>
+              <a:rPr lang="zh-CN" altLang="en-US" b="1" dirty="0">
+                <a:latin typeface="Source Code Pro" charset="0"/>
+                <a:ea typeface="Source Code Pro" charset="0"/>
+                <a:cs typeface="Source Code Pro" charset="0"/>
+              </a:rPr>
+              <a:t>打开了通往另一个世界的</a:t>
+            </a:r>
+            <a:r>
+              <a:rPr lang="zh-CN" altLang="en-US" b="1" dirty="0">
+                <a:latin typeface="Source Code Pro" charset="0"/>
+                <a:ea typeface="Source Code Pro" charset="0"/>
+                <a:cs typeface="Source Code Pro" charset="0"/>
+              </a:rPr>
+              <a:t>大门</a:t>
+            </a:r>
+            <a:endParaRPr lang="en-US" altLang="zh-CN" b="1" dirty="0">
+              <a:latin typeface="Source Code Pro" charset="0"/>
+              <a:ea typeface="Source Code Pro" charset="0"/>
+              <a:cs typeface="Source Code Pro" charset="0"/>
             </a:endParaRPr>
           </a:p>
         </p:txBody>
@@ -7440,7 +7989,7 @@
         <p:spPr>
           <a:xfrm>
             <a:off x="778476" y="440678"/>
-            <a:ext cx="9562953" cy="5355312"/>
+            <a:ext cx="9562953" cy="5493812"/>
           </a:xfrm>
           <a:prstGeom prst="rect">
             <a:avLst/>
@@ -7472,8 +8021,28 @@
                 <a:ea typeface="SimHei" charset="-122"/>
                 <a:cs typeface="SimHei" charset="-122"/>
               </a:rPr>
-              <a:t>的安装</a:t>
-            </a:r>
+              <a:t>的</a:t>
+            </a:r>
+            <a:r>
+              <a:rPr kumimoji="1" lang="zh-CN" altLang="en-US" sz="2400" b="1" dirty="0" smtClean="0">
+                <a:latin typeface="Source Code Pro Medium" panose="020B0509030403020204" pitchFamily="49" charset="0"/>
+                <a:ea typeface="SimHei" charset="-122"/>
+                <a:cs typeface="SimHei" charset="-122"/>
+              </a:rPr>
+              <a:t>安装</a:t>
+            </a:r>
+            <a:endParaRPr kumimoji="1" lang="en-US" altLang="zh-CN" sz="2400" b="1" dirty="0" smtClean="0">
+              <a:latin typeface="Source Code Pro Medium" panose="020B0509030403020204" pitchFamily="49" charset="0"/>
+              <a:ea typeface="SimHei" charset="-122"/>
+              <a:cs typeface="SimHei" charset="-122"/>
+            </a:endParaRPr>
+          </a:p>
+          <a:p>
+            <a:pPr>
+              <a:lnSpc>
+                <a:spcPct val="150000"/>
+              </a:lnSpc>
+            </a:pPr>
             <a:endParaRPr kumimoji="1" lang="en-US" altLang="zh-CN" sz="2400" b="1" dirty="0">
               <a:latin typeface="Source Code Pro Medium" panose="020B0509030403020204" pitchFamily="49" charset="0"/>
               <a:ea typeface="Source Code Pro Medium" panose="020B0509030403020204" pitchFamily="49" charset="0"/>
@@ -7487,18 +8056,18 @@
               </a:lnSpc>
             </a:pPr>
             <a:r>
-              <a:rPr lang="en-US" altLang="zh-CN" sz="2000" dirty="0" err="1">
-                <a:latin typeface="Source Code Pro Medium" panose="020B0509030403020204" pitchFamily="49" charset="0"/>
-                <a:ea typeface="Source Code Pro Medium" panose="020B0509030403020204" pitchFamily="49" charset="0"/>
-                <a:cs typeface="SimHei" charset="-122"/>
-              </a:rPr>
-              <a:t>pecl</a:t>
-            </a:r>
-            <a:r>
-              <a:rPr lang="zh-CN" altLang="en-US" sz="2000" dirty="0">
-                <a:latin typeface="Source Code Pro Medium" panose="020B0509030403020204" pitchFamily="49" charset="0"/>
-                <a:ea typeface="SimHei" charset="-122"/>
-                <a:cs typeface="SimHei" charset="-122"/>
+              <a:rPr lang="en-US" altLang="zh-CN" dirty="0" smtClean="0">
+                <a:latin typeface="Source Code Pro Medium" charset="0"/>
+                <a:ea typeface="Source Code Pro Medium" charset="0"/>
+                <a:cs typeface="Source Code Pro Medium" charset="0"/>
+              </a:rPr>
+              <a:t>1.pecl</a:t>
+            </a:r>
+            <a:r>
+              <a:rPr lang="zh-CN" altLang="en-US" dirty="0">
+                <a:latin typeface="Source Code Pro Medium" charset="0"/>
+                <a:ea typeface="Source Code Pro Medium" charset="0"/>
+                <a:cs typeface="Source Code Pro Medium" charset="0"/>
               </a:rPr>
               <a:t>安装：</a:t>
             </a:r>
@@ -7510,34 +8079,50 @@
               </a:lnSpc>
             </a:pPr>
             <a:r>
-              <a:rPr lang="en-US" altLang="zh-CN" sz="2000" dirty="0" err="1">
-                <a:latin typeface="Source Code Pro Medium" panose="020B0509030403020204" pitchFamily="49" charset="0"/>
-                <a:ea typeface="Source Code Pro Medium" panose="020B0509030403020204" pitchFamily="49" charset="0"/>
-                <a:cs typeface="SimHei" charset="-122"/>
+              <a:rPr lang="zh-CN" altLang="en-US" dirty="0" smtClean="0">
+                <a:latin typeface="Source Code Pro Medium" charset="0"/>
+                <a:ea typeface="Source Code Pro Medium" charset="0"/>
+                <a:cs typeface="Source Code Pro Medium" charset="0"/>
+              </a:rPr>
+              <a:t>  </a:t>
+            </a:r>
+            <a:r>
+              <a:rPr lang="en-US" altLang="zh-CN" dirty="0" err="1" smtClean="0">
+                <a:latin typeface="Source Code Pro Medium" charset="0"/>
+                <a:ea typeface="Source Code Pro Medium" charset="0"/>
+                <a:cs typeface="Source Code Pro Medium" charset="0"/>
               </a:rPr>
               <a:t>pecl</a:t>
             </a:r>
             <a:r>
-              <a:rPr lang="en-US" altLang="zh-CN" sz="2000" dirty="0">
-                <a:latin typeface="Source Code Pro Medium" panose="020B0509030403020204" pitchFamily="49" charset="0"/>
-                <a:ea typeface="Source Code Pro Medium" panose="020B0509030403020204" pitchFamily="49" charset="0"/>
-                <a:cs typeface="SimHei" charset="-122"/>
-              </a:rPr>
-              <a:t> install </a:t>
-            </a:r>
-            <a:r>
-              <a:rPr lang="en-US" altLang="zh-CN" sz="2000" dirty="0" err="1">
-                <a:latin typeface="Source Code Pro Medium" panose="020B0509030403020204" pitchFamily="49" charset="0"/>
-                <a:ea typeface="Source Code Pro Medium" panose="020B0509030403020204" pitchFamily="49" charset="0"/>
-                <a:cs typeface="SimHei" charset="-122"/>
+              <a:rPr lang="en-US" altLang="zh-CN" dirty="0" smtClean="0">
+                <a:latin typeface="Source Code Pro Medium" charset="0"/>
+                <a:ea typeface="Source Code Pro Medium" charset="0"/>
+                <a:cs typeface="Source Code Pro Medium" charset="0"/>
+              </a:rPr>
+              <a:t> </a:t>
+            </a:r>
+            <a:r>
+              <a:rPr lang="en-US" altLang="zh-CN" dirty="0">
+                <a:latin typeface="Source Code Pro Medium" charset="0"/>
+                <a:ea typeface="Source Code Pro Medium" charset="0"/>
+                <a:cs typeface="Source Code Pro Medium" charset="0"/>
+              </a:rPr>
+              <a:t>install </a:t>
+            </a:r>
+            <a:r>
+              <a:rPr lang="en-US" altLang="zh-CN" dirty="0" err="1">
+                <a:latin typeface="Source Code Pro Medium" charset="0"/>
+                <a:ea typeface="Source Code Pro Medium" charset="0"/>
+                <a:cs typeface="Source Code Pro Medium" charset="0"/>
               </a:rPr>
               <a:t>swoole</a:t>
             </a:r>
             <a:r>
-              <a:rPr lang="en-US" altLang="zh-CN" sz="2000" dirty="0">
-                <a:latin typeface="Source Code Pro Medium" panose="020B0509030403020204" pitchFamily="49" charset="0"/>
-                <a:ea typeface="Source Code Pro Medium" panose="020B0509030403020204" pitchFamily="49" charset="0"/>
-                <a:cs typeface="SimHei" charset="-122"/>
+              <a:rPr lang="en-US" altLang="zh-CN" dirty="0">
+                <a:latin typeface="Source Code Pro Medium" charset="0"/>
+                <a:ea typeface="Source Code Pro Medium" charset="0"/>
+                <a:cs typeface="Source Code Pro Medium" charset="0"/>
               </a:rPr>
               <a:t> </a:t>
             </a:r>
@@ -7548,10 +8133,10 @@
                 <a:spcPct val="150000"/>
               </a:lnSpc>
             </a:pPr>
-            <a:endParaRPr lang="en-US" altLang="zh-CN" sz="2000" dirty="0">
-              <a:latin typeface="Source Code Pro Medium" panose="020B0509030403020204" pitchFamily="49" charset="0"/>
-              <a:ea typeface="Source Code Pro Medium" panose="020B0509030403020204" pitchFamily="49" charset="0"/>
-              <a:cs typeface="SimHei" charset="-122"/>
+            <a:endParaRPr lang="en-US" altLang="zh-CN" dirty="0">
+              <a:latin typeface="Source Code Pro Medium" charset="0"/>
+              <a:ea typeface="Source Code Pro Medium" charset="0"/>
+              <a:cs typeface="Source Code Pro Medium" charset="0"/>
             </a:endParaRPr>
           </a:p>
           <a:p>
@@ -7561,12 +8146,28 @@
               </a:lnSpc>
             </a:pPr>
             <a:r>
-              <a:rPr lang="zh-CN" altLang="en-US" sz="2000" dirty="0">
-                <a:latin typeface="Source Code Pro Medium" panose="020B0509030403020204" pitchFamily="49" charset="0"/>
-                <a:ea typeface="SimHei" charset="-122"/>
-                <a:cs typeface="SimHei" charset="-122"/>
-              </a:rPr>
-              <a:t>源码安装：</a:t>
+              <a:rPr lang="en-US" altLang="zh-CN" dirty="0" smtClean="0">
+                <a:latin typeface="Source Code Pro Medium" charset="0"/>
+                <a:ea typeface="Source Code Pro Medium" charset="0"/>
+                <a:cs typeface="Source Code Pro Medium" charset="0"/>
+              </a:rPr>
+              <a:t>2.</a:t>
+            </a:r>
+            <a:r>
+              <a:rPr lang="zh-CN" altLang="en-US" dirty="0" smtClean="0">
+                <a:latin typeface="Source Code Pro Medium" charset="0"/>
+                <a:ea typeface="Source Code Pro Medium" charset="0"/>
+                <a:cs typeface="Source Code Pro Medium" charset="0"/>
+              </a:rPr>
+              <a:t>源</a:t>
+            </a:r>
+            <a:r>
+              <a:rPr lang="zh-CN" altLang="en-US" dirty="0">
+                <a:latin typeface="Source Code Pro Medium" charset="0"/>
+                <a:ea typeface="Source Code Pro Medium" charset="0"/>
+                <a:cs typeface="Source Code Pro Medium" charset="0"/>
+              </a:rPr>
+              <a:t>码安装：</a:t>
             </a:r>
           </a:p>
           <a:p>
@@ -7576,65 +8177,81 @@
               </a:lnSpc>
             </a:pPr>
             <a:r>
-              <a:rPr lang="en-US" altLang="zh-CN" sz="2000" dirty="0" err="1">
-                <a:latin typeface="Source Code Pro Medium" panose="020B0509030403020204" pitchFamily="49" charset="0"/>
-                <a:ea typeface="Source Code Pro Medium" panose="020B0509030403020204" pitchFamily="49" charset="0"/>
-                <a:cs typeface="SimHei" charset="-122"/>
+              <a:rPr lang="zh-CN" altLang="en-US" dirty="0" smtClean="0">
+                <a:latin typeface="Source Code Pro Medium" charset="0"/>
+                <a:ea typeface="Source Code Pro Medium" charset="0"/>
+                <a:cs typeface="Source Code Pro Medium" charset="0"/>
+              </a:rPr>
+              <a:t>  </a:t>
+            </a:r>
+            <a:r>
+              <a:rPr lang="en-US" altLang="zh-CN" dirty="0" err="1" smtClean="0">
+                <a:latin typeface="Source Code Pro Medium" charset="0"/>
+                <a:ea typeface="Source Code Pro Medium" charset="0"/>
+                <a:cs typeface="Source Code Pro Medium" charset="0"/>
               </a:rPr>
               <a:t>git</a:t>
             </a:r>
             <a:r>
-              <a:rPr lang="en-US" altLang="zh-CN" sz="2000" dirty="0">
-                <a:latin typeface="Source Code Pro Medium" panose="020B0509030403020204" pitchFamily="49" charset="0"/>
-                <a:ea typeface="Source Code Pro Medium" panose="020B0509030403020204" pitchFamily="49" charset="0"/>
-                <a:cs typeface="SimHei" charset="-122"/>
-              </a:rPr>
-              <a:t> clone https://</a:t>
-            </a:r>
-            <a:r>
-              <a:rPr lang="en-US" altLang="zh-CN" sz="2000" dirty="0" err="1">
-                <a:latin typeface="Source Code Pro Medium" panose="020B0509030403020204" pitchFamily="49" charset="0"/>
-                <a:ea typeface="Source Code Pro Medium" panose="020B0509030403020204" pitchFamily="49" charset="0"/>
-                <a:cs typeface="SimHei" charset="-122"/>
+              <a:rPr lang="en-US" altLang="zh-CN" dirty="0" smtClean="0">
+                <a:latin typeface="Source Code Pro Medium" charset="0"/>
+                <a:ea typeface="Source Code Pro Medium" charset="0"/>
+                <a:cs typeface="Source Code Pro Medium" charset="0"/>
+              </a:rPr>
+              <a:t> </a:t>
+            </a:r>
+            <a:r>
+              <a:rPr lang="en-US" altLang="zh-CN" dirty="0">
+                <a:latin typeface="Source Code Pro Medium" charset="0"/>
+                <a:ea typeface="Source Code Pro Medium" charset="0"/>
+                <a:cs typeface="Source Code Pro Medium" charset="0"/>
+              </a:rPr>
+              <a:t>clone https://</a:t>
+            </a:r>
+            <a:r>
+              <a:rPr lang="en-US" altLang="zh-CN" dirty="0" err="1">
+                <a:latin typeface="Source Code Pro Medium" charset="0"/>
+                <a:ea typeface="Source Code Pro Medium" charset="0"/>
+                <a:cs typeface="Source Code Pro Medium" charset="0"/>
               </a:rPr>
               <a:t>github.com</a:t>
             </a:r>
             <a:r>
-              <a:rPr lang="en-US" altLang="zh-CN" sz="2000" dirty="0">
-                <a:latin typeface="Source Code Pro Medium" panose="020B0509030403020204" pitchFamily="49" charset="0"/>
-                <a:ea typeface="Source Code Pro Medium" panose="020B0509030403020204" pitchFamily="49" charset="0"/>
-                <a:cs typeface="SimHei" charset="-122"/>
+              <a:rPr lang="en-US" altLang="zh-CN" dirty="0">
+                <a:latin typeface="Source Code Pro Medium" charset="0"/>
+                <a:ea typeface="Source Code Pro Medium" charset="0"/>
+                <a:cs typeface="Source Code Pro Medium" charset="0"/>
               </a:rPr>
               <a:t>/</a:t>
             </a:r>
             <a:r>
-              <a:rPr lang="en-US" altLang="zh-CN" sz="2000" dirty="0" err="1">
-                <a:latin typeface="Source Code Pro Medium" panose="020B0509030403020204" pitchFamily="49" charset="0"/>
-                <a:ea typeface="Source Code Pro Medium" panose="020B0509030403020204" pitchFamily="49" charset="0"/>
-                <a:cs typeface="SimHei" charset="-122"/>
+              <a:rPr lang="en-US" altLang="zh-CN" dirty="0" err="1">
+                <a:latin typeface="Source Code Pro Medium" charset="0"/>
+                <a:ea typeface="Source Code Pro Medium" charset="0"/>
+                <a:cs typeface="Source Code Pro Medium" charset="0"/>
               </a:rPr>
               <a:t>swoole</a:t>
             </a:r>
             <a:r>
-              <a:rPr lang="en-US" altLang="zh-CN" sz="2000" dirty="0">
-                <a:latin typeface="Source Code Pro Medium" panose="020B0509030403020204" pitchFamily="49" charset="0"/>
-                <a:ea typeface="Source Code Pro Medium" panose="020B0509030403020204" pitchFamily="49" charset="0"/>
-                <a:cs typeface="SimHei" charset="-122"/>
+              <a:rPr lang="en-US" altLang="zh-CN" dirty="0">
+                <a:latin typeface="Source Code Pro Medium" charset="0"/>
+                <a:ea typeface="Source Code Pro Medium" charset="0"/>
+                <a:cs typeface="Source Code Pro Medium" charset="0"/>
               </a:rPr>
               <a:t>/</a:t>
             </a:r>
             <a:r>
-              <a:rPr lang="en-US" altLang="zh-CN" sz="2000" dirty="0" err="1">
-                <a:latin typeface="Source Code Pro Medium" panose="020B0509030403020204" pitchFamily="49" charset="0"/>
-                <a:ea typeface="Source Code Pro Medium" panose="020B0509030403020204" pitchFamily="49" charset="0"/>
-                <a:cs typeface="SimHei" charset="-122"/>
+              <a:rPr lang="en-US" altLang="zh-CN" dirty="0" err="1">
+                <a:latin typeface="Source Code Pro Medium" charset="0"/>
+                <a:ea typeface="Source Code Pro Medium" charset="0"/>
+                <a:cs typeface="Source Code Pro Medium" charset="0"/>
               </a:rPr>
               <a:t>swoole-src.git</a:t>
             </a:r>
-            <a:endParaRPr lang="en-US" altLang="zh-CN" sz="2000" dirty="0">
-              <a:latin typeface="Source Code Pro Medium" panose="020B0509030403020204" pitchFamily="49" charset="0"/>
-              <a:ea typeface="Source Code Pro Medium" panose="020B0509030403020204" pitchFamily="49" charset="0"/>
-              <a:cs typeface="SimHei" charset="-122"/>
+            <a:endParaRPr lang="en-US" altLang="zh-CN" dirty="0">
+              <a:latin typeface="Source Code Pro Medium" charset="0"/>
+              <a:ea typeface="Source Code Pro Medium" charset="0"/>
+              <a:cs typeface="Source Code Pro Medium" charset="0"/>
             </a:endParaRPr>
           </a:p>
           <a:p>
@@ -7644,25 +8261,33 @@
               </a:lnSpc>
             </a:pPr>
             <a:r>
-              <a:rPr lang="en-US" altLang="zh-CN" sz="2000" dirty="0">
-                <a:latin typeface="Source Code Pro Medium" panose="020B0509030403020204" pitchFamily="49" charset="0"/>
-                <a:ea typeface="Source Code Pro Medium" panose="020B0509030403020204" pitchFamily="49" charset="0"/>
-                <a:cs typeface="SimHei" charset="-122"/>
+              <a:rPr lang="zh-CN" altLang="en-US" dirty="0" smtClean="0">
+                <a:latin typeface="Source Code Pro Medium" charset="0"/>
+                <a:ea typeface="Source Code Pro Medium" charset="0"/>
+                <a:cs typeface="Source Code Pro Medium" charset="0"/>
+              </a:rPr>
+              <a:t>  </a:t>
+            </a:r>
+            <a:r>
+              <a:rPr lang="en-US" altLang="zh-CN" dirty="0" smtClean="0">
+                <a:latin typeface="Source Code Pro Medium" charset="0"/>
+                <a:ea typeface="Source Code Pro Medium" charset="0"/>
+                <a:cs typeface="Source Code Pro Medium" charset="0"/>
               </a:rPr>
               <a:t>cd </a:t>
             </a:r>
             <a:r>
-              <a:rPr lang="en-US" altLang="zh-CN" sz="2000" dirty="0" err="1">
-                <a:latin typeface="Source Code Pro Medium" panose="020B0509030403020204" pitchFamily="49" charset="0"/>
-                <a:ea typeface="Source Code Pro Medium" panose="020B0509030403020204" pitchFamily="49" charset="0"/>
-                <a:cs typeface="SimHei" charset="-122"/>
+              <a:rPr lang="en-US" altLang="zh-CN" dirty="0" err="1">
+                <a:latin typeface="Source Code Pro Medium" charset="0"/>
+                <a:ea typeface="Source Code Pro Medium" charset="0"/>
+                <a:cs typeface="Source Code Pro Medium" charset="0"/>
               </a:rPr>
               <a:t>swoole-src</a:t>
             </a:r>
-            <a:endParaRPr lang="en-US" altLang="zh-CN" sz="2000" dirty="0">
-              <a:latin typeface="Source Code Pro Medium" panose="020B0509030403020204" pitchFamily="49" charset="0"/>
-              <a:ea typeface="Source Code Pro Medium" panose="020B0509030403020204" pitchFamily="49" charset="0"/>
-              <a:cs typeface="SimHei" charset="-122"/>
+            <a:endParaRPr lang="en-US" altLang="zh-CN" dirty="0">
+              <a:latin typeface="Source Code Pro Medium" charset="0"/>
+              <a:ea typeface="Source Code Pro Medium" charset="0"/>
+              <a:cs typeface="Source Code Pro Medium" charset="0"/>
             </a:endParaRPr>
           </a:p>
           <a:p>
@@ -7672,17 +8297,25 @@
               </a:lnSpc>
             </a:pPr>
             <a:r>
-              <a:rPr lang="en-US" altLang="zh-CN" sz="2000" dirty="0" err="1">
-                <a:latin typeface="Source Code Pro Medium" panose="020B0509030403020204" pitchFamily="49" charset="0"/>
-                <a:ea typeface="Source Code Pro Medium" panose="020B0509030403020204" pitchFamily="49" charset="0"/>
-                <a:cs typeface="SimHei" charset="-122"/>
+              <a:rPr lang="zh-CN" altLang="en-US" dirty="0" smtClean="0">
+                <a:latin typeface="Source Code Pro Medium" charset="0"/>
+                <a:ea typeface="Source Code Pro Medium" charset="0"/>
+                <a:cs typeface="Source Code Pro Medium" charset="0"/>
+              </a:rPr>
+              <a:t>  </a:t>
+            </a:r>
+            <a:r>
+              <a:rPr lang="en-US" altLang="zh-CN" dirty="0" err="1" smtClean="0">
+                <a:latin typeface="Source Code Pro Medium" charset="0"/>
+                <a:ea typeface="Source Code Pro Medium" charset="0"/>
+                <a:cs typeface="Source Code Pro Medium" charset="0"/>
               </a:rPr>
               <a:t>phpize</a:t>
             </a:r>
-            <a:endParaRPr lang="en-US" altLang="zh-CN" sz="2000" dirty="0">
-              <a:latin typeface="Source Code Pro Medium" panose="020B0509030403020204" pitchFamily="49" charset="0"/>
-              <a:ea typeface="Source Code Pro Medium" panose="020B0509030403020204" pitchFamily="49" charset="0"/>
-              <a:cs typeface="SimHei" charset="-122"/>
+            <a:endParaRPr lang="en-US" altLang="zh-CN" dirty="0">
+              <a:latin typeface="Source Code Pro Medium" charset="0"/>
+              <a:ea typeface="Source Code Pro Medium" charset="0"/>
+              <a:cs typeface="Source Code Pro Medium" charset="0"/>
             </a:endParaRPr>
           </a:p>
           <a:p>
@@ -7692,12 +8325,28 @@
               </a:lnSpc>
             </a:pPr>
             <a:r>
-              <a:rPr lang="en-US" altLang="zh-CN" sz="2000" dirty="0">
-                <a:latin typeface="Source Code Pro Medium" panose="020B0509030403020204" pitchFamily="49" charset="0"/>
-                <a:ea typeface="Source Code Pro Medium" panose="020B0509030403020204" pitchFamily="49" charset="0"/>
-                <a:cs typeface="SimHei" charset="-122"/>
-              </a:rPr>
-              <a:t>./configure</a:t>
+              <a:rPr lang="zh-CN" altLang="en-US" dirty="0" smtClean="0">
+                <a:latin typeface="Source Code Pro Medium" charset="0"/>
+                <a:ea typeface="Source Code Pro Medium" charset="0"/>
+                <a:cs typeface="Source Code Pro Medium" charset="0"/>
+              </a:rPr>
+              <a:t>  </a:t>
+            </a:r>
+            <a:r>
+              <a:rPr lang="en-US" altLang="zh-CN" dirty="0" smtClean="0">
+                <a:latin typeface="Source Code Pro Medium" charset="0"/>
+                <a:ea typeface="Source Code Pro Medium" charset="0"/>
+                <a:cs typeface="Source Code Pro Medium" charset="0"/>
+              </a:rPr>
+              <a:t>./</a:t>
+            </a:r>
+            <a:r>
+              <a:rPr lang="en-US" altLang="zh-CN" dirty="0">
+                <a:latin typeface="Source Code Pro Medium" charset="0"/>
+                <a:ea typeface="Source Code Pro Medium" charset="0"/>
+                <a:cs typeface="Source Code Pro Medium" charset="0"/>
+              </a:rPr>
+              <a:t>configure</a:t>
             </a:r>
           </a:p>
           <a:p>
@@ -7707,15 +8356,35 @@
               </a:lnSpc>
             </a:pPr>
             <a:r>
-              <a:rPr lang="en-US" altLang="zh-CN" sz="2000" dirty="0">
-                <a:latin typeface="Source Code Pro Medium" panose="020B0509030403020204" pitchFamily="49" charset="0"/>
-                <a:ea typeface="Source Code Pro Medium" panose="020B0509030403020204" pitchFamily="49" charset="0"/>
-                <a:cs typeface="SimHei" charset="-122"/>
-              </a:rPr>
-              <a:t>make &amp;&amp; make install</a:t>
-            </a:r>
-          </a:p>
-          <a:p>
+              <a:rPr lang="zh-CN" altLang="en-US" dirty="0" smtClean="0">
+                <a:latin typeface="Source Code Pro Medium" charset="0"/>
+                <a:ea typeface="Source Code Pro Medium" charset="0"/>
+                <a:cs typeface="Source Code Pro Medium" charset="0"/>
+              </a:rPr>
+              <a:t>  </a:t>
+            </a:r>
+            <a:r>
+              <a:rPr lang="en-US" altLang="zh-CN" dirty="0" smtClean="0">
+                <a:latin typeface="Source Code Pro Medium" charset="0"/>
+                <a:ea typeface="Source Code Pro Medium" charset="0"/>
+                <a:cs typeface="Source Code Pro Medium" charset="0"/>
+              </a:rPr>
+              <a:t>make </a:t>
+            </a:r>
+            <a:r>
+              <a:rPr lang="en-US" altLang="zh-CN" dirty="0">
+                <a:latin typeface="Source Code Pro Medium" charset="0"/>
+                <a:ea typeface="Source Code Pro Medium" charset="0"/>
+                <a:cs typeface="Source Code Pro Medium" charset="0"/>
+              </a:rPr>
+              <a:t>&amp;&amp; make install</a:t>
+            </a:r>
+          </a:p>
+          <a:p>
+            <a:r>
+              <a:rPr lang="en-US" altLang="zh-CN" dirty="0"/>
+              <a:t/>
+            </a:r>
             <a:br>
               <a:rPr lang="en-US" altLang="zh-CN" dirty="0"/>
             </a:br>
@@ -7762,7 +8431,7 @@
         <p:spPr>
           <a:xfrm>
             <a:off x="778476" y="420130"/>
-            <a:ext cx="9562953" cy="5078313"/>
+            <a:ext cx="9562953" cy="5632311"/>
           </a:xfrm>
           <a:prstGeom prst="rect">
             <a:avLst/>
@@ -7794,8 +8463,28 @@
                 <a:ea typeface="SimHei" charset="-122"/>
                 <a:cs typeface="SimHei" charset="-122"/>
               </a:rPr>
-              <a:t>的结构</a:t>
-            </a:r>
+              <a:t>的</a:t>
+            </a:r>
+            <a:r>
+              <a:rPr kumimoji="1" lang="zh-CN" altLang="en-US" sz="2400" b="1" dirty="0" smtClean="0">
+                <a:latin typeface="Source Code Pro Medium" panose="020B0509030403020204" pitchFamily="49" charset="0"/>
+                <a:ea typeface="SimHei" charset="-122"/>
+                <a:cs typeface="SimHei" charset="-122"/>
+              </a:rPr>
+              <a:t>结构</a:t>
+            </a:r>
+            <a:endParaRPr kumimoji="1" lang="en-US" altLang="zh-CN" sz="2400" b="1" dirty="0" smtClean="0">
+              <a:latin typeface="Source Code Pro Medium" panose="020B0509030403020204" pitchFamily="49" charset="0"/>
+              <a:ea typeface="SimHei" charset="-122"/>
+              <a:cs typeface="SimHei" charset="-122"/>
+            </a:endParaRPr>
+          </a:p>
+          <a:p>
+            <a:pPr>
+              <a:lnSpc>
+                <a:spcPct val="150000"/>
+              </a:lnSpc>
+            </a:pPr>
             <a:endParaRPr kumimoji="1" lang="en-US" altLang="zh-CN" sz="2400" b="1" dirty="0">
               <a:latin typeface="Source Code Pro Medium" panose="020B0509030403020204" pitchFamily="49" charset="0"/>
               <a:ea typeface="Source Code Pro Medium" panose="020B0509030403020204" pitchFamily="49" charset="0"/>
@@ -7810,81 +8499,81 @@
             </a:pPr>
             <a:r>
               <a:rPr kumimoji="1" lang="en-US" altLang="zh-CN" dirty="0">
-                <a:latin typeface="Source Code Pro Medium" panose="020B0509030403020204" pitchFamily="49" charset="0"/>
-                <a:ea typeface="Source Code Pro Medium" panose="020B0509030403020204" pitchFamily="49" charset="0"/>
-                <a:cs typeface="SimHei" charset="-122"/>
+                <a:latin typeface="Source Code Pro Medium" charset="0"/>
+                <a:ea typeface="Source Code Pro Medium" charset="0"/>
+                <a:cs typeface="Source Code Pro Medium" charset="0"/>
               </a:rPr>
               <a:t>1.Master</a:t>
             </a:r>
             <a:r>
               <a:rPr kumimoji="1" lang="zh-CN" altLang="en-US" dirty="0">
-                <a:latin typeface="Source Code Pro Medium" panose="020B0509030403020204" pitchFamily="49" charset="0"/>
-                <a:ea typeface="SimHei" charset="-122"/>
-                <a:cs typeface="SimHei" charset="-122"/>
+                <a:latin typeface="Source Code Pro Medium" charset="0"/>
+                <a:ea typeface="Source Code Pro Medium" charset="0"/>
+                <a:cs typeface="Source Code Pro Medium" charset="0"/>
               </a:rPr>
               <a:t> 进程：</a:t>
             </a:r>
             <a:r>
               <a:rPr kumimoji="1" lang="en-US" altLang="zh-CN" dirty="0" err="1">
-                <a:latin typeface="Source Code Pro Medium" panose="020B0509030403020204" pitchFamily="49" charset="0"/>
-                <a:ea typeface="Source Code Pro Medium" panose="020B0509030403020204" pitchFamily="49" charset="0"/>
-                <a:cs typeface="SimHei" charset="-122"/>
+                <a:latin typeface="Source Code Pro Medium" charset="0"/>
+                <a:ea typeface="Source Code Pro Medium" charset="0"/>
+                <a:cs typeface="Source Code Pro Medium" charset="0"/>
               </a:rPr>
               <a:t>Swoole</a:t>
             </a:r>
             <a:r>
               <a:rPr kumimoji="1" lang="zh-CN" altLang="en-US" dirty="0">
-                <a:latin typeface="Source Code Pro Medium" panose="020B0509030403020204" pitchFamily="49" charset="0"/>
-                <a:ea typeface="SimHei" charset="-122"/>
-                <a:cs typeface="SimHei" charset="-122"/>
+                <a:latin typeface="Source Code Pro Medium" charset="0"/>
+                <a:ea typeface="Source Code Pro Medium" charset="0"/>
+                <a:cs typeface="Source Code Pro Medium" charset="0"/>
               </a:rPr>
               <a:t>的主进程，处理</a:t>
             </a:r>
             <a:r>
               <a:rPr kumimoji="1" lang="en-US" altLang="zh-CN" dirty="0" err="1">
-                <a:latin typeface="Source Code Pro Medium" panose="020B0509030403020204" pitchFamily="49" charset="0"/>
-                <a:ea typeface="Source Code Pro Medium" panose="020B0509030403020204" pitchFamily="49" charset="0"/>
-                <a:cs typeface="SimHei" charset="-122"/>
+                <a:latin typeface="Source Code Pro Medium" charset="0"/>
+                <a:ea typeface="Source Code Pro Medium" charset="0"/>
+                <a:cs typeface="Source Code Pro Medium" charset="0"/>
               </a:rPr>
               <a:t>Swoole</a:t>
             </a:r>
             <a:r>
               <a:rPr kumimoji="1" lang="zh-CN" altLang="en-US" dirty="0">
-                <a:latin typeface="Source Code Pro Medium" panose="020B0509030403020204" pitchFamily="49" charset="0"/>
-                <a:ea typeface="SimHei" charset="-122"/>
-                <a:cs typeface="SimHei" charset="-122"/>
+                <a:latin typeface="Source Code Pro Medium" charset="0"/>
+                <a:ea typeface="Source Code Pro Medium" charset="0"/>
+                <a:cs typeface="Source Code Pro Medium" charset="0"/>
               </a:rPr>
               <a:t>核心的事件驱动，包含若干</a:t>
             </a:r>
             <a:r>
               <a:rPr kumimoji="1" lang="en-US" altLang="zh-CN" dirty="0">
-                <a:latin typeface="Source Code Pro Medium" panose="020B0509030403020204" pitchFamily="49" charset="0"/>
-                <a:ea typeface="Source Code Pro Medium" panose="020B0509030403020204" pitchFamily="49" charset="0"/>
-                <a:cs typeface="SimHei" charset="-122"/>
+                <a:latin typeface="Source Code Pro Medium" charset="0"/>
+                <a:ea typeface="Source Code Pro Medium" charset="0"/>
+                <a:cs typeface="Source Code Pro Medium" charset="0"/>
               </a:rPr>
               <a:t>Reactor</a:t>
             </a:r>
             <a:r>
               <a:rPr kumimoji="1" lang="zh-CN" altLang="en-US" dirty="0">
-                <a:latin typeface="Source Code Pro Medium" panose="020B0509030403020204" pitchFamily="49" charset="0"/>
-                <a:ea typeface="SimHei" charset="-122"/>
-                <a:cs typeface="SimHei" charset="-122"/>
+                <a:latin typeface="Source Code Pro Medium" charset="0"/>
+                <a:ea typeface="Source Code Pro Medium" charset="0"/>
+                <a:cs typeface="Source Code Pro Medium" charset="0"/>
               </a:rPr>
               <a:t>子线程，每个</a:t>
             </a:r>
             <a:r>
               <a:rPr kumimoji="1" lang="en-US" altLang="zh-CN" dirty="0">
-                <a:latin typeface="Source Code Pro Medium" panose="020B0509030403020204" pitchFamily="49" charset="0"/>
-                <a:ea typeface="Source Code Pro Medium" panose="020B0509030403020204" pitchFamily="49" charset="0"/>
-                <a:cs typeface="SimHei" charset="-122"/>
+                <a:latin typeface="Source Code Pro Medium" charset="0"/>
+                <a:ea typeface="Source Code Pro Medium" charset="0"/>
+                <a:cs typeface="Source Code Pro Medium" charset="0"/>
               </a:rPr>
               <a:t>Reactor</a:t>
             </a:r>
             <a:r>
               <a:rPr kumimoji="1" lang="zh-CN" altLang="en-US" dirty="0">
-                <a:latin typeface="Source Code Pro Medium" panose="020B0509030403020204" pitchFamily="49" charset="0"/>
-                <a:ea typeface="SimHei" charset="-122"/>
-                <a:cs typeface="SimHei" charset="-122"/>
+                <a:latin typeface="Source Code Pro Medium" charset="0"/>
+                <a:ea typeface="Source Code Pro Medium" charset="0"/>
+                <a:cs typeface="Source Code Pro Medium" charset="0"/>
               </a:rPr>
               <a:t>子线程运行</a:t>
             </a:r>
@@ -7893,24 +8582,227 @@
                 <a:solidFill>
                   <a:srgbClr val="FF0000"/>
                 </a:solidFill>
-                <a:latin typeface="Source Code Pro Medium" panose="020B0509030403020204" pitchFamily="49" charset="0"/>
-                <a:ea typeface="Source Code Pro Medium" panose="020B0509030403020204" pitchFamily="49" charset="0"/>
-                <a:cs typeface="SimHei" charset="-122"/>
+                <a:latin typeface="Source Code Pro Medium" charset="0"/>
+                <a:ea typeface="Source Code Pro Medium" charset="0"/>
+                <a:cs typeface="Source Code Pro Medium" charset="0"/>
               </a:rPr>
               <a:t>epoll</a:t>
             </a:r>
             <a:r>
               <a:rPr kumimoji="1" lang="zh-CN" altLang="en-US" dirty="0">
-                <a:latin typeface="Source Code Pro Medium" panose="020B0509030403020204" pitchFamily="49" charset="0"/>
-                <a:ea typeface="SimHei" charset="-122"/>
-                <a:cs typeface="SimHei" charset="-122"/>
+                <a:latin typeface="Source Code Pro Medium" charset="0"/>
+                <a:ea typeface="Source Code Pro Medium" charset="0"/>
+                <a:cs typeface="Source Code Pro Medium" charset="0"/>
               </a:rPr>
               <a:t>函数的实例，进行客户端事件监听，如客户端连接</a:t>
             </a:r>
             <a:endParaRPr kumimoji="1" lang="en-US" altLang="zh-CN" dirty="0">
-              <a:latin typeface="Source Code Pro Medium" panose="020B0509030403020204" pitchFamily="49" charset="0"/>
-              <a:ea typeface="Source Code Pro Medium" panose="020B0509030403020204" pitchFamily="49" charset="0"/>
-              <a:cs typeface="SimHei" charset="-122"/>
+              <a:latin typeface="Source Code Pro Medium" charset="0"/>
+              <a:ea typeface="Source Code Pro Medium" charset="0"/>
+              <a:cs typeface="Source Code Pro Medium" charset="0"/>
+            </a:endParaRPr>
+          </a:p>
+          <a:p>
+            <a:pPr>
+              <a:lnSpc>
+                <a:spcPct val="150000"/>
+              </a:lnSpc>
+            </a:pPr>
+            <a:r>
+              <a:rPr kumimoji="1" lang="en-US" altLang="zh-CN" dirty="0" smtClean="0">
+                <a:latin typeface="Source Code Pro Medium" charset="0"/>
+                <a:ea typeface="Source Code Pro Medium" charset="0"/>
+                <a:cs typeface="Source Code Pro Medium" charset="0"/>
+              </a:rPr>
+              <a:t>2.Manage</a:t>
+            </a:r>
+            <a:r>
+              <a:rPr kumimoji="1" lang="zh-CN" altLang="en-US" dirty="0">
+                <a:latin typeface="Source Code Pro Medium" charset="0"/>
+                <a:ea typeface="Source Code Pro Medium" charset="0"/>
+                <a:cs typeface="Source Code Pro Medium" charset="0"/>
+              </a:rPr>
+              <a:t>进程：管理进程，用于创建管理下一层的</a:t>
+            </a:r>
+            <a:r>
+              <a:rPr kumimoji="1" lang="en-US" altLang="zh-CN" dirty="0">
+                <a:latin typeface="Source Code Pro Medium" charset="0"/>
+                <a:ea typeface="Source Code Pro Medium" charset="0"/>
+                <a:cs typeface="Source Code Pro Medium" charset="0"/>
+              </a:rPr>
+              <a:t>Worker</a:t>
+            </a:r>
+            <a:r>
+              <a:rPr kumimoji="1" lang="zh-CN" altLang="en-US" dirty="0">
+                <a:latin typeface="Source Code Pro Medium" charset="0"/>
+                <a:ea typeface="Source Code Pro Medium" charset="0"/>
+                <a:cs typeface="Source Code Pro Medium" charset="0"/>
+              </a:rPr>
+              <a:t>进程和</a:t>
+            </a:r>
+            <a:r>
+              <a:rPr kumimoji="1" lang="en-US" altLang="zh-CN" dirty="0">
+                <a:latin typeface="Source Code Pro Medium" charset="0"/>
+                <a:ea typeface="Source Code Pro Medium" charset="0"/>
+                <a:cs typeface="Source Code Pro Medium" charset="0"/>
+              </a:rPr>
+              <a:t>Task</a:t>
+            </a:r>
+            <a:r>
+              <a:rPr kumimoji="1" lang="zh-CN" altLang="en-US" dirty="0">
+                <a:latin typeface="Source Code Pro Medium" charset="0"/>
+                <a:ea typeface="Source Code Pro Medium" charset="0"/>
+                <a:cs typeface="Source Code Pro Medium" charset="0"/>
+              </a:rPr>
+              <a:t> </a:t>
+            </a:r>
+            <a:r>
+              <a:rPr kumimoji="1" lang="en-US" altLang="zh-CN" dirty="0" err="1">
+                <a:latin typeface="Source Code Pro Medium" charset="0"/>
+                <a:ea typeface="Source Code Pro Medium" charset="0"/>
+                <a:cs typeface="Source Code Pro Medium" charset="0"/>
+              </a:rPr>
+              <a:t>Woker</a:t>
+            </a:r>
+            <a:r>
+              <a:rPr kumimoji="1" lang="zh-CN" altLang="en-US" dirty="0">
+                <a:latin typeface="Source Code Pro Medium" charset="0"/>
+                <a:ea typeface="Source Code Pro Medium" charset="0"/>
+                <a:cs typeface="Source Code Pro Medium" charset="0"/>
+              </a:rPr>
+              <a:t>进程</a:t>
+            </a:r>
+            <a:endParaRPr kumimoji="1" lang="en-US" altLang="zh-CN" dirty="0">
+              <a:latin typeface="Source Code Pro Medium" charset="0"/>
+              <a:ea typeface="Source Code Pro Medium" charset="0"/>
+              <a:cs typeface="Source Code Pro Medium" charset="0"/>
+            </a:endParaRPr>
+          </a:p>
+          <a:p>
+            <a:pPr>
+              <a:lnSpc>
+                <a:spcPct val="150000"/>
+              </a:lnSpc>
+            </a:pPr>
+            <a:r>
+              <a:rPr kumimoji="1" lang="en-US" altLang="zh-CN" dirty="0" smtClean="0">
+                <a:latin typeface="Source Code Pro Medium" charset="0"/>
+                <a:ea typeface="Source Code Pro Medium" charset="0"/>
+                <a:cs typeface="Source Code Pro Medium" charset="0"/>
+              </a:rPr>
+              <a:t>3</a:t>
+            </a:r>
+            <a:r>
+              <a:rPr kumimoji="1" lang="en-US" altLang="zh-CN" dirty="0">
+                <a:latin typeface="Source Code Pro Medium" charset="0"/>
+                <a:ea typeface="Source Code Pro Medium" charset="0"/>
+                <a:cs typeface="Source Code Pro Medium" charset="0"/>
+              </a:rPr>
+              <a:t>.</a:t>
+            </a:r>
+          </a:p>
+          <a:p>
+            <a:pPr>
+              <a:lnSpc>
+                <a:spcPct val="150000"/>
+              </a:lnSpc>
+            </a:pPr>
+            <a:r>
+              <a:rPr kumimoji="1" lang="en-US" altLang="zh-CN" dirty="0">
+                <a:latin typeface="Source Code Pro Medium" charset="0"/>
+                <a:ea typeface="Source Code Pro Medium" charset="0"/>
+                <a:cs typeface="Source Code Pro Medium" charset="0"/>
+              </a:rPr>
+              <a:t>Worker</a:t>
+            </a:r>
+            <a:r>
+              <a:rPr kumimoji="1" lang="zh-CN" altLang="en-US" dirty="0">
+                <a:latin typeface="Source Code Pro Medium" charset="0"/>
+                <a:ea typeface="Source Code Pro Medium" charset="0"/>
+                <a:cs typeface="Source Code Pro Medium" charset="0"/>
+              </a:rPr>
+              <a:t>进程：</a:t>
+            </a:r>
+            <a:endParaRPr kumimoji="1" lang="en-US" altLang="zh-CN" dirty="0">
+              <a:latin typeface="Source Code Pro Medium" charset="0"/>
+              <a:ea typeface="Source Code Pro Medium" charset="0"/>
+              <a:cs typeface="Source Code Pro Medium" charset="0"/>
+            </a:endParaRPr>
+          </a:p>
+          <a:p>
+            <a:pPr>
+              <a:lnSpc>
+                <a:spcPct val="150000"/>
+              </a:lnSpc>
+            </a:pPr>
+            <a:r>
+              <a:rPr kumimoji="1" lang="zh-CN" altLang="en-US" dirty="0">
+                <a:latin typeface="Source Code Pro Medium" charset="0"/>
+                <a:ea typeface="Source Code Pro Medium" charset="0"/>
+                <a:cs typeface="Source Code Pro Medium" charset="0"/>
+              </a:rPr>
+              <a:t>主逻辑进程，处理来自客户端的请求</a:t>
+            </a:r>
+            <a:endParaRPr kumimoji="1" lang="en-US" altLang="zh-CN" dirty="0">
+              <a:latin typeface="Source Code Pro Medium" charset="0"/>
+              <a:ea typeface="Source Code Pro Medium" charset="0"/>
+              <a:cs typeface="Source Code Pro Medium" charset="0"/>
+            </a:endParaRPr>
+          </a:p>
+          <a:p>
+            <a:pPr>
+              <a:lnSpc>
+                <a:spcPct val="150000"/>
+              </a:lnSpc>
+            </a:pPr>
+            <a:r>
+              <a:rPr kumimoji="1" lang="en-US" altLang="zh-CN" dirty="0">
+                <a:latin typeface="Source Code Pro Medium" charset="0"/>
+                <a:ea typeface="Source Code Pro Medium" charset="0"/>
+                <a:cs typeface="Source Code Pro Medium" charset="0"/>
+              </a:rPr>
+              <a:t>Task</a:t>
+            </a:r>
+            <a:r>
+              <a:rPr kumimoji="1" lang="zh-CN" altLang="en-US" dirty="0">
+                <a:latin typeface="Source Code Pro Medium" charset="0"/>
+                <a:ea typeface="Source Code Pro Medium" charset="0"/>
+                <a:cs typeface="Source Code Pro Medium" charset="0"/>
+              </a:rPr>
+              <a:t>进程：</a:t>
+            </a:r>
+            <a:endParaRPr kumimoji="1" lang="en-US" altLang="zh-CN" dirty="0">
+              <a:latin typeface="Source Code Pro Medium" charset="0"/>
+              <a:ea typeface="Source Code Pro Medium" charset="0"/>
+              <a:cs typeface="Source Code Pro Medium" charset="0"/>
+            </a:endParaRPr>
+          </a:p>
+          <a:p>
+            <a:pPr>
+              <a:lnSpc>
+                <a:spcPct val="150000"/>
+              </a:lnSpc>
+            </a:pPr>
+            <a:r>
+              <a:rPr kumimoji="1" lang="zh-CN" altLang="en-US" dirty="0">
+                <a:latin typeface="Source Code Pro Medium" charset="0"/>
+                <a:ea typeface="Source Code Pro Medium" charset="0"/>
+                <a:cs typeface="Source Code Pro Medium" charset="0"/>
+              </a:rPr>
+              <a:t>异步工作进程，用于处理耗时较长的</a:t>
+            </a:r>
+            <a:r>
+              <a:rPr kumimoji="1" lang="zh-CN" altLang="en-US" dirty="0" smtClean="0">
+                <a:latin typeface="Source Code Pro Medium" charset="0"/>
+                <a:ea typeface="Source Code Pro Medium" charset="0"/>
+                <a:cs typeface="Source Code Pro Medium" charset="0"/>
+              </a:rPr>
+              <a:t>任务</a:t>
+            </a:r>
+            <a:endParaRPr kumimoji="1" lang="en-US" altLang="zh-CN" dirty="0" smtClean="0">
+              <a:latin typeface="Source Code Pro Medium" charset="0"/>
+              <a:ea typeface="Source Code Pro Medium" charset="0"/>
+              <a:cs typeface="Source Code Pro Medium" charset="0"/>
             </a:endParaRPr>
           </a:p>
           <a:p>
@@ -7920,9 +8812,9 @@
               </a:lnSpc>
             </a:pPr>
             <a:endParaRPr kumimoji="1" lang="en-US" altLang="zh-CN" dirty="0">
-              <a:latin typeface="Source Code Pro Medium" panose="020B0509030403020204" pitchFamily="49" charset="0"/>
-              <a:ea typeface="Source Code Pro Medium" panose="020B0509030403020204" pitchFamily="49" charset="0"/>
-              <a:cs typeface="SimHei" charset="-122"/>
+              <a:latin typeface="Source Code Pro Medium" charset="0"/>
+              <a:ea typeface="Source Code Pro Medium" charset="0"/>
+              <a:cs typeface="Source Code Pro Medium" charset="0"/>
             </a:endParaRPr>
           </a:p>
           <a:p>
@@ -7933,195 +8825,32 @@
             </a:pPr>
             <a:r>
               <a:rPr kumimoji="1" lang="en-US" altLang="zh-CN" dirty="0">
-                <a:latin typeface="Source Code Pro Medium" panose="020B0509030403020204" pitchFamily="49" charset="0"/>
-                <a:ea typeface="Source Code Pro Medium" panose="020B0509030403020204" pitchFamily="49" charset="0"/>
-                <a:cs typeface="SimHei" charset="-122"/>
-              </a:rPr>
-              <a:t>2.Manage</a:t>
-            </a:r>
-            <a:r>
-              <a:rPr kumimoji="1" lang="zh-CN" altLang="en-US" dirty="0">
-                <a:latin typeface="Source Code Pro Medium" panose="020B0509030403020204" pitchFamily="49" charset="0"/>
-                <a:ea typeface="SimHei" charset="-122"/>
-                <a:cs typeface="SimHei" charset="-122"/>
-              </a:rPr>
-              <a:t>进程：管理进程，用于创建管理下一层的</a:t>
+                <a:latin typeface="Source Code Pro Medium" charset="0"/>
+                <a:ea typeface="Source Code Pro Medium" charset="0"/>
+                <a:cs typeface="Source Code Pro Medium" charset="0"/>
+              </a:rPr>
+              <a:t>https://</a:t>
+            </a:r>
+            <a:r>
+              <a:rPr kumimoji="1" lang="en-US" altLang="zh-CN" dirty="0" err="1">
+                <a:latin typeface="Source Code Pro Medium" charset="0"/>
+                <a:ea typeface="Source Code Pro Medium" charset="0"/>
+                <a:cs typeface="Source Code Pro Medium" charset="0"/>
+              </a:rPr>
+              <a:t>wiki.swoole.com</a:t>
             </a:r>
             <a:r>
               <a:rPr kumimoji="1" lang="en-US" altLang="zh-CN" dirty="0">
-                <a:latin typeface="Source Code Pro Medium" panose="020B0509030403020204" pitchFamily="49" charset="0"/>
-                <a:ea typeface="Source Code Pro Medium" panose="020B0509030403020204" pitchFamily="49" charset="0"/>
-                <a:cs typeface="SimHei" charset="-122"/>
-              </a:rPr>
-              <a:t>Worker</a:t>
-            </a:r>
-            <a:r>
-              <a:rPr kumimoji="1" lang="zh-CN" altLang="en-US" dirty="0">
-                <a:latin typeface="Source Code Pro Medium" panose="020B0509030403020204" pitchFamily="49" charset="0"/>
-                <a:ea typeface="SimHei" charset="-122"/>
-                <a:cs typeface="SimHei" charset="-122"/>
-              </a:rPr>
-              <a:t>进程和</a:t>
-            </a:r>
-            <a:r>
-              <a:rPr kumimoji="1" lang="en-US" altLang="zh-CN" dirty="0">
-                <a:latin typeface="Source Code Pro Medium" panose="020B0509030403020204" pitchFamily="49" charset="0"/>
-                <a:ea typeface="Source Code Pro Medium" panose="020B0509030403020204" pitchFamily="49" charset="0"/>
-                <a:cs typeface="SimHei" charset="-122"/>
-              </a:rPr>
-              <a:t>Task</a:t>
-            </a:r>
-            <a:r>
-              <a:rPr kumimoji="1" lang="zh-CN" altLang="en-US" dirty="0">
-                <a:latin typeface="Source Code Pro Medium" panose="020B0509030403020204" pitchFamily="49" charset="0"/>
-                <a:ea typeface="SimHei" charset="-122"/>
-                <a:cs typeface="SimHei" charset="-122"/>
-              </a:rPr>
-              <a:t> </a:t>
-            </a:r>
-            <a:r>
-              <a:rPr kumimoji="1" lang="en-US" altLang="zh-CN" dirty="0" err="1">
-                <a:latin typeface="Source Code Pro Medium" panose="020B0509030403020204" pitchFamily="49" charset="0"/>
-                <a:ea typeface="Source Code Pro Medium" panose="020B0509030403020204" pitchFamily="49" charset="0"/>
-                <a:cs typeface="SimHei" charset="-122"/>
-              </a:rPr>
-              <a:t>Woker</a:t>
-            </a:r>
-            <a:r>
-              <a:rPr kumimoji="1" lang="zh-CN" altLang="en-US" dirty="0">
-                <a:latin typeface="Source Code Pro Medium" panose="020B0509030403020204" pitchFamily="49" charset="0"/>
-                <a:ea typeface="SimHei" charset="-122"/>
-                <a:cs typeface="SimHei" charset="-122"/>
-              </a:rPr>
-              <a:t>进程</a:t>
+                <a:latin typeface="Source Code Pro Medium" charset="0"/>
+                <a:ea typeface="Source Code Pro Medium" charset="0"/>
+                <a:cs typeface="Source Code Pro Medium" charset="0"/>
+              </a:rPr>
+              <a:t>/wiki/page/163.html</a:t>
             </a:r>
             <a:endParaRPr kumimoji="1" lang="en-US" altLang="zh-CN" dirty="0">
-              <a:latin typeface="Source Code Pro Medium" panose="020B0509030403020204" pitchFamily="49" charset="0"/>
-              <a:ea typeface="Source Code Pro Medium" panose="020B0509030403020204" pitchFamily="49" charset="0"/>
-              <a:cs typeface="SimHei" charset="-122"/>
-            </a:endParaRPr>
-          </a:p>
-          <a:p>
-            <a:pPr>
-              <a:lnSpc>
-                <a:spcPct val="150000"/>
-              </a:lnSpc>
-            </a:pPr>
-            <a:endParaRPr kumimoji="1" lang="en-US" altLang="zh-CN" dirty="0">
-              <a:latin typeface="Source Code Pro Medium" panose="020B0509030403020204" pitchFamily="49" charset="0"/>
-              <a:ea typeface="Source Code Pro Medium" panose="020B0509030403020204" pitchFamily="49" charset="0"/>
-              <a:cs typeface="SimHei" charset="-122"/>
-            </a:endParaRPr>
-          </a:p>
-          <a:p>
-            <a:pPr>
-              <a:lnSpc>
-                <a:spcPct val="150000"/>
-              </a:lnSpc>
-            </a:pPr>
-            <a:r>
-              <a:rPr kumimoji="1" lang="en-US" altLang="zh-CN" dirty="0">
-                <a:latin typeface="Source Code Pro Medium" panose="020B0509030403020204" pitchFamily="49" charset="0"/>
-                <a:ea typeface="Source Code Pro Medium" panose="020B0509030403020204" pitchFamily="49" charset="0"/>
-                <a:cs typeface="SimHei" charset="-122"/>
-              </a:rPr>
-              <a:t>3.</a:t>
-            </a:r>
-          </a:p>
-          <a:p>
-            <a:pPr>
-              <a:lnSpc>
-                <a:spcPct val="150000"/>
-              </a:lnSpc>
-            </a:pPr>
-            <a:r>
-              <a:rPr kumimoji="1" lang="en-US" altLang="zh-CN" dirty="0">
-                <a:latin typeface="Source Code Pro Medium" panose="020B0509030403020204" pitchFamily="49" charset="0"/>
-                <a:ea typeface="Source Code Pro Medium" panose="020B0509030403020204" pitchFamily="49" charset="0"/>
-                <a:cs typeface="SimHei" charset="-122"/>
-              </a:rPr>
-              <a:t>Worker</a:t>
-            </a:r>
-            <a:r>
-              <a:rPr kumimoji="1" lang="zh-CN" altLang="en-US" dirty="0">
-                <a:latin typeface="Source Code Pro Medium" panose="020B0509030403020204" pitchFamily="49" charset="0"/>
-                <a:ea typeface="SimHei" charset="-122"/>
-                <a:cs typeface="SimHei" charset="-122"/>
-              </a:rPr>
-              <a:t>进程：</a:t>
-            </a:r>
-            <a:endParaRPr kumimoji="1" lang="en-US" altLang="zh-CN" dirty="0">
-              <a:latin typeface="Source Code Pro Medium" panose="020B0509030403020204" pitchFamily="49" charset="0"/>
-              <a:ea typeface="Source Code Pro Medium" panose="020B0509030403020204" pitchFamily="49" charset="0"/>
-              <a:cs typeface="SimHei" charset="-122"/>
-            </a:endParaRPr>
-          </a:p>
-          <a:p>
-            <a:pPr>
-              <a:lnSpc>
-                <a:spcPct val="150000"/>
-              </a:lnSpc>
-            </a:pPr>
-            <a:r>
-              <a:rPr kumimoji="1" lang="zh-CN" altLang="en-US" dirty="0">
-                <a:latin typeface="Source Code Pro Medium" panose="020B0509030403020204" pitchFamily="49" charset="0"/>
-                <a:ea typeface="SimHei" charset="-122"/>
-                <a:cs typeface="SimHei" charset="-122"/>
-              </a:rPr>
-              <a:t>主逻辑进程，处理来自客户端的请求</a:t>
-            </a:r>
-            <a:endParaRPr kumimoji="1" lang="en-US" altLang="zh-CN" dirty="0">
-              <a:latin typeface="Source Code Pro Medium" panose="020B0509030403020204" pitchFamily="49" charset="0"/>
-              <a:ea typeface="Source Code Pro Medium" panose="020B0509030403020204" pitchFamily="49" charset="0"/>
-              <a:cs typeface="SimHei" charset="-122"/>
-            </a:endParaRPr>
-          </a:p>
-          <a:p>
-            <a:pPr>
-              <a:lnSpc>
-                <a:spcPct val="150000"/>
-              </a:lnSpc>
-            </a:pPr>
-            <a:r>
-              <a:rPr kumimoji="1" lang="en-US" altLang="zh-CN" dirty="0">
-                <a:latin typeface="Source Code Pro Medium" panose="020B0509030403020204" pitchFamily="49" charset="0"/>
-                <a:ea typeface="Source Code Pro Medium" panose="020B0509030403020204" pitchFamily="49" charset="0"/>
-                <a:cs typeface="SimHei" charset="-122"/>
-              </a:rPr>
-              <a:t>Task</a:t>
-            </a:r>
-            <a:r>
-              <a:rPr kumimoji="1" lang="zh-CN" altLang="en-US" dirty="0">
-                <a:latin typeface="Source Code Pro Medium" panose="020B0509030403020204" pitchFamily="49" charset="0"/>
-                <a:ea typeface="SimHei" charset="-122"/>
-                <a:cs typeface="SimHei" charset="-122"/>
-              </a:rPr>
-              <a:t>进程：</a:t>
-            </a:r>
-            <a:endParaRPr kumimoji="1" lang="en-US" altLang="zh-CN" dirty="0">
-              <a:latin typeface="Source Code Pro Medium" panose="020B0509030403020204" pitchFamily="49" charset="0"/>
-              <a:ea typeface="Source Code Pro Medium" panose="020B0509030403020204" pitchFamily="49" charset="0"/>
-              <a:cs typeface="SimHei" charset="-122"/>
-            </a:endParaRPr>
-          </a:p>
-          <a:p>
-            <a:pPr>
-              <a:lnSpc>
-                <a:spcPct val="150000"/>
-              </a:lnSpc>
-            </a:pPr>
-            <a:r>
-              <a:rPr kumimoji="1" lang="zh-CN" altLang="en-US" dirty="0">
-                <a:latin typeface="Source Code Pro Medium" panose="020B0509030403020204" pitchFamily="49" charset="0"/>
-                <a:ea typeface="SimHei" charset="-122"/>
-                <a:cs typeface="SimHei" charset="-122"/>
-              </a:rPr>
-              <a:t>异步工作进程，用于处理耗时较长的任务</a:t>
-            </a:r>
-            <a:endParaRPr kumimoji="1" lang="en-US" altLang="zh-CN" dirty="0">
-              <a:latin typeface="Source Code Pro Medium" panose="020B0509030403020204" pitchFamily="49" charset="0"/>
-              <a:ea typeface="Source Code Pro Medium" panose="020B0509030403020204" pitchFamily="49" charset="0"/>
-              <a:cs typeface="SimHei" charset="-122"/>
+              <a:latin typeface="Source Code Pro Medium" charset="0"/>
+              <a:ea typeface="Source Code Pro Medium" charset="0"/>
+              <a:cs typeface="Source Code Pro Medium" charset="0"/>
             </a:endParaRPr>
           </a:p>
           <a:p>
@@ -8143,7 +8872,7 @@
 </file>
 
 <file path=ppt/slides/slide5.xml><?xml version="1.0" encoding="utf-8"?>
-<p:sld xmlns:a="http://schemas.openxmlformats.org/drawingml/2006/main" xmlns:r="http://schemas.openxmlformats.org/officeDocument/2006/relationships" xmlns:p="http://schemas.openxmlformats.org/presentationml/2006/main">
+<p:sld xmlns:a="http://schemas.openxmlformats.org/drawingml/2006/main" xmlns:r="http://schemas.openxmlformats.org/officeDocument/2006/relationships" xmlns:p="http://schemas.openxmlformats.org/presentationml/2006/main" showMasterSp="0">
   <p:cSld>
     <p:spTree>
       <p:nvGrpSpPr>
@@ -8168,7 +8897,7 @@
         <p:spPr>
           <a:xfrm>
             <a:off x="778476" y="420130"/>
-            <a:ext cx="9562953" cy="923330"/>
+            <a:ext cx="9562953" cy="1477328"/>
           </a:xfrm>
           <a:prstGeom prst="rect">
             <a:avLst/>
@@ -8200,8 +8929,28 @@
                 <a:ea typeface="SimHei" charset="-122"/>
                 <a:cs typeface="SimHei" charset="-122"/>
               </a:rPr>
-              <a:t>的运行流程</a:t>
-            </a:r>
+              <a:t>的运行</a:t>
+            </a:r>
+            <a:r>
+              <a:rPr kumimoji="1" lang="zh-CN" altLang="en-US" sz="2400" dirty="0" smtClean="0">
+                <a:latin typeface="Source Code Pro Medium" panose="020B0509030403020204" pitchFamily="49" charset="0"/>
+                <a:ea typeface="SimHei" charset="-122"/>
+                <a:cs typeface="SimHei" charset="-122"/>
+              </a:rPr>
+              <a:t>流程</a:t>
+            </a:r>
+            <a:endParaRPr kumimoji="1" lang="en-US" altLang="zh-CN" sz="2400" dirty="0" smtClean="0">
+              <a:latin typeface="Source Code Pro Medium" panose="020B0509030403020204" pitchFamily="49" charset="0"/>
+              <a:ea typeface="SimHei" charset="-122"/>
+              <a:cs typeface="SimHei" charset="-122"/>
+            </a:endParaRPr>
+          </a:p>
+          <a:p>
+            <a:pPr>
+              <a:lnSpc>
+                <a:spcPct val="150000"/>
+              </a:lnSpc>
+            </a:pPr>
             <a:endParaRPr kumimoji="1" lang="en-US" altLang="zh-CN" sz="2400" dirty="0">
               <a:latin typeface="Source Code Pro Medium" panose="020B0509030403020204" pitchFamily="49" charset="0"/>
               <a:ea typeface="Source Code Pro Medium" panose="020B0509030403020204" pitchFamily="49" charset="0"/>
@@ -8218,7 +8967,7 @@
           <p:cNvPr id="3" name="图片 2">
             <a:extLst>
               <a:ext uri="{FF2B5EF4-FFF2-40B4-BE49-F238E27FC236}">
-                <a16:creationId xmlns:a16="http://schemas.microsoft.com/office/drawing/2014/main" id="{7834CD22-6D4D-4351-8779-6F3B27C0BF9E}"/>
+                <a16:creationId xmlns:a16="http://schemas.microsoft.com/office/drawing/2014/main" xmlns="" id="{7834CD22-6D4D-4351-8779-6F3B27C0BF9E}"/>
               </a:ext>
             </a:extLst>
           </p:cNvPr>
@@ -8248,7 +8997,7 @@
           <p:cNvPr id="4" name="矩形 3">
             <a:extLst>
               <a:ext uri="{FF2B5EF4-FFF2-40B4-BE49-F238E27FC236}">
-                <a16:creationId xmlns:a16="http://schemas.microsoft.com/office/drawing/2014/main" id="{7B54302A-1BCF-47AD-A037-4534002CDDA3}"/>
+                <a16:creationId xmlns:a16="http://schemas.microsoft.com/office/drawing/2014/main" xmlns="" id="{7B54302A-1BCF-47AD-A037-4534002CDDA3}"/>
               </a:ext>
             </a:extLst>
           </p:cNvPr>
@@ -8289,6 +9038,12 @@
               </a:rPr>
               <a:t>Main Reactor </a:t>
             </a:r>
+            <a:r>
+              <a:rPr lang="zh-CN" altLang="en-US" dirty="0">
+                <a:latin typeface="Source Code Pro Medium" panose="020B0509030403020204" pitchFamily="49" charset="0"/>
+              </a:rPr>
+              <a:t/>
+            </a:r>
             <a:br>
               <a:rPr lang="zh-CN" altLang="en-US" dirty="0">
                 <a:latin typeface="Source Code Pro Medium" panose="020B0509030403020204" pitchFamily="49" charset="0"/>
@@ -8304,6 +9059,12 @@
               </a:rPr>
               <a:t>| </a:t>
             </a:r>
+            <a:r>
+              <a:rPr lang="zh-CN" altLang="en-US" dirty="0">
+                <a:latin typeface="Source Code Pro Medium" panose="020B0509030403020204" pitchFamily="49" charset="0"/>
+              </a:rPr>
+              <a:t/>
+            </a:r>
             <a:br>
               <a:rPr lang="zh-CN" altLang="en-US" dirty="0">
                 <a:latin typeface="Source Code Pro Medium" panose="020B0509030403020204" pitchFamily="49" charset="0"/>
@@ -8319,6 +9080,12 @@
               </a:rPr>
               <a:t>| </a:t>
             </a:r>
+            <a:r>
+              <a:rPr lang="zh-CN" altLang="en-US" dirty="0">
+                <a:latin typeface="Source Code Pro Medium" panose="020B0509030403020204" pitchFamily="49" charset="0"/>
+              </a:rPr>
+              <a:t/>
+            </a:r>
             <a:br>
               <a:rPr lang="zh-CN" altLang="en-US" dirty="0">
                 <a:latin typeface="Source Code Pro Medium" panose="020B0509030403020204" pitchFamily="49" charset="0"/>
@@ -8372,6 +9139,12 @@
               </a:rPr>
               <a:t>Reactor </a:t>
             </a:r>
+            <a:r>
+              <a:rPr lang="zh-CN" altLang="en-US" dirty="0">
+                <a:latin typeface="Source Code Pro Medium" panose="020B0509030403020204" pitchFamily="49" charset="0"/>
+              </a:rPr>
+              <a:t/>
+            </a:r>
             <a:br>
               <a:rPr lang="zh-CN" altLang="en-US" dirty="0">
                 <a:latin typeface="Source Code Pro Medium" panose="020B0509030403020204" pitchFamily="49" charset="0"/>
@@ -8444,6 +9217,12 @@
               </a:rPr>
               <a:t>) </a:t>
             </a:r>
+            <a:r>
+              <a:rPr lang="zh-CN" altLang="en-US" dirty="0">
+                <a:latin typeface="Source Code Pro Medium" panose="020B0509030403020204" pitchFamily="49" charset="0"/>
+              </a:rPr>
+              <a:t/>
+            </a:r>
             <a:br>
               <a:rPr lang="zh-CN" altLang="en-US" dirty="0">
                 <a:latin typeface="Source Code Pro Medium" panose="020B0509030403020204" pitchFamily="49" charset="0"/>
@@ -8459,6 +9238,12 @@
               </a:rPr>
               <a:t>| </a:t>
             </a:r>
+            <a:r>
+              <a:rPr lang="zh-CN" altLang="en-US" dirty="0">
+                <a:latin typeface="Source Code Pro Medium" panose="020B0509030403020204" pitchFamily="49" charset="0"/>
+              </a:rPr>
+              <a:t/>
+            </a:r>
             <a:br>
               <a:rPr lang="zh-CN" altLang="en-US" dirty="0">
                 <a:latin typeface="Source Code Pro Medium" panose="020B0509030403020204" pitchFamily="49" charset="0"/>
@@ -8474,6 +9259,12 @@
               </a:rPr>
               <a:t>| </a:t>
             </a:r>
+            <a:r>
+              <a:rPr lang="zh-CN" altLang="en-US" dirty="0">
+                <a:latin typeface="Source Code Pro Medium" panose="020B0509030403020204" pitchFamily="49" charset="0"/>
+              </a:rPr>
+              <a:t/>
+            </a:r>
             <a:br>
               <a:rPr lang="zh-CN" altLang="en-US" dirty="0">
                 <a:latin typeface="Source Code Pro Medium" panose="020B0509030403020204" pitchFamily="49" charset="0"/>
@@ -8507,6 +9298,12 @@
               </a:rPr>
               <a:t>来处理 </a:t>
             </a:r>
+            <a:r>
+              <a:rPr lang="zh-CN" altLang="en-US" dirty="0">
+                <a:latin typeface="Source Code Pro Medium" panose="020B0509030403020204" pitchFamily="49" charset="0"/>
+              </a:rPr>
+              <a:t/>
+            </a:r>
             <a:br>
               <a:rPr lang="zh-CN" altLang="en-US" dirty="0">
                 <a:latin typeface="Source Code Pro Medium" panose="020B0509030403020204" pitchFamily="49" charset="0"/>
@@ -8522,6 +9319,12 @@
               </a:rPr>
               <a:t>| </a:t>
             </a:r>
+            <a:r>
+              <a:rPr lang="zh-CN" altLang="en-US" dirty="0">
+                <a:latin typeface="Source Code Pro Medium" panose="020B0509030403020204" pitchFamily="49" charset="0"/>
+              </a:rPr>
+              <a:t/>
+            </a:r>
             <a:br>
               <a:rPr lang="zh-CN" altLang="en-US" dirty="0">
                 <a:latin typeface="Source Code Pro Medium" panose="020B0509030403020204" pitchFamily="49" charset="0"/>
@@ -8537,6 +9340,12 @@
               </a:rPr>
               <a:t>| </a:t>
             </a:r>
+            <a:r>
+              <a:rPr lang="zh-CN" altLang="en-US" dirty="0">
+                <a:latin typeface="Source Code Pro Medium" panose="020B0509030403020204" pitchFamily="49" charset="0"/>
+              </a:rPr>
+              <a:t/>
+            </a:r>
             <a:br>
               <a:rPr lang="zh-CN" altLang="en-US" dirty="0">
                 <a:latin typeface="Source Code Pro Medium" panose="020B0509030403020204" pitchFamily="49" charset="0"/>
@@ -8618,6 +9427,12 @@
               </a:rPr>
               <a:t>。 </a:t>
             </a:r>
+            <a:r>
+              <a:rPr lang="zh-CN" altLang="en-US" dirty="0">
+                <a:latin typeface="Source Code Pro Medium" panose="020B0509030403020204" pitchFamily="49" charset="0"/>
+              </a:rPr>
+              <a:t/>
+            </a:r>
             <a:br>
               <a:rPr lang="zh-CN" altLang="en-US" dirty="0">
                 <a:latin typeface="Source Code Pro Medium" panose="020B0509030403020204" pitchFamily="49" charset="0"/>
@@ -8633,6 +9448,12 @@
               </a:rPr>
               <a:t>| </a:t>
             </a:r>
+            <a:r>
+              <a:rPr lang="zh-CN" altLang="en-US" dirty="0">
+                <a:latin typeface="Source Code Pro Medium" panose="020B0509030403020204" pitchFamily="49" charset="0"/>
+              </a:rPr>
+              <a:t/>
+            </a:r>
             <a:br>
               <a:rPr lang="zh-CN" altLang="en-US" dirty="0">
                 <a:latin typeface="Source Code Pro Medium" panose="020B0509030403020204" pitchFamily="49" charset="0"/>
@@ -8648,6 +9469,12 @@
               </a:rPr>
               <a:t>| </a:t>
             </a:r>
+            <a:r>
+              <a:rPr lang="zh-CN" altLang="en-US" dirty="0">
+                <a:latin typeface="Source Code Pro Medium" panose="020B0509030403020204" pitchFamily="49" charset="0"/>
+              </a:rPr>
+              <a:t/>
+            </a:r>
             <a:br>
               <a:rPr lang="zh-CN" altLang="en-US" dirty="0">
                 <a:latin typeface="Source Code Pro Medium" panose="020B0509030403020204" pitchFamily="49" charset="0"/>
@@ -8672,6 +9499,12 @@
               </a:rPr>
               <a:t>将响应结果发给相应的连接 </a:t>
             </a:r>
+            <a:r>
+              <a:rPr lang="zh-CN" altLang="en-US" dirty="0">
+                <a:latin typeface="Source Code Pro Medium" panose="020B0509030403020204" pitchFamily="49" charset="0"/>
+              </a:rPr>
+              <a:t/>
+            </a:r>
             <a:br>
               <a:rPr lang="zh-CN" altLang="en-US" dirty="0">
                 <a:latin typeface="Source Code Pro Medium" panose="020B0509030403020204" pitchFamily="49" charset="0"/>
@@ -8687,6 +9520,12 @@
               </a:rPr>
               <a:t>| </a:t>
             </a:r>
+            <a:r>
+              <a:rPr lang="zh-CN" altLang="en-US" dirty="0">
+                <a:latin typeface="Source Code Pro Medium" panose="020B0509030403020204" pitchFamily="49" charset="0"/>
+              </a:rPr>
+              <a:t/>
+            </a:r>
             <a:br>
               <a:rPr lang="zh-CN" altLang="en-US" dirty="0">
                 <a:latin typeface="Source Code Pro Medium" panose="020B0509030403020204" pitchFamily="49" charset="0"/>
@@ -8701,6 +9540,12 @@
                 <a:ea typeface="Source Code Pro Medium" panose="020B0509030403020204" pitchFamily="49" charset="0"/>
               </a:rPr>
               <a:t>| </a:t>
+            </a:r>
+            <a:r>
+              <a:rPr lang="zh-CN" altLang="en-US" dirty="0">
+                <a:latin typeface="Source Code Pro Medium" panose="020B0509030403020204" pitchFamily="49" charset="0"/>
+              </a:rPr>
+              <a:t/>
             </a:r>
             <a:br>
               <a:rPr lang="zh-CN" altLang="en-US" dirty="0">
@@ -8760,8 +9605,8 @@
         </p:nvSpPr>
         <p:spPr>
           <a:xfrm>
-            <a:off x="778476" y="440678"/>
-            <a:ext cx="9562953" cy="3416320"/>
+            <a:off x="778476" y="420130"/>
+            <a:ext cx="9562953" cy="5355312"/>
           </a:xfrm>
           <a:prstGeom prst="rect">
             <a:avLst/>
@@ -8788,13 +9633,25 @@
               <a:t>Swoole</a:t>
             </a:r>
             <a:r>
-              <a:rPr kumimoji="1" lang="zh-CN" altLang="en-US" sz="2400" b="1" dirty="0">
+              <a:rPr kumimoji="1" lang="zh-CN" altLang="en-US" sz="2400" b="1" dirty="0" smtClean="0">
                 <a:latin typeface="Source Code Pro Medium" panose="020B0509030403020204" pitchFamily="49" charset="0"/>
                 <a:ea typeface="SimHei" charset="-122"/>
                 <a:cs typeface="SimHei" charset="-122"/>
               </a:rPr>
-              <a:t>的实例</a:t>
-            </a:r>
+              <a:t>的重要特性</a:t>
+            </a:r>
+            <a:endParaRPr kumimoji="1" lang="en-US" altLang="zh-CN" sz="2400" b="1" dirty="0" smtClean="0">
+              <a:latin typeface="Source Code Pro Medium" panose="020B0509030403020204" pitchFamily="49" charset="0"/>
+              <a:ea typeface="SimHei" charset="-122"/>
+              <a:cs typeface="SimHei" charset="-122"/>
+            </a:endParaRPr>
+          </a:p>
+          <a:p>
+            <a:pPr>
+              <a:lnSpc>
+                <a:spcPct val="150000"/>
+              </a:lnSpc>
+            </a:pPr>
             <a:endParaRPr kumimoji="1" lang="en-US" altLang="zh-CN" sz="2400" b="1" dirty="0">
               <a:latin typeface="Source Code Pro Medium" panose="020B0509030403020204" pitchFamily="49" charset="0"/>
               <a:ea typeface="Source Code Pro Medium" panose="020B0509030403020204" pitchFamily="49" charset="0"/>
@@ -8802,6 +9659,607 @@
             </a:endParaRPr>
           </a:p>
           <a:p>
+            <a:pPr>
+              <a:lnSpc>
+                <a:spcPct val="150000"/>
+              </a:lnSpc>
+            </a:pPr>
+            <a:r>
+              <a:rPr kumimoji="1" lang="en-US" altLang="zh-CN" dirty="0" smtClean="0">
+                <a:latin typeface="Source Code Pro Medium" charset="0"/>
+                <a:ea typeface="Source Code Pro Medium" charset="0"/>
+                <a:cs typeface="Source Code Pro Medium" charset="0"/>
+              </a:rPr>
+              <a:t>1.</a:t>
+            </a:r>
+            <a:r>
+              <a:rPr lang="zh-CN" altLang="en-US" dirty="0" smtClean="0">
+                <a:latin typeface="Source Code Pro Medium" charset="0"/>
+                <a:ea typeface="Source Code Pro Medium" charset="0"/>
+                <a:cs typeface="Source Code Pro Medium" charset="0"/>
+              </a:rPr>
+              <a:t>纯</a:t>
+            </a:r>
+            <a:r>
+              <a:rPr lang="en-US" altLang="zh-CN" dirty="0">
+                <a:latin typeface="Source Code Pro Medium" charset="0"/>
+                <a:ea typeface="Source Code Pro Medium" charset="0"/>
+                <a:cs typeface="Source Code Pro Medium" charset="0"/>
+              </a:rPr>
+              <a:t>C</a:t>
+            </a:r>
+            <a:r>
+              <a:rPr lang="zh-CN" altLang="en-US" dirty="0">
+                <a:latin typeface="Source Code Pro Medium" charset="0"/>
+                <a:ea typeface="Source Code Pro Medium" charset="0"/>
+                <a:cs typeface="Source Code Pro Medium" charset="0"/>
+              </a:rPr>
+              <a:t>语言编写，是一个</a:t>
+            </a:r>
+            <a:r>
+              <a:rPr lang="zh-CN" altLang="en-US" dirty="0" smtClean="0">
+                <a:latin typeface="Source Code Pro Medium" charset="0"/>
+                <a:ea typeface="Source Code Pro Medium" charset="0"/>
+                <a:cs typeface="Source Code Pro Medium" charset="0"/>
+              </a:rPr>
+              <a:t>扩展</a:t>
+            </a:r>
+            <a:endParaRPr lang="en-US" altLang="zh-CN" dirty="0" smtClean="0">
+              <a:latin typeface="Source Code Pro Medium" charset="0"/>
+              <a:ea typeface="Source Code Pro Medium" charset="0"/>
+              <a:cs typeface="Source Code Pro Medium" charset="0"/>
+            </a:endParaRPr>
+          </a:p>
+          <a:p>
+            <a:pPr>
+              <a:lnSpc>
+                <a:spcPct val="150000"/>
+              </a:lnSpc>
+            </a:pPr>
+            <a:r>
+              <a:rPr lang="en-US" altLang="zh-CN" dirty="0" smtClean="0">
+                <a:latin typeface="Source Code Pro Medium" charset="0"/>
+                <a:ea typeface="Source Code Pro Medium" charset="0"/>
+                <a:cs typeface="Source Code Pro Medium" charset="0"/>
+              </a:rPr>
+              <a:t>2.swoole_server</a:t>
+            </a:r>
+            <a:r>
+              <a:rPr lang="en-US" altLang="zh-CN" dirty="0">
+                <a:latin typeface="Source Code Pro Medium" charset="0"/>
+                <a:ea typeface="Source Code Pro Medium" charset="0"/>
+                <a:cs typeface="Source Code Pro Medium" charset="0"/>
+              </a:rPr>
+              <a:t>: </a:t>
+            </a:r>
+            <a:r>
+              <a:rPr lang="zh-CN" altLang="en-US" dirty="0">
+                <a:latin typeface="Source Code Pro Medium" charset="0"/>
+                <a:ea typeface="Source Code Pro Medium" charset="0"/>
+                <a:cs typeface="Source Code Pro Medium" charset="0"/>
+              </a:rPr>
+              <a:t>强大的</a:t>
+            </a:r>
+            <a:r>
+              <a:rPr lang="en-US" altLang="zh-CN" dirty="0">
+                <a:latin typeface="Source Code Pro Medium" charset="0"/>
+                <a:ea typeface="Source Code Pro Medium" charset="0"/>
+                <a:cs typeface="Source Code Pro Medium" charset="0"/>
+              </a:rPr>
+              <a:t>TCP/UDP Server</a:t>
+            </a:r>
+            <a:r>
+              <a:rPr lang="zh-CN" altLang="en-US" dirty="0">
+                <a:latin typeface="Source Code Pro Medium" charset="0"/>
+                <a:ea typeface="Source Code Pro Medium" charset="0"/>
+                <a:cs typeface="Source Code Pro Medium" charset="0"/>
+              </a:rPr>
+              <a:t>框架，多线程，</a:t>
+            </a:r>
+            <a:r>
+              <a:rPr lang="en-US" altLang="zh-CN" dirty="0" err="1">
+                <a:latin typeface="Source Code Pro Medium" charset="0"/>
+                <a:ea typeface="Source Code Pro Medium" charset="0"/>
+                <a:cs typeface="Source Code Pro Medium" charset="0"/>
+              </a:rPr>
+              <a:t>EventLoop</a:t>
+            </a:r>
+            <a:r>
+              <a:rPr lang="zh-CN" altLang="en-US" dirty="0">
+                <a:latin typeface="Source Code Pro Medium" charset="0"/>
+                <a:ea typeface="Source Code Pro Medium" charset="0"/>
+                <a:cs typeface="Source Code Pro Medium" charset="0"/>
+              </a:rPr>
+              <a:t>，事件驱动，异步，</a:t>
+            </a:r>
+            <a:r>
+              <a:rPr lang="en-US" altLang="zh-CN" dirty="0">
+                <a:latin typeface="Source Code Pro Medium" charset="0"/>
+                <a:ea typeface="Source Code Pro Medium" charset="0"/>
+                <a:cs typeface="Source Code Pro Medium" charset="0"/>
+              </a:rPr>
+              <a:t>Worker</a:t>
+            </a:r>
+            <a:r>
+              <a:rPr lang="zh-CN" altLang="en-US" dirty="0">
+                <a:latin typeface="Source Code Pro Medium" charset="0"/>
+                <a:ea typeface="Source Code Pro Medium" charset="0"/>
+                <a:cs typeface="Source Code Pro Medium" charset="0"/>
+              </a:rPr>
+              <a:t>进程组，</a:t>
+            </a:r>
+            <a:r>
+              <a:rPr lang="en-US" altLang="zh-CN" dirty="0">
+                <a:latin typeface="Source Code Pro Medium" charset="0"/>
+                <a:ea typeface="Source Code Pro Medium" charset="0"/>
+                <a:cs typeface="Source Code Pro Medium" charset="0"/>
+              </a:rPr>
+              <a:t>Task</a:t>
+            </a:r>
+            <a:r>
+              <a:rPr lang="zh-CN" altLang="en-US" dirty="0">
+                <a:latin typeface="Source Code Pro Medium" charset="0"/>
+                <a:ea typeface="Source Code Pro Medium" charset="0"/>
+                <a:cs typeface="Source Code Pro Medium" charset="0"/>
+              </a:rPr>
+              <a:t>异步任务，毫秒定时器，</a:t>
+            </a:r>
+            <a:r>
+              <a:rPr lang="en-US" altLang="zh-CN" dirty="0">
+                <a:latin typeface="Source Code Pro Medium" charset="0"/>
+                <a:ea typeface="Source Code Pro Medium" charset="0"/>
+                <a:cs typeface="Source Code Pro Medium" charset="0"/>
+              </a:rPr>
+              <a:t>SSL/TLS</a:t>
+            </a:r>
+            <a:r>
+              <a:rPr lang="zh-CN" altLang="en-US" dirty="0">
+                <a:latin typeface="Source Code Pro Medium" charset="0"/>
+                <a:ea typeface="Source Code Pro Medium" charset="0"/>
+                <a:cs typeface="Source Code Pro Medium" charset="0"/>
+              </a:rPr>
+              <a:t>隧道加密。协议上还支持</a:t>
+            </a:r>
+            <a:r>
+              <a:rPr lang="en-US" altLang="zh-CN" dirty="0">
+                <a:latin typeface="Source Code Pro Medium" charset="0"/>
+                <a:ea typeface="Source Code Pro Medium" charset="0"/>
+                <a:cs typeface="Source Code Pro Medium" charset="0"/>
+              </a:rPr>
+              <a:t>HTTP</a:t>
+            </a:r>
+            <a:r>
+              <a:rPr lang="zh-CN" altLang="en-US" dirty="0">
+                <a:latin typeface="Source Code Pro Medium" charset="0"/>
+                <a:ea typeface="Source Code Pro Medium" charset="0"/>
+                <a:cs typeface="Source Code Pro Medium" charset="0"/>
+              </a:rPr>
+              <a:t>和</a:t>
+            </a:r>
+            <a:r>
+              <a:rPr lang="en-US" altLang="zh-CN" dirty="0" err="1" smtClean="0">
+                <a:latin typeface="Source Code Pro Medium" charset="0"/>
+                <a:ea typeface="Source Code Pro Medium" charset="0"/>
+                <a:cs typeface="Source Code Pro Medium" charset="0"/>
+              </a:rPr>
+              <a:t>websocket</a:t>
+            </a:r>
+            <a:endParaRPr lang="en-US" altLang="zh-CN" dirty="0" smtClean="0">
+              <a:latin typeface="Source Code Pro Medium" charset="0"/>
+              <a:ea typeface="Source Code Pro Medium" charset="0"/>
+              <a:cs typeface="Source Code Pro Medium" charset="0"/>
+            </a:endParaRPr>
+          </a:p>
+          <a:p>
+            <a:pPr>
+              <a:lnSpc>
+                <a:spcPct val="150000"/>
+              </a:lnSpc>
+            </a:pPr>
+            <a:r>
+              <a:rPr lang="en-US" altLang="zh-CN" dirty="0" smtClean="0">
+                <a:latin typeface="Source Code Pro Medium" charset="0"/>
+                <a:ea typeface="Source Code Pro Medium" charset="0"/>
+                <a:cs typeface="Source Code Pro Medium" charset="0"/>
+              </a:rPr>
+              <a:t>3.swoole_client</a:t>
+            </a:r>
+            <a:r>
+              <a:rPr lang="en-US" altLang="zh-CN" dirty="0">
+                <a:latin typeface="Source Code Pro Medium" charset="0"/>
+                <a:ea typeface="Source Code Pro Medium" charset="0"/>
+                <a:cs typeface="Source Code Pro Medium" charset="0"/>
+              </a:rPr>
+              <a:t>: TCP/UDP</a:t>
+            </a:r>
+            <a:r>
+              <a:rPr lang="zh-CN" altLang="en-US" dirty="0">
+                <a:latin typeface="Source Code Pro Medium" charset="0"/>
+                <a:ea typeface="Source Code Pro Medium" charset="0"/>
+                <a:cs typeface="Source Code Pro Medium" charset="0"/>
+              </a:rPr>
+              <a:t>客户端，支持同步并发调用，也支持异步事件</a:t>
+            </a:r>
+            <a:r>
+              <a:rPr lang="zh-CN" altLang="en-US" dirty="0" smtClean="0">
+                <a:latin typeface="Source Code Pro Medium" charset="0"/>
+                <a:ea typeface="Source Code Pro Medium" charset="0"/>
+                <a:cs typeface="Source Code Pro Medium" charset="0"/>
+              </a:rPr>
+              <a:t>驱动</a:t>
+            </a:r>
+            <a:endParaRPr lang="en-US" altLang="zh-CN" dirty="0" smtClean="0">
+              <a:latin typeface="Source Code Pro Medium" charset="0"/>
+              <a:ea typeface="Source Code Pro Medium" charset="0"/>
+              <a:cs typeface="Source Code Pro Medium" charset="0"/>
+            </a:endParaRPr>
+          </a:p>
+          <a:p>
+            <a:pPr>
+              <a:lnSpc>
+                <a:spcPct val="150000"/>
+              </a:lnSpc>
+            </a:pPr>
+            <a:r>
+              <a:rPr lang="en-US" altLang="zh-CN" dirty="0" smtClean="0">
+                <a:latin typeface="Source Code Pro Medium" charset="0"/>
+                <a:ea typeface="Source Code Pro Medium" charset="0"/>
+                <a:cs typeface="Source Code Pro Medium" charset="0"/>
+              </a:rPr>
+              <a:t>4.swoole_event</a:t>
+            </a:r>
+            <a:r>
+              <a:rPr lang="en-US" altLang="zh-CN" dirty="0">
+                <a:latin typeface="Source Code Pro Medium" charset="0"/>
+                <a:ea typeface="Source Code Pro Medium" charset="0"/>
+                <a:cs typeface="Source Code Pro Medium" charset="0"/>
+              </a:rPr>
+              <a:t>: </a:t>
+            </a:r>
+            <a:r>
+              <a:rPr lang="en-US" altLang="zh-CN" dirty="0" err="1">
+                <a:latin typeface="Source Code Pro Medium" charset="0"/>
+                <a:ea typeface="Source Code Pro Medium" charset="0"/>
+                <a:cs typeface="Source Code Pro Medium" charset="0"/>
+              </a:rPr>
+              <a:t>EventLoop</a:t>
+            </a:r>
+            <a:r>
+              <a:rPr lang="en-US" altLang="zh-CN" dirty="0">
+                <a:latin typeface="Source Code Pro Medium" charset="0"/>
+                <a:ea typeface="Source Code Pro Medium" charset="0"/>
+                <a:cs typeface="Source Code Pro Medium" charset="0"/>
+              </a:rPr>
+              <a:t> API</a:t>
+            </a:r>
+            <a:r>
+              <a:rPr lang="zh-CN" altLang="en-US" dirty="0">
+                <a:latin typeface="Source Code Pro Medium" charset="0"/>
+                <a:ea typeface="Source Code Pro Medium" charset="0"/>
+                <a:cs typeface="Source Code Pro Medium" charset="0"/>
+              </a:rPr>
+              <a:t>，让用户可以直接操作底层的事件循环，将</a:t>
+            </a:r>
+            <a:r>
+              <a:rPr lang="en-US" altLang="zh-CN" dirty="0">
+                <a:latin typeface="Source Code Pro Medium" charset="0"/>
+                <a:ea typeface="Source Code Pro Medium" charset="0"/>
+                <a:cs typeface="Source Code Pro Medium" charset="0"/>
+              </a:rPr>
+              <a:t>socket</a:t>
+            </a:r>
+            <a:r>
+              <a:rPr lang="zh-CN" altLang="en-US" dirty="0">
+                <a:latin typeface="Source Code Pro Medium" charset="0"/>
+                <a:ea typeface="Source Code Pro Medium" charset="0"/>
+                <a:cs typeface="Source Code Pro Medium" charset="0"/>
+              </a:rPr>
+              <a:t>，</a:t>
+            </a:r>
+            <a:r>
+              <a:rPr lang="en-US" altLang="zh-CN" dirty="0">
+                <a:latin typeface="Source Code Pro Medium" charset="0"/>
+                <a:ea typeface="Source Code Pro Medium" charset="0"/>
+                <a:cs typeface="Source Code Pro Medium" charset="0"/>
+              </a:rPr>
+              <a:t>stream</a:t>
+            </a:r>
+            <a:r>
+              <a:rPr lang="zh-CN" altLang="en-US" dirty="0">
+                <a:latin typeface="Source Code Pro Medium" charset="0"/>
+                <a:ea typeface="Source Code Pro Medium" charset="0"/>
+                <a:cs typeface="Source Code Pro Medium" charset="0"/>
+              </a:rPr>
+              <a:t>，管道等</a:t>
+            </a:r>
+            <a:r>
+              <a:rPr lang="en-US" altLang="zh-CN" dirty="0">
+                <a:latin typeface="Source Code Pro Medium" charset="0"/>
+                <a:ea typeface="Source Code Pro Medium" charset="0"/>
+                <a:cs typeface="Source Code Pro Medium" charset="0"/>
+              </a:rPr>
+              <a:t>Linux</a:t>
+            </a:r>
+            <a:r>
+              <a:rPr lang="zh-CN" altLang="en-US" dirty="0">
+                <a:latin typeface="Source Code Pro Medium" charset="0"/>
+                <a:ea typeface="Source Code Pro Medium" charset="0"/>
+                <a:cs typeface="Source Code Pro Medium" charset="0"/>
+              </a:rPr>
+              <a:t>文件加入到事件循环</a:t>
+            </a:r>
+            <a:r>
+              <a:rPr lang="zh-CN" altLang="en-US" dirty="0" smtClean="0">
+                <a:latin typeface="Source Code Pro Medium" charset="0"/>
+                <a:ea typeface="Source Code Pro Medium" charset="0"/>
+                <a:cs typeface="Source Code Pro Medium" charset="0"/>
+              </a:rPr>
+              <a:t>中</a:t>
+            </a:r>
+            <a:endParaRPr lang="en-US" altLang="zh-CN" dirty="0" smtClean="0">
+              <a:latin typeface="Source Code Pro Medium" charset="0"/>
+              <a:ea typeface="Source Code Pro Medium" charset="0"/>
+              <a:cs typeface="Source Code Pro Medium" charset="0"/>
+            </a:endParaRPr>
+          </a:p>
+          <a:p>
+            <a:pPr>
+              <a:lnSpc>
+                <a:spcPct val="150000"/>
+              </a:lnSpc>
+            </a:pPr>
+            <a:r>
+              <a:rPr lang="en-US" altLang="zh-CN" dirty="0" smtClean="0">
+                <a:latin typeface="Source Code Pro Medium" charset="0"/>
+                <a:ea typeface="Source Code Pro Medium" charset="0"/>
+                <a:cs typeface="Source Code Pro Medium" charset="0"/>
+              </a:rPr>
+              <a:t>5.swoole_async</a:t>
+            </a:r>
+            <a:r>
+              <a:rPr lang="en-US" altLang="zh-CN" dirty="0">
+                <a:latin typeface="Source Code Pro Medium" charset="0"/>
+                <a:ea typeface="Source Code Pro Medium" charset="0"/>
+                <a:cs typeface="Source Code Pro Medium" charset="0"/>
+              </a:rPr>
+              <a:t>: </a:t>
+            </a:r>
+            <a:r>
+              <a:rPr lang="zh-CN" altLang="en-US" dirty="0">
+                <a:latin typeface="Source Code Pro Medium" charset="0"/>
+                <a:ea typeface="Source Code Pro Medium" charset="0"/>
+                <a:cs typeface="Source Code Pro Medium" charset="0"/>
+              </a:rPr>
+              <a:t>异步</a:t>
+            </a:r>
+            <a:r>
+              <a:rPr lang="en-US" altLang="zh-CN" dirty="0">
+                <a:latin typeface="Source Code Pro Medium" charset="0"/>
+                <a:ea typeface="Source Code Pro Medium" charset="0"/>
+                <a:cs typeface="Source Code Pro Medium" charset="0"/>
+              </a:rPr>
+              <a:t>IO</a:t>
+            </a:r>
+            <a:r>
+              <a:rPr lang="zh-CN" altLang="en-US" dirty="0">
+                <a:latin typeface="Source Code Pro Medium" charset="0"/>
+                <a:ea typeface="Source Code Pro Medium" charset="0"/>
+                <a:cs typeface="Source Code Pro Medium" charset="0"/>
+              </a:rPr>
+              <a:t>接口，提供</a:t>
+            </a:r>
+            <a:r>
+              <a:rPr lang="zh-CN" altLang="en-US" dirty="0" smtClean="0">
+                <a:latin typeface="Source Code Pro Medium" charset="0"/>
+                <a:ea typeface="Source Code Pro Medium" charset="0"/>
+                <a:cs typeface="Source Code Pro Medium" charset="0"/>
+              </a:rPr>
+              <a:t>了异步</a:t>
+            </a:r>
+            <a:r>
+              <a:rPr lang="zh-CN" altLang="en-US" dirty="0">
+                <a:latin typeface="Source Code Pro Medium" charset="0"/>
+                <a:ea typeface="Source Code Pro Medium" charset="0"/>
+                <a:cs typeface="Source Code Pro Medium" charset="0"/>
+              </a:rPr>
+              <a:t>文件系统</a:t>
+            </a:r>
+            <a:r>
+              <a:rPr lang="en-US" altLang="zh-CN" dirty="0">
+                <a:latin typeface="Source Code Pro Medium" charset="0"/>
+                <a:ea typeface="Source Code Pro Medium" charset="0"/>
+                <a:cs typeface="Source Code Pro Medium" charset="0"/>
+              </a:rPr>
+              <a:t>IO</a:t>
+            </a:r>
+            <a:r>
+              <a:rPr lang="zh-CN" altLang="en-US" dirty="0">
+                <a:latin typeface="Source Code Pro Medium" charset="0"/>
+                <a:ea typeface="Source Code Pro Medium" charset="0"/>
+                <a:cs typeface="Source Code Pro Medium" charset="0"/>
+              </a:rPr>
+              <a:t>，异步</a:t>
+            </a:r>
+            <a:r>
+              <a:rPr lang="en-US" altLang="zh-CN" dirty="0">
+                <a:latin typeface="Source Code Pro Medium" charset="0"/>
+                <a:ea typeface="Source Code Pro Medium" charset="0"/>
+                <a:cs typeface="Source Code Pro Medium" charset="0"/>
+              </a:rPr>
+              <a:t>DNS</a:t>
+            </a:r>
+            <a:r>
+              <a:rPr lang="zh-CN" altLang="en-US" dirty="0">
+                <a:latin typeface="Source Code Pro Medium" charset="0"/>
+                <a:ea typeface="Source Code Pro Medium" charset="0"/>
+                <a:cs typeface="Source Code Pro Medium" charset="0"/>
+              </a:rPr>
+              <a:t>查询，异步</a:t>
+            </a:r>
+            <a:r>
+              <a:rPr lang="en-US" altLang="zh-CN" dirty="0">
+                <a:latin typeface="Source Code Pro Medium" charset="0"/>
+                <a:ea typeface="Source Code Pro Medium" charset="0"/>
+                <a:cs typeface="Source Code Pro Medium" charset="0"/>
+              </a:rPr>
+              <a:t>MySQL</a:t>
+            </a:r>
+            <a:r>
+              <a:rPr lang="zh-CN" altLang="en-US" dirty="0">
+                <a:latin typeface="Source Code Pro Medium" charset="0"/>
+                <a:ea typeface="Source Code Pro Medium" charset="0"/>
+                <a:cs typeface="Source Code Pro Medium" charset="0"/>
+              </a:rPr>
+              <a:t>等</a:t>
+            </a:r>
+            <a:r>
+              <a:rPr lang="en-US" altLang="zh-CN" dirty="0">
+                <a:latin typeface="Source Code Pro Medium" charset="0"/>
+                <a:ea typeface="Source Code Pro Medium" charset="0"/>
+                <a:cs typeface="Source Code Pro Medium" charset="0"/>
+              </a:rPr>
+              <a:t>API</a:t>
+            </a:r>
+            <a:r>
+              <a:rPr lang="zh-CN" altLang="en-US" dirty="0">
+                <a:latin typeface="Source Code Pro Medium" charset="0"/>
+                <a:ea typeface="Source Code Pro Medium" charset="0"/>
+                <a:cs typeface="Source Code Pro Medium" charset="0"/>
+              </a:rPr>
+              <a:t>。支持异步毫秒定时器和异步文件操作</a:t>
+            </a:r>
+            <a:r>
+              <a:rPr lang="zh-CN" altLang="en-US" dirty="0" smtClean="0">
+                <a:latin typeface="Source Code Pro Medium" charset="0"/>
+                <a:ea typeface="Source Code Pro Medium" charset="0"/>
+                <a:cs typeface="Source Code Pro Medium" charset="0"/>
+              </a:rPr>
+              <a:t>接口</a:t>
+            </a:r>
+            <a:endParaRPr lang="en-US" altLang="zh-CN" dirty="0" smtClean="0">
+              <a:latin typeface="Source Code Pro Medium" charset="0"/>
+              <a:ea typeface="Source Code Pro Medium" charset="0"/>
+              <a:cs typeface="Source Code Pro Medium" charset="0"/>
+            </a:endParaRPr>
+          </a:p>
+          <a:p>
+            <a:pPr>
+              <a:lnSpc>
+                <a:spcPct val="150000"/>
+              </a:lnSpc>
+            </a:pPr>
+            <a:r>
+              <a:rPr lang="en-US" altLang="zh-CN" dirty="0" smtClean="0">
+                <a:latin typeface="Source Code Pro Medium" charset="0"/>
+                <a:ea typeface="Source Code Pro Medium" charset="0"/>
+                <a:cs typeface="Source Code Pro Medium" charset="0"/>
+              </a:rPr>
+              <a:t>6.swoole_process</a:t>
+            </a:r>
+            <a:r>
+              <a:rPr lang="en-US" altLang="zh-CN" dirty="0">
+                <a:latin typeface="Source Code Pro Medium" charset="0"/>
+                <a:ea typeface="Source Code Pro Medium" charset="0"/>
+                <a:cs typeface="Source Code Pro Medium" charset="0"/>
+              </a:rPr>
+              <a:t>: </a:t>
+            </a:r>
+            <a:r>
+              <a:rPr lang="zh-CN" altLang="en-US" dirty="0">
+                <a:latin typeface="Source Code Pro Medium" charset="0"/>
+                <a:ea typeface="Source Code Pro Medium" charset="0"/>
+                <a:cs typeface="Source Code Pro Medium" charset="0"/>
+              </a:rPr>
+              <a:t>进程管理模块，可以方便的创建子进程，进程间通信，进程管理。</a:t>
+            </a:r>
+            <a:endParaRPr kumimoji="1" lang="zh-CN" altLang="en-US" dirty="0">
+              <a:latin typeface="Source Code Pro Medium" charset="0"/>
+              <a:ea typeface="Source Code Pro Medium" charset="0"/>
+              <a:cs typeface="Source Code Pro Medium" charset="0"/>
+            </a:endParaRPr>
+          </a:p>
+        </p:txBody>
+      </p:sp>
+    </p:spTree>
+    <p:extLst>
+      <p:ext uri="{BB962C8B-B14F-4D97-AF65-F5344CB8AC3E}">
+        <p14:creationId xmlns:p14="http://schemas.microsoft.com/office/powerpoint/2010/main" val="257944928"/>
+      </p:ext>
+    </p:extLst>
+  </p:cSld>
+  <p:clrMapOvr>
+    <a:masterClrMapping/>
+  </p:clrMapOvr>
+</p:sld>
+</file>
+
+<file path=ppt/slides/slide7.xml><?xml version="1.0" encoding="utf-8"?>
+<p:sld xmlns:a="http://schemas.openxmlformats.org/drawingml/2006/main" xmlns:r="http://schemas.openxmlformats.org/officeDocument/2006/relationships" xmlns:p="http://schemas.openxmlformats.org/presentationml/2006/main" showMasterSp="0">
+  <p:cSld>
+    <p:spTree>
+      <p:nvGrpSpPr>
+        <p:cNvPr id="1" name=""/>
+        <p:cNvGrpSpPr/>
+        <p:nvPr/>
+      </p:nvGrpSpPr>
+      <p:grpSpPr>
+        <a:xfrm>
+          <a:off x="0" y="0"/>
+          <a:ext cx="0" cy="0"/>
+          <a:chOff x="0" y="0"/>
+          <a:chExt cx="0" cy="0"/>
+        </a:xfrm>
+      </p:grpSpPr>
+      <p:sp>
+        <p:nvSpPr>
+          <p:cNvPr id="5" name="文本框 4"/>
+          <p:cNvSpPr txBox="1"/>
+          <p:nvPr/>
+        </p:nvSpPr>
+        <p:spPr>
+          <a:xfrm>
+            <a:off x="778476" y="440678"/>
+            <a:ext cx="9562953" cy="4801314"/>
+          </a:xfrm>
+          <a:prstGeom prst="rect">
+            <a:avLst/>
+          </a:prstGeom>
+          <a:noFill/>
+        </p:spPr>
+        <p:txBody>
+          <a:bodyPr wrap="square" rtlCol="0">
+            <a:spAutoFit/>
+          </a:bodyPr>
+          <a:lstStyle/>
+          <a:p>
+            <a:pPr>
+              <a:lnSpc>
+                <a:spcPct val="150000"/>
+              </a:lnSpc>
+            </a:pPr>
+            <a:r>
+              <a:rPr kumimoji="1" lang="en-US" altLang="zh-CN" sz="2400" b="1" dirty="0" err="1">
+                <a:latin typeface="Source Code Pro Medium" panose="020B0509030403020204" pitchFamily="49" charset="0"/>
+                <a:ea typeface="Source Code Pro Medium" panose="020B0509030403020204" pitchFamily="49" charset="0"/>
+                <a:cs typeface="SimHei" charset="-122"/>
+              </a:rPr>
+              <a:t>Swoole</a:t>
+            </a:r>
+            <a:r>
+              <a:rPr kumimoji="1" lang="zh-CN" altLang="en-US" sz="2400" b="1" dirty="0">
+                <a:latin typeface="Source Code Pro Medium" panose="020B0509030403020204" pitchFamily="49" charset="0"/>
+                <a:ea typeface="SimHei" charset="-122"/>
+                <a:cs typeface="SimHei" charset="-122"/>
+              </a:rPr>
+              <a:t>的实例</a:t>
+            </a:r>
+            <a:endParaRPr kumimoji="1" lang="en-US" altLang="zh-CN" sz="2400" b="1" dirty="0">
+              <a:latin typeface="Source Code Pro Medium" panose="020B0509030403020204" pitchFamily="49" charset="0"/>
+              <a:ea typeface="Source Code Pro Medium" panose="020B0509030403020204" pitchFamily="49" charset="0"/>
+              <a:cs typeface="SimHei" charset="-122"/>
+            </a:endParaRPr>
+          </a:p>
+          <a:p>
             <a:endParaRPr kumimoji="1" lang="en-US" altLang="zh-CN" dirty="0">
               <a:latin typeface="Source Code Pro Medium" panose="020B0509030403020204" pitchFamily="49" charset="0"/>
               <a:ea typeface="Source Code Pro Medium" panose="020B0509030403020204" pitchFamily="49" charset="0"/>
@@ -8813,47 +10271,57 @@
             </a:pPr>
             <a:r>
               <a:rPr kumimoji="1" lang="en-US" altLang="zh-CN" dirty="0" err="1">
-                <a:latin typeface="Source Code Pro Medium" panose="020B0509030403020204" pitchFamily="49" charset="0"/>
-                <a:ea typeface="Source Code Pro Medium" panose="020B0509030403020204" pitchFamily="49" charset="0"/>
+                <a:latin typeface="Source Code Pro Medium" charset="0"/>
+                <a:ea typeface="Source Code Pro Medium" charset="0"/>
+                <a:cs typeface="Source Code Pro Medium" charset="0"/>
               </a:rPr>
               <a:t>tcp</a:t>
             </a:r>
             <a:r>
               <a:rPr kumimoji="1" lang="zh-CN" altLang="en-US" dirty="0">
-                <a:latin typeface="Source Code Pro Medium" panose="020B0509030403020204" pitchFamily="49" charset="0"/>
+                <a:latin typeface="Source Code Pro Medium" charset="0"/>
+                <a:ea typeface="Source Code Pro Medium" charset="0"/>
+                <a:cs typeface="Source Code Pro Medium" charset="0"/>
               </a:rPr>
               <a:t> </a:t>
             </a:r>
             <a:r>
               <a:rPr kumimoji="1" lang="en-US" altLang="zh-CN" dirty="0">
-                <a:latin typeface="Source Code Pro Medium" panose="020B0509030403020204" pitchFamily="49" charset="0"/>
-                <a:ea typeface="Source Code Pro Medium" panose="020B0509030403020204" pitchFamily="49" charset="0"/>
+                <a:latin typeface="Source Code Pro Medium" charset="0"/>
+                <a:ea typeface="Source Code Pro Medium" charset="0"/>
+                <a:cs typeface="Source Code Pro Medium" charset="0"/>
               </a:rPr>
               <a:t>Server</a:t>
             </a:r>
             <a:r>
               <a:rPr kumimoji="1" lang="zh-CN" altLang="en-US" dirty="0">
-                <a:latin typeface="Source Code Pro Medium" panose="020B0509030403020204" pitchFamily="49" charset="0"/>
+                <a:latin typeface="Source Code Pro Medium" charset="0"/>
+                <a:ea typeface="Source Code Pro Medium" charset="0"/>
+                <a:cs typeface="Source Code Pro Medium" charset="0"/>
               </a:rPr>
               <a:t> 和 </a:t>
             </a:r>
             <a:r>
               <a:rPr kumimoji="1" lang="en-US" altLang="zh-CN" dirty="0" err="1">
-                <a:latin typeface="Source Code Pro Medium" panose="020B0509030403020204" pitchFamily="49" charset="0"/>
-                <a:ea typeface="Source Code Pro Medium" panose="020B0509030403020204" pitchFamily="49" charset="0"/>
+                <a:latin typeface="Source Code Pro Medium" charset="0"/>
+                <a:ea typeface="Source Code Pro Medium" charset="0"/>
+                <a:cs typeface="Source Code Pro Medium" charset="0"/>
               </a:rPr>
               <a:t>tcp</a:t>
             </a:r>
             <a:r>
               <a:rPr kumimoji="1" lang="zh-CN" altLang="en-US" dirty="0">
-                <a:latin typeface="Source Code Pro Medium" panose="020B0509030403020204" pitchFamily="49" charset="0"/>
+                <a:latin typeface="Source Code Pro Medium" charset="0"/>
+                <a:ea typeface="Source Code Pro Medium" charset="0"/>
+                <a:cs typeface="Source Code Pro Medium" charset="0"/>
               </a:rPr>
               <a:t> </a:t>
             </a:r>
             <a:r>
               <a:rPr kumimoji="1" lang="en-US" altLang="zh-CN" dirty="0">
-                <a:latin typeface="Source Code Pro Medium" panose="020B0509030403020204" pitchFamily="49" charset="0"/>
-                <a:ea typeface="Source Code Pro Medium" panose="020B0509030403020204" pitchFamily="49" charset="0"/>
+                <a:latin typeface="Source Code Pro Medium" charset="0"/>
+                <a:ea typeface="Source Code Pro Medium" charset="0"/>
+                <a:cs typeface="Source Code Pro Medium" charset="0"/>
               </a:rPr>
               <a:t>Client</a:t>
             </a:r>
@@ -8863,8 +10331,9 @@
               <a:buAutoNum type="arabicPeriod"/>
             </a:pPr>
             <a:endParaRPr kumimoji="1" lang="en-US" altLang="zh-CN" dirty="0">
-              <a:latin typeface="Source Code Pro Medium" panose="020B0509030403020204" pitchFamily="49" charset="0"/>
-              <a:ea typeface="Source Code Pro Medium" panose="020B0509030403020204" pitchFamily="49" charset="0"/>
+              <a:latin typeface="Source Code Pro Medium" charset="0"/>
+              <a:ea typeface="Source Code Pro Medium" charset="0"/>
+              <a:cs typeface="Source Code Pro Medium" charset="0"/>
             </a:endParaRPr>
           </a:p>
           <a:p>
@@ -8873,47 +10342,57 @@
             </a:pPr>
             <a:r>
               <a:rPr kumimoji="1" lang="en-US" altLang="zh-CN" dirty="0" err="1">
-                <a:latin typeface="Source Code Pro Medium" panose="020B0509030403020204" pitchFamily="49" charset="0"/>
-                <a:ea typeface="Source Code Pro Medium" panose="020B0509030403020204" pitchFamily="49" charset="0"/>
+                <a:latin typeface="Source Code Pro Medium" charset="0"/>
+                <a:ea typeface="Source Code Pro Medium" charset="0"/>
+                <a:cs typeface="Source Code Pro Medium" charset="0"/>
               </a:rPr>
               <a:t>udp</a:t>
             </a:r>
             <a:r>
               <a:rPr kumimoji="1" lang="zh-CN" altLang="en-US" dirty="0">
-                <a:latin typeface="Source Code Pro Medium" panose="020B0509030403020204" pitchFamily="49" charset="0"/>
+                <a:latin typeface="Source Code Pro Medium" charset="0"/>
+                <a:ea typeface="Source Code Pro Medium" charset="0"/>
+                <a:cs typeface="Source Code Pro Medium" charset="0"/>
               </a:rPr>
               <a:t> </a:t>
             </a:r>
             <a:r>
               <a:rPr kumimoji="1" lang="en-US" altLang="zh-CN" dirty="0">
-                <a:latin typeface="Source Code Pro Medium" panose="020B0509030403020204" pitchFamily="49" charset="0"/>
-                <a:ea typeface="Source Code Pro Medium" panose="020B0509030403020204" pitchFamily="49" charset="0"/>
+                <a:latin typeface="Source Code Pro Medium" charset="0"/>
+                <a:ea typeface="Source Code Pro Medium" charset="0"/>
+                <a:cs typeface="Source Code Pro Medium" charset="0"/>
               </a:rPr>
               <a:t>Server</a:t>
             </a:r>
             <a:r>
               <a:rPr kumimoji="1" lang="zh-CN" altLang="en-US" dirty="0">
-                <a:latin typeface="Source Code Pro Medium" panose="020B0509030403020204" pitchFamily="49" charset="0"/>
+                <a:latin typeface="Source Code Pro Medium" charset="0"/>
+                <a:ea typeface="Source Code Pro Medium" charset="0"/>
+                <a:cs typeface="Source Code Pro Medium" charset="0"/>
               </a:rPr>
               <a:t> 和 </a:t>
             </a:r>
             <a:r>
               <a:rPr kumimoji="1" lang="en-US" altLang="zh-CN" dirty="0" err="1">
-                <a:latin typeface="Source Code Pro Medium" panose="020B0509030403020204" pitchFamily="49" charset="0"/>
-                <a:ea typeface="Source Code Pro Medium" panose="020B0509030403020204" pitchFamily="49" charset="0"/>
+                <a:latin typeface="Source Code Pro Medium" charset="0"/>
+                <a:ea typeface="Source Code Pro Medium" charset="0"/>
+                <a:cs typeface="Source Code Pro Medium" charset="0"/>
               </a:rPr>
               <a:t>udp</a:t>
             </a:r>
             <a:r>
               <a:rPr kumimoji="1" lang="zh-CN" altLang="en-US" dirty="0">
-                <a:latin typeface="Source Code Pro Medium" panose="020B0509030403020204" pitchFamily="49" charset="0"/>
+                <a:latin typeface="Source Code Pro Medium" charset="0"/>
+                <a:ea typeface="Source Code Pro Medium" charset="0"/>
+                <a:cs typeface="Source Code Pro Medium" charset="0"/>
               </a:rPr>
               <a:t> </a:t>
             </a:r>
             <a:r>
               <a:rPr kumimoji="1" lang="en-US" altLang="zh-CN" dirty="0">
-                <a:latin typeface="Source Code Pro Medium" panose="020B0509030403020204" pitchFamily="49" charset="0"/>
-                <a:ea typeface="Source Code Pro Medium" panose="020B0509030403020204" pitchFamily="49" charset="0"/>
+                <a:latin typeface="Source Code Pro Medium" charset="0"/>
+                <a:ea typeface="Source Code Pro Medium" charset="0"/>
+                <a:cs typeface="Source Code Pro Medium" charset="0"/>
               </a:rPr>
               <a:t>Server</a:t>
             </a:r>
@@ -8923,8 +10402,9 @@
               <a:buAutoNum type="arabicPeriod"/>
             </a:pPr>
             <a:endParaRPr kumimoji="1" lang="en-US" altLang="zh-CN" dirty="0">
-              <a:latin typeface="Source Code Pro Medium" panose="020B0509030403020204" pitchFamily="49" charset="0"/>
-              <a:ea typeface="Source Code Pro Medium" panose="020B0509030403020204" pitchFamily="49" charset="0"/>
+              <a:latin typeface="Source Code Pro Medium" charset="0"/>
+              <a:ea typeface="Source Code Pro Medium" charset="0"/>
+              <a:cs typeface="Source Code Pro Medium" charset="0"/>
             </a:endParaRPr>
           </a:p>
           <a:p>
@@ -8932,15 +10412,108 @@
               <a:buAutoNum type="arabicPeriod"/>
             </a:pPr>
             <a:r>
-              <a:rPr kumimoji="1" lang="en-US" altLang="zh-CN" dirty="0" err="1">
-                <a:latin typeface="Source Code Pro Medium" panose="020B0509030403020204" pitchFamily="49" charset="0"/>
-                <a:ea typeface="Source Code Pro Medium" panose="020B0509030403020204" pitchFamily="49" charset="0"/>
-              </a:rPr>
-              <a:t>webscoket</a:t>
+              <a:rPr kumimoji="1" lang="en-US" altLang="zh-CN" dirty="0" err="1" smtClean="0">
+                <a:latin typeface="Source Code Pro Medium" charset="0"/>
+                <a:ea typeface="Source Code Pro Medium" charset="0"/>
+                <a:cs typeface="Source Code Pro Medium" charset="0"/>
+              </a:rPr>
+              <a:t>w</a:t>
+            </a:r>
+            <a:r>
+              <a:rPr kumimoji="1" lang="en-US" altLang="zh-CN" dirty="0" err="1" smtClean="0">
+                <a:latin typeface="Source Code Pro Medium" charset="0"/>
+                <a:ea typeface="Source Code Pro Medium" charset="0"/>
+                <a:cs typeface="Source Code Pro Medium" charset="0"/>
+              </a:rPr>
+              <a:t>ebscoket</a:t>
+            </a:r>
+            <a:endParaRPr kumimoji="1" lang="en-US" altLang="zh-CN" dirty="0" smtClean="0">
+              <a:latin typeface="Source Code Pro Medium" charset="0"/>
+              <a:ea typeface="Source Code Pro Medium" charset="0"/>
+              <a:cs typeface="Source Code Pro Medium" charset="0"/>
+            </a:endParaRPr>
+          </a:p>
+          <a:p>
+            <a:pPr marL="342900" indent="-342900">
+              <a:buAutoNum type="arabicPeriod"/>
+            </a:pPr>
+            <a:endParaRPr kumimoji="1" lang="en-US" altLang="zh-CN" dirty="0" smtClean="0">
+              <a:latin typeface="Source Code Pro Medium" charset="0"/>
+              <a:ea typeface="Source Code Pro Medium" charset="0"/>
+              <a:cs typeface="Source Code Pro Medium" charset="0"/>
+            </a:endParaRPr>
+          </a:p>
+          <a:p>
+            <a:pPr marL="342900" indent="-342900">
+              <a:buAutoNum type="arabicPeriod"/>
+            </a:pPr>
+            <a:r>
+              <a:rPr kumimoji="1" lang="zh-CN" altLang="en-US" dirty="0" smtClean="0">
+                <a:latin typeface="Source Code Pro Medium" charset="0"/>
+                <a:ea typeface="Source Code Pro Medium" charset="0"/>
+                <a:cs typeface="Source Code Pro Medium" charset="0"/>
+              </a:rPr>
+              <a:t>异步</a:t>
+            </a:r>
+            <a:r>
+              <a:rPr kumimoji="1" lang="en-US" altLang="zh-CN" dirty="0" err="1" smtClean="0">
+                <a:latin typeface="Source Code Pro Medium" charset="0"/>
+                <a:ea typeface="Source Code Pro Medium" charset="0"/>
+                <a:cs typeface="Source Code Pro Medium" charset="0"/>
+              </a:rPr>
+              <a:t>mySql</a:t>
+            </a:r>
+            <a:r>
+              <a:rPr kumimoji="1" lang="zh-CN" altLang="en-US" dirty="0">
+                <a:latin typeface="Source Code Pro Medium" charset="0"/>
+                <a:ea typeface="Source Code Pro Medium" charset="0"/>
+                <a:cs typeface="Source Code Pro Medium" charset="0"/>
+              </a:rPr>
+              <a:t> </a:t>
+            </a:r>
+            <a:r>
+              <a:rPr kumimoji="1" lang="en-US" altLang="zh-CN" dirty="0" smtClean="0">
+                <a:latin typeface="Source Code Pro Medium" charset="0"/>
+                <a:ea typeface="Source Code Pro Medium" charset="0"/>
+                <a:cs typeface="Source Code Pro Medium" charset="0"/>
+              </a:rPr>
+              <a:t/>
+            </a:r>
+            <a:br>
+              <a:rPr kumimoji="1" lang="en-US" altLang="zh-CN" dirty="0" smtClean="0">
+                <a:latin typeface="Source Code Pro Medium" charset="0"/>
+                <a:ea typeface="Source Code Pro Medium" charset="0"/>
+                <a:cs typeface="Source Code Pro Medium" charset="0"/>
+              </a:rPr>
+            </a:br>
+            <a:r>
+              <a:rPr lang="en-US" altLang="zh-CN" dirty="0" err="1" smtClean="0"/>
+              <a:t>node.js</a:t>
+            </a:r>
+            <a:r>
+              <a:rPr lang="zh-CN" altLang="en-US" dirty="0"/>
+              <a:t>之类的语言可以实现异步的数据库查询功能，执行</a:t>
+            </a:r>
+            <a:r>
+              <a:rPr lang="en-US" altLang="zh-CN" dirty="0"/>
+              <a:t>SQL</a:t>
+            </a:r>
+            <a:r>
+              <a:rPr lang="zh-CN" altLang="en-US" dirty="0"/>
+              <a:t>语句之后不必等待数据库返回结果。继续去执行其他的代码，当数据库返回结果是再对数据进行处理，如渲染页面，并将</a:t>
+            </a:r>
+            <a:r>
+              <a:rPr lang="en-US" altLang="zh-CN" dirty="0"/>
+              <a:t>HTML</a:t>
+            </a:r>
+            <a:r>
+              <a:rPr lang="zh-CN" altLang="en-US" dirty="0"/>
+              <a:t>页面发送给客户端。这样应用程序完全不需要阻塞等待。这种方式运行效率非常高。</a:t>
             </a:r>
             <a:endParaRPr kumimoji="1" lang="en-US" altLang="zh-CN" dirty="0">
-              <a:latin typeface="Source Code Pro Medium" panose="020B0509030403020204" pitchFamily="49" charset="0"/>
-              <a:ea typeface="Source Code Pro Medium" panose="020B0509030403020204" pitchFamily="49" charset="0"/>
+              <a:latin typeface="Source Code Pro Medium" charset="0"/>
+              <a:ea typeface="Source Code Pro Medium" charset="0"/>
+              <a:cs typeface="Source Code Pro Medium" charset="0"/>
             </a:endParaRPr>
           </a:p>
           <a:p>
@@ -8948,8 +10521,9 @@
               <a:buAutoNum type="arabicPeriod"/>
             </a:pPr>
             <a:endParaRPr kumimoji="1" lang="en-US" altLang="zh-CN" dirty="0">
-              <a:latin typeface="Source Code Pro Medium" panose="020B0509030403020204" pitchFamily="49" charset="0"/>
-              <a:ea typeface="Source Code Pro Medium" panose="020B0509030403020204" pitchFamily="49" charset="0"/>
+              <a:latin typeface="Source Code Pro Medium" charset="0"/>
+              <a:ea typeface="Source Code Pro Medium" charset="0"/>
+              <a:cs typeface="Source Code Pro Medium" charset="0"/>
             </a:endParaRPr>
           </a:p>
           <a:p>
@@ -8958,19 +10532,39 @@
             </a:pPr>
             <a:r>
               <a:rPr kumimoji="1" lang="zh-CN" altLang="en-US" dirty="0">
-                <a:latin typeface="Source Code Pro Medium" panose="020B0509030403020204" pitchFamily="49" charset="0"/>
-              </a:rPr>
-              <a:t>异步导入</a:t>
-            </a:r>
-            <a:r>
-              <a:rPr kumimoji="1" lang="en-US" altLang="zh-CN" dirty="0">
-                <a:latin typeface="Source Code Pro Medium" panose="020B0509030403020204" pitchFamily="49" charset="0"/>
-                <a:ea typeface="Source Code Pro Medium" panose="020B0509030403020204" pitchFamily="49" charset="0"/>
+                <a:latin typeface="Source Code Pro Medium" charset="0"/>
+                <a:ea typeface="Source Code Pro Medium" charset="0"/>
+                <a:cs typeface="Source Code Pro Medium" charset="0"/>
+              </a:rPr>
+              <a:t>异步</a:t>
+            </a:r>
+            <a:r>
+              <a:rPr kumimoji="1" lang="zh-CN" altLang="en-US" dirty="0" smtClean="0">
+                <a:latin typeface="Source Code Pro Medium" charset="0"/>
+                <a:ea typeface="Source Code Pro Medium" charset="0"/>
+                <a:cs typeface="Source Code Pro Medium" charset="0"/>
+              </a:rPr>
+              <a:t>导入用户</a:t>
+            </a:r>
+            <a:r>
+              <a:rPr kumimoji="1" lang="en-US" altLang="zh-CN" dirty="0" smtClean="0">
+                <a:latin typeface="Source Code Pro Medium" charset="0"/>
+                <a:ea typeface="Source Code Pro Medium" charset="0"/>
+                <a:cs typeface="Source Code Pro Medium" charset="0"/>
               </a:rPr>
               <a:t>demo</a:t>
             </a:r>
-          </a:p>
-          <a:p>
+            <a:endParaRPr kumimoji="1" lang="en-US" altLang="zh-CN" dirty="0">
+              <a:latin typeface="Source Code Pro Medium" charset="0"/>
+              <a:ea typeface="Source Code Pro Medium" charset="0"/>
+              <a:cs typeface="Source Code Pro Medium" charset="0"/>
+            </a:endParaRPr>
+          </a:p>
+          <a:p>
+            <a:r>
+              <a:rPr lang="en-US" altLang="zh-CN" dirty="0"/>
+              <a:t/>
+            </a:r>
             <a:br>
               <a:rPr lang="en-US" altLang="zh-CN" dirty="0"/>
             </a:br>
@@ -8991,7 +10585,7 @@
 </p:sld>
 </file>
 
-<file path=ppt/slides/slide7.xml><?xml version="1.0" encoding="utf-8"?>
+<file path=ppt/slides/slide8.xml><?xml version="1.0" encoding="utf-8"?>
 <p:sld xmlns:a="http://schemas.openxmlformats.org/drawingml/2006/main" xmlns:r="http://schemas.openxmlformats.org/officeDocument/2006/relationships" xmlns:p="http://schemas.openxmlformats.org/presentationml/2006/main">
   <p:cSld>
     <p:spTree>
@@ -9017,7 +10611,7 @@
         <p:spPr>
           <a:xfrm>
             <a:off x="778476" y="440678"/>
-            <a:ext cx="9562953" cy="1986698"/>
+            <a:ext cx="9562953" cy="2446824"/>
           </a:xfrm>
           <a:prstGeom prst="rect">
             <a:avLst/>
@@ -9094,7 +10688,47 @@
                 <a:ea typeface="Source Code Pro Medium" panose="020B0509030403020204" pitchFamily="49" charset="0"/>
                 <a:hlinkClick r:id="rId3"/>
               </a:rPr>
-              <a:t>https://www.zybuluo.com/phper/note/494239</a:t>
+              <a:t>https://</a:t>
+            </a:r>
+            <a:r>
+              <a:rPr lang="en-US" altLang="zh-CN" dirty="0" smtClean="0">
+                <a:latin typeface="Source Code Pro Medium" panose="020B0509030403020204" pitchFamily="49" charset="0"/>
+                <a:ea typeface="Source Code Pro Medium" panose="020B0509030403020204" pitchFamily="49" charset="0"/>
+                <a:hlinkClick r:id="rId3"/>
+              </a:rPr>
+              <a:t>www.zybuluo.com/phper/note/494239</a:t>
+            </a:r>
+            <a:endParaRPr lang="en-US" altLang="zh-CN" dirty="0" smtClean="0">
+              <a:latin typeface="Source Code Pro Medium" panose="020B0509030403020204" pitchFamily="49" charset="0"/>
+              <a:ea typeface="Source Code Pro Medium" panose="020B0509030403020204" pitchFamily="49" charset="0"/>
+            </a:endParaRPr>
+          </a:p>
+          <a:p>
+            <a:pPr>
+              <a:lnSpc>
+                <a:spcPct val="150000"/>
+              </a:lnSpc>
+            </a:pPr>
+            <a:r>
+              <a:rPr lang="en-US" altLang="zh-CN" dirty="0">
+                <a:latin typeface="Source Code Pro Medium" panose="020B0509030403020204" pitchFamily="49" charset="0"/>
+                <a:ea typeface="Source Code Pro Medium" panose="020B0509030403020204" pitchFamily="49" charset="0"/>
+              </a:rPr>
+              <a:t>http://</a:t>
+            </a:r>
+            <a:r>
+              <a:rPr lang="en-US" altLang="zh-CN" dirty="0" err="1">
+                <a:latin typeface="Source Code Pro Medium" panose="020B0509030403020204" pitchFamily="49" charset="0"/>
+                <a:ea typeface="Source Code Pro Medium" panose="020B0509030403020204" pitchFamily="49" charset="0"/>
+              </a:rPr>
+              <a:t>www.bewithyou.me</a:t>
+            </a:r>
+            <a:r>
+              <a:rPr lang="en-US" altLang="zh-CN" dirty="0">
+                <a:latin typeface="Source Code Pro Medium" panose="020B0509030403020204" pitchFamily="49" charset="0"/>
+                <a:ea typeface="Source Code Pro Medium" panose="020B0509030403020204" pitchFamily="49" charset="0"/>
+              </a:rPr>
+              <a:t>/archive/detail/65</a:t>
             </a:r>
             <a:endParaRPr lang="en-US" altLang="zh-CN" dirty="0">
               <a:latin typeface="Source Code Pro Medium" panose="020B0509030403020204" pitchFamily="49" charset="0"/>

--- a/swoole.pptx
+++ b/swoole.pptx
@@ -5,7 +5,7 @@
     <p:sldMasterId id="2147483648" r:id="rId1"/>
   </p:sldMasterIdLst>
   <p:notesMasterIdLst>
-    <p:notesMasterId r:id="rId10"/>
+    <p:notesMasterId r:id="rId11"/>
   </p:notesMasterIdLst>
   <p:sldIdLst>
     <p:sldId id="256" r:id="rId2"/>
@@ -16,6 +16,7 @@
     <p:sldId id="268" r:id="rId7"/>
     <p:sldId id="265" r:id="rId8"/>
     <p:sldId id="267" r:id="rId9"/>
+    <p:sldId id="269" r:id="rId10"/>
   </p:sldIdLst>
   <p:sldSz cx="12192000" cy="6858000"/>
   <p:notesSz cx="6858000" cy="9144000"/>
@@ -7422,25 +7423,25 @@
               </a:lnSpc>
             </a:pPr>
             <a:r>
-              <a:rPr lang="en-US" altLang="zh-CN" b="1" dirty="0" smtClean="0">
-                <a:latin typeface="Source Code Pro" charset="0"/>
-                <a:ea typeface="Source Code Pro" charset="0"/>
-                <a:cs typeface="Source Code Pro" charset="0"/>
+              <a:rPr kumimoji="1" lang="en-US" altLang="zh-CN" dirty="0">
+                <a:latin typeface="Source Code Pro Medium" charset="0"/>
+                <a:ea typeface="Source Code Pro Medium" charset="0"/>
+                <a:cs typeface="Source Code Pro Medium" charset="0"/>
               </a:rPr>
               <a:t>PHP</a:t>
             </a:r>
             <a:r>
-              <a:rPr lang="zh-CN" altLang="en-US" b="1" dirty="0" smtClean="0">
-                <a:latin typeface="Source Code Pro" charset="0"/>
-                <a:ea typeface="Source Code Pro" charset="0"/>
-                <a:cs typeface="Source Code Pro" charset="0"/>
+              <a:rPr kumimoji="1" lang="zh-CN" altLang="en-US" dirty="0">
+                <a:latin typeface="Source Code Pro Medium" charset="0"/>
+                <a:ea typeface="Source Code Pro Medium" charset="0"/>
+                <a:cs typeface="Source Code Pro Medium" charset="0"/>
               </a:rPr>
               <a:t>部分局限性：</a:t>
             </a:r>
-            <a:endParaRPr lang="en-US" altLang="zh-CN" b="1" dirty="0" smtClean="0">
-              <a:latin typeface="Source Code Pro" charset="0"/>
-              <a:ea typeface="Source Code Pro" charset="0"/>
-              <a:cs typeface="Source Code Pro" charset="0"/>
+            <a:endParaRPr kumimoji="1" lang="en-US" altLang="zh-CN" dirty="0">
+              <a:latin typeface="Source Code Pro Medium" charset="0"/>
+              <a:ea typeface="Source Code Pro Medium" charset="0"/>
+              <a:cs typeface="Source Code Pro Medium" charset="0"/>
             </a:endParaRPr>
           </a:p>
           <a:p>
@@ -7450,33 +7451,25 @@
               </a:lnSpc>
             </a:pPr>
             <a:r>
-              <a:rPr lang="en-US" altLang="zh-CN" b="1" dirty="0" smtClean="0">
-                <a:latin typeface="Source Code Pro" charset="0"/>
-                <a:ea typeface="Source Code Pro" charset="0"/>
-                <a:cs typeface="Source Code Pro" charset="0"/>
+              <a:rPr kumimoji="1" lang="en-US" altLang="zh-CN" dirty="0">
+                <a:latin typeface="Source Code Pro Medium" charset="0"/>
+                <a:ea typeface="Source Code Pro Medium" charset="0"/>
+                <a:cs typeface="Source Code Pro Medium" charset="0"/>
               </a:rPr>
               <a:t>1.PHP</a:t>
             </a:r>
             <a:r>
-              <a:rPr lang="zh-CN" altLang="en-US" b="1" dirty="0">
-                <a:latin typeface="Source Code Pro" charset="0"/>
-                <a:ea typeface="Source Code Pro" charset="0"/>
-                <a:cs typeface="Source Code Pro" charset="0"/>
-              </a:rPr>
-              <a:t>是单进程的，没法在一个程序块中使用多进程来处理一个复杂的</a:t>
-            </a:r>
-            <a:r>
-              <a:rPr lang="zh-CN" altLang="en-US" b="1" dirty="0">
-                <a:latin typeface="Source Code Pro" charset="0"/>
-                <a:ea typeface="Source Code Pro" charset="0"/>
-                <a:cs typeface="Source Code Pro" charset="0"/>
-              </a:rPr>
-              <a:t>逻辑</a:t>
-            </a:r>
-            <a:endParaRPr lang="en-US" altLang="zh-CN" b="1" dirty="0">
-              <a:latin typeface="Source Code Pro" charset="0"/>
-              <a:ea typeface="Source Code Pro" charset="0"/>
-              <a:cs typeface="Source Code Pro" charset="0"/>
+              <a:rPr kumimoji="1" lang="zh-CN" altLang="en-US" dirty="0">
+                <a:latin typeface="Source Code Pro Medium" charset="0"/>
+                <a:ea typeface="Source Code Pro Medium" charset="0"/>
+                <a:cs typeface="Source Code Pro Medium" charset="0"/>
+              </a:rPr>
+              <a:t>是单进程的，没法在一个程序块中使用多进程来处理一个复杂的逻辑</a:t>
+            </a:r>
+            <a:endParaRPr kumimoji="1" lang="en-US" altLang="zh-CN" dirty="0">
+              <a:latin typeface="Source Code Pro Medium" charset="0"/>
+              <a:ea typeface="Source Code Pro Medium" charset="0"/>
+              <a:cs typeface="Source Code Pro Medium" charset="0"/>
             </a:endParaRPr>
           </a:p>
           <a:p>
@@ -7486,41 +7479,41 @@
               </a:lnSpc>
             </a:pPr>
             <a:r>
-              <a:rPr lang="en-US" altLang="zh-CN" b="1" dirty="0">
-                <a:latin typeface="Source Code Pro" charset="0"/>
-                <a:ea typeface="Source Code Pro" charset="0"/>
-                <a:cs typeface="Source Code Pro" charset="0"/>
+              <a:rPr kumimoji="1" lang="en-US" altLang="zh-CN" dirty="0">
+                <a:latin typeface="Source Code Pro Medium" charset="0"/>
+                <a:ea typeface="Source Code Pro Medium" charset="0"/>
+                <a:cs typeface="Source Code Pro Medium" charset="0"/>
               </a:rPr>
               <a:t>2.PHP</a:t>
             </a:r>
             <a:r>
-              <a:rPr lang="zh-CN" altLang="en-US" b="1" dirty="0">
-                <a:latin typeface="Source Code Pro" charset="0"/>
-                <a:ea typeface="Source Code Pro" charset="0"/>
-                <a:cs typeface="Source Code Pro" charset="0"/>
+              <a:rPr kumimoji="1" lang="zh-CN" altLang="en-US" dirty="0">
+                <a:latin typeface="Source Code Pro Medium" charset="0"/>
+                <a:ea typeface="Source Code Pro Medium" charset="0"/>
+                <a:cs typeface="Source Code Pro Medium" charset="0"/>
               </a:rPr>
               <a:t>不支持异步</a:t>
             </a:r>
             <a:r>
-              <a:rPr lang="en-US" altLang="zh-CN" b="1" dirty="0">
-                <a:latin typeface="Source Code Pro" charset="0"/>
-                <a:ea typeface="Source Code Pro" charset="0"/>
-                <a:cs typeface="Source Code Pro" charset="0"/>
+              <a:rPr kumimoji="1" lang="en-US" altLang="zh-CN" dirty="0">
+                <a:latin typeface="Source Code Pro Medium" charset="0"/>
+                <a:ea typeface="Source Code Pro Medium" charset="0"/>
+                <a:cs typeface="Source Code Pro Medium" charset="0"/>
               </a:rPr>
               <a:t>,</a:t>
             </a:r>
             <a:r>
-              <a:rPr lang="zh-CN" altLang="en-US" b="1" dirty="0">
-                <a:latin typeface="Source Code Pro" charset="0"/>
-                <a:ea typeface="Source Code Pro" charset="0"/>
-                <a:cs typeface="Source Code Pro" charset="0"/>
+              <a:rPr kumimoji="1" lang="zh-CN" altLang="en-US" dirty="0">
+                <a:latin typeface="Source Code Pro Medium" charset="0"/>
+                <a:ea typeface="Source Code Pro Medium" charset="0"/>
+                <a:cs typeface="Source Code Pro Medium" charset="0"/>
               </a:rPr>
               <a:t>在处理高并发高负载的请求时会力不从心</a:t>
             </a:r>
-            <a:endParaRPr lang="en-US" altLang="zh-CN" b="1" dirty="0">
-              <a:latin typeface="Source Code Pro" charset="0"/>
-              <a:ea typeface="Source Code Pro" charset="0"/>
-              <a:cs typeface="Source Code Pro" charset="0"/>
+            <a:endParaRPr kumimoji="1" lang="en-US" altLang="zh-CN" dirty="0">
+              <a:latin typeface="Source Code Pro Medium" charset="0"/>
+              <a:ea typeface="Source Code Pro Medium" charset="0"/>
+              <a:cs typeface="Source Code Pro Medium" charset="0"/>
             </a:endParaRPr>
           </a:p>
           <a:p>
@@ -7530,65 +7523,57 @@
               </a:lnSpc>
             </a:pPr>
             <a:r>
-              <a:rPr lang="en-US" altLang="zh-CN" b="1" dirty="0">
-                <a:latin typeface="Source Code Pro" charset="0"/>
-                <a:ea typeface="Source Code Pro" charset="0"/>
-                <a:cs typeface="Source Code Pro" charset="0"/>
+              <a:rPr kumimoji="1" lang="en-US" altLang="zh-CN" dirty="0">
+                <a:latin typeface="Source Code Pro Medium" charset="0"/>
+                <a:ea typeface="Source Code Pro Medium" charset="0"/>
+                <a:cs typeface="Source Code Pro Medium" charset="0"/>
               </a:rPr>
               <a:t>3.PHP</a:t>
             </a:r>
             <a:r>
-              <a:rPr lang="zh-CN" altLang="en-US" b="1" dirty="0">
-                <a:latin typeface="Source Code Pro" charset="0"/>
-                <a:ea typeface="Source Code Pro" charset="0"/>
-                <a:cs typeface="Source Code Pro" charset="0"/>
+              <a:rPr kumimoji="1" lang="zh-CN" altLang="en-US" dirty="0">
+                <a:latin typeface="Source Code Pro Medium" charset="0"/>
+                <a:ea typeface="Source Code Pro Medium" charset="0"/>
+                <a:cs typeface="Source Code Pro Medium" charset="0"/>
               </a:rPr>
               <a:t>不适合做</a:t>
             </a:r>
             <a:r>
-              <a:rPr lang="en-US" altLang="zh-CN" b="1" dirty="0">
-                <a:latin typeface="Source Code Pro" charset="0"/>
-                <a:ea typeface="Source Code Pro" charset="0"/>
-                <a:cs typeface="Source Code Pro" charset="0"/>
+              <a:rPr kumimoji="1" lang="en-US" altLang="zh-CN" dirty="0">
+                <a:latin typeface="Source Code Pro Medium" charset="0"/>
+                <a:ea typeface="Source Code Pro Medium" charset="0"/>
+                <a:cs typeface="Source Code Pro Medium" charset="0"/>
               </a:rPr>
               <a:t>TCP</a:t>
             </a:r>
             <a:r>
-              <a:rPr lang="zh-CN" altLang="en-US" b="1" dirty="0">
-                <a:latin typeface="Source Code Pro" charset="0"/>
-                <a:ea typeface="Source Code Pro" charset="0"/>
-                <a:cs typeface="Source Code Pro" charset="0"/>
+              <a:rPr kumimoji="1" lang="zh-CN" altLang="en-US" dirty="0">
+                <a:latin typeface="Source Code Pro Medium" charset="0"/>
+                <a:ea typeface="Source Code Pro Medium" charset="0"/>
+                <a:cs typeface="Source Code Pro Medium" charset="0"/>
               </a:rPr>
               <a:t>，</a:t>
             </a:r>
             <a:r>
-              <a:rPr lang="en-US" altLang="zh-CN" b="1" dirty="0">
-                <a:latin typeface="Source Code Pro" charset="0"/>
-                <a:ea typeface="Source Code Pro" charset="0"/>
-                <a:cs typeface="Source Code Pro" charset="0"/>
+              <a:rPr kumimoji="1" lang="en-US" altLang="zh-CN" dirty="0">
+                <a:latin typeface="Source Code Pro Medium" charset="0"/>
+                <a:ea typeface="Source Code Pro Medium" charset="0"/>
+                <a:cs typeface="Source Code Pro Medium" charset="0"/>
               </a:rPr>
               <a:t>Socket</a:t>
             </a:r>
             <a:r>
-              <a:rPr lang="zh-CN" altLang="en-US" b="1" dirty="0">
-                <a:latin typeface="Source Code Pro" charset="0"/>
-                <a:ea typeface="Source Code Pro" charset="0"/>
-                <a:cs typeface="Source Code Pro" charset="0"/>
-              </a:rPr>
-              <a:t>之类的长连接</a:t>
-            </a:r>
-            <a:r>
-              <a:rPr lang="zh-CN" altLang="en-US" b="1" dirty="0">
-                <a:latin typeface="Source Code Pro" charset="0"/>
-                <a:ea typeface="Source Code Pro" charset="0"/>
-                <a:cs typeface="Source Code Pro" charset="0"/>
-              </a:rPr>
-              <a:t>。</a:t>
-            </a:r>
-            <a:endParaRPr lang="en-US" altLang="zh-CN" b="1" dirty="0">
-              <a:latin typeface="Source Code Pro" charset="0"/>
-              <a:ea typeface="Source Code Pro" charset="0"/>
-              <a:cs typeface="Source Code Pro" charset="0"/>
+              <a:rPr kumimoji="1" lang="zh-CN" altLang="en-US" dirty="0">
+                <a:latin typeface="Source Code Pro Medium" charset="0"/>
+                <a:ea typeface="Source Code Pro Medium" charset="0"/>
+                <a:cs typeface="Source Code Pro Medium" charset="0"/>
+              </a:rPr>
+              <a:t>之类的长连接。</a:t>
+            </a:r>
+            <a:endParaRPr kumimoji="1" lang="en-US" altLang="zh-CN" dirty="0">
+              <a:latin typeface="Source Code Pro Medium" charset="0"/>
+              <a:ea typeface="Source Code Pro Medium" charset="0"/>
+              <a:cs typeface="Source Code Pro Medium" charset="0"/>
             </a:endParaRPr>
           </a:p>
           <a:p>
@@ -7597,10 +7582,10 @@
                 <a:spcPct val="150000"/>
               </a:lnSpc>
             </a:pPr>
-            <a:endParaRPr lang="en-US" altLang="zh-CN" b="1" dirty="0">
-              <a:latin typeface="Source Code Pro" charset="0"/>
-              <a:ea typeface="Source Code Pro" charset="0"/>
-              <a:cs typeface="Source Code Pro" charset="0"/>
+            <a:endParaRPr kumimoji="1" lang="en-US" altLang="zh-CN" dirty="0">
+              <a:latin typeface="Source Code Pro Medium" charset="0"/>
+              <a:ea typeface="Source Code Pro Medium" charset="0"/>
+              <a:cs typeface="Source Code Pro Medium" charset="0"/>
             </a:endParaRPr>
           </a:p>
           <a:p>
@@ -7610,212 +7595,124 @@
               </a:lnSpc>
             </a:pPr>
             <a:r>
-              <a:rPr lang="zh-CN" altLang="en-US" b="1" dirty="0" smtClean="0">
-                <a:latin typeface="Source Code Pro" charset="0"/>
-                <a:ea typeface="Source Code Pro" charset="0"/>
-                <a:cs typeface="Source Code Pro" charset="0"/>
+              <a:rPr kumimoji="1" lang="zh-CN" altLang="en-US" dirty="0">
+                <a:latin typeface="Source Code Pro Medium" charset="0"/>
+                <a:ea typeface="Source Code Pro Medium" charset="0"/>
+                <a:cs typeface="Source Code Pro Medium" charset="0"/>
               </a:rPr>
               <a:t>类似这种</a:t>
             </a:r>
             <a:r>
-              <a:rPr lang="en-US" altLang="zh-CN" b="1" dirty="0" smtClean="0">
-                <a:latin typeface="Source Code Pro" charset="0"/>
-                <a:ea typeface="Source Code Pro" charset="0"/>
-                <a:cs typeface="Source Code Pro" charset="0"/>
+              <a:rPr kumimoji="1" lang="en-US" altLang="zh-CN" dirty="0">
+                <a:latin typeface="Source Code Pro Medium" charset="0"/>
+                <a:ea typeface="Source Code Pro Medium" charset="0"/>
+                <a:cs typeface="Source Code Pro Medium" charset="0"/>
               </a:rPr>
               <a:t>Unix</a:t>
             </a:r>
             <a:r>
-              <a:rPr lang="zh-CN" altLang="en-US" b="1" dirty="0">
-                <a:latin typeface="Source Code Pro" charset="0"/>
-                <a:ea typeface="Source Code Pro" charset="0"/>
-                <a:cs typeface="Source Code Pro" charset="0"/>
+              <a:rPr kumimoji="1" lang="zh-CN" altLang="en-US" dirty="0">
+                <a:latin typeface="Source Code Pro Medium" charset="0"/>
+                <a:ea typeface="Source Code Pro Medium" charset="0"/>
+                <a:cs typeface="Source Code Pro Medium" charset="0"/>
               </a:rPr>
               <a:t>系统编程、网络通信编程、异步</a:t>
             </a:r>
             <a:r>
-              <a:rPr lang="en-US" altLang="zh-CN" b="1" dirty="0" err="1">
-                <a:latin typeface="Source Code Pro" charset="0"/>
-                <a:ea typeface="Source Code Pro" charset="0"/>
-                <a:cs typeface="Source Code Pro" charset="0"/>
+              <a:rPr kumimoji="1" lang="en-US" altLang="zh-CN" dirty="0" err="1">
+                <a:latin typeface="Source Code Pro Medium" charset="0"/>
+                <a:ea typeface="Source Code Pro Medium" charset="0"/>
+                <a:cs typeface="Source Code Pro Medium" charset="0"/>
               </a:rPr>
               <a:t>io</a:t>
             </a:r>
             <a:r>
-              <a:rPr lang="zh-CN" altLang="en-US" b="1" dirty="0">
-                <a:latin typeface="Source Code Pro" charset="0"/>
-                <a:ea typeface="Source Code Pro" charset="0"/>
-                <a:cs typeface="Source Code Pro" charset="0"/>
+              <a:rPr kumimoji="1" lang="zh-CN" altLang="en-US" dirty="0">
+                <a:latin typeface="Source Code Pro Medium" charset="0"/>
+                <a:ea typeface="Source Code Pro Medium" charset="0"/>
+                <a:cs typeface="Source Code Pro Medium" charset="0"/>
               </a:rPr>
               <a:t>，大部分</a:t>
             </a:r>
             <a:r>
-              <a:rPr lang="en-US" altLang="zh-CN" b="1" dirty="0" err="1">
-                <a:latin typeface="Source Code Pro" charset="0"/>
-                <a:ea typeface="Source Code Pro" charset="0"/>
-                <a:cs typeface="Source Code Pro" charset="0"/>
+              <a:rPr kumimoji="1" lang="en-US" altLang="zh-CN" dirty="0" err="1">
+                <a:latin typeface="Source Code Pro Medium" charset="0"/>
+                <a:ea typeface="Source Code Pro Medium" charset="0"/>
+                <a:cs typeface="Source Code Pro Medium" charset="0"/>
               </a:rPr>
               <a:t>PHPer</a:t>
             </a:r>
             <a:r>
-              <a:rPr lang="zh-CN" altLang="en-US" b="1" dirty="0">
-                <a:latin typeface="Source Code Pro" charset="0"/>
-                <a:ea typeface="Source Code Pro" charset="0"/>
-                <a:cs typeface="Source Code Pro" charset="0"/>
+              <a:rPr kumimoji="1" lang="zh-CN" altLang="en-US" dirty="0">
+                <a:latin typeface="Source Code Pro Medium" charset="0"/>
+                <a:ea typeface="Source Code Pro Medium" charset="0"/>
+                <a:cs typeface="Source Code Pro Medium" charset="0"/>
               </a:rPr>
               <a:t>不懂。</a:t>
             </a:r>
             <a:r>
-              <a:rPr lang="en-US" altLang="zh-CN" b="1" dirty="0">
-                <a:latin typeface="Source Code Pro" charset="0"/>
-                <a:ea typeface="Source Code Pro" charset="0"/>
-                <a:cs typeface="Source Code Pro" charset="0"/>
+              <a:rPr kumimoji="1" lang="en-US" altLang="zh-CN" dirty="0" smtClean="0">
+                <a:latin typeface="Source Code Pro Medium" charset="0"/>
+                <a:ea typeface="Source Code Pro Medium" charset="0"/>
+                <a:cs typeface="Source Code Pro Medium" charset="0"/>
               </a:rPr>
               <a:t>PHP</a:t>
             </a:r>
             <a:r>
-              <a:rPr lang="zh-CN" altLang="en-US" b="1" dirty="0">
-                <a:latin typeface="Source Code Pro" charset="0"/>
-                <a:ea typeface="Source Code Pro" charset="0"/>
-                <a:cs typeface="Source Code Pro" charset="0"/>
-              </a:rPr>
-              <a:t>界也确实没有这样的东西。</a:t>
-            </a:r>
-            <a:r>
-              <a:rPr lang="en-US" altLang="zh-CN" b="1" dirty="0" err="1">
-                <a:latin typeface="Source Code Pro" charset="0"/>
-                <a:ea typeface="Source Code Pro" charset="0"/>
-                <a:cs typeface="Source Code Pro" charset="0"/>
+              <a:rPr kumimoji="1" lang="zh-CN" altLang="en-US" dirty="0" smtClean="0">
+                <a:latin typeface="Source Code Pro Medium" charset="0"/>
+                <a:ea typeface="Source Code Pro Medium" charset="0"/>
+                <a:cs typeface="Source Code Pro Medium" charset="0"/>
+              </a:rPr>
+              <a:t>世界</a:t>
+            </a:r>
+            <a:r>
+              <a:rPr kumimoji="1" lang="zh-CN" altLang="en-US" dirty="0">
+                <a:latin typeface="Source Code Pro Medium" charset="0"/>
+                <a:ea typeface="Source Code Pro Medium" charset="0"/>
+                <a:cs typeface="Source Code Pro Medium" charset="0"/>
+              </a:rPr>
+              <a:t>也确实没有这样的东西。</a:t>
+            </a:r>
+            <a:r>
+              <a:rPr kumimoji="1" lang="en-US" altLang="zh-CN" dirty="0" err="1">
+                <a:latin typeface="Source Code Pro Medium" charset="0"/>
+                <a:ea typeface="Source Code Pro Medium" charset="0"/>
+                <a:cs typeface="Source Code Pro Medium" charset="0"/>
               </a:rPr>
               <a:t>Swoole</a:t>
             </a:r>
             <a:r>
-              <a:rPr lang="zh-CN" altLang="en-US" b="1" dirty="0">
-                <a:latin typeface="Source Code Pro" charset="0"/>
-                <a:ea typeface="Source Code Pro" charset="0"/>
-                <a:cs typeface="Source Code Pro" charset="0"/>
+              <a:rPr kumimoji="1" lang="zh-CN" altLang="en-US" dirty="0">
+                <a:latin typeface="Source Code Pro Medium" charset="0"/>
+                <a:ea typeface="Source Code Pro Medium" charset="0"/>
+                <a:cs typeface="Source Code Pro Medium" charset="0"/>
               </a:rPr>
               <a:t>开源项目就是为了弥补</a:t>
             </a:r>
             <a:r>
-              <a:rPr lang="en-US" altLang="zh-CN" b="1" dirty="0">
-                <a:latin typeface="Source Code Pro" charset="0"/>
-                <a:ea typeface="Source Code Pro" charset="0"/>
-                <a:cs typeface="Source Code Pro" charset="0"/>
+              <a:rPr kumimoji="1" lang="en-US" altLang="zh-CN" dirty="0">
+                <a:latin typeface="Source Code Pro Medium" charset="0"/>
+                <a:ea typeface="Source Code Pro Medium" charset="0"/>
+                <a:cs typeface="Source Code Pro Medium" charset="0"/>
               </a:rPr>
               <a:t>PHP</a:t>
             </a:r>
             <a:r>
-              <a:rPr lang="zh-CN" altLang="en-US" b="1" dirty="0">
-                <a:latin typeface="Source Code Pro" charset="0"/>
-                <a:ea typeface="Source Code Pro" charset="0"/>
-                <a:cs typeface="Source Code Pro" charset="0"/>
-              </a:rPr>
-              <a:t>在这些方面的缺陷诞生的。</a:t>
-            </a:r>
-            <a:r>
-              <a:rPr lang="zh-CN" altLang="en-US" b="1" dirty="0">
-                <a:latin typeface="Source Code Pro" charset="0"/>
-                <a:ea typeface="Source Code Pro" charset="0"/>
-                <a:cs typeface="Source Code Pro" charset="0"/>
-              </a:rPr>
-              <a:t>与</a:t>
-            </a:r>
-            <a:r>
-              <a:rPr lang="en-US" altLang="zh-CN" b="1" dirty="0" err="1">
-                <a:latin typeface="Source Code Pro" charset="0"/>
-                <a:ea typeface="Source Code Pro" charset="0"/>
-                <a:cs typeface="Source Code Pro" charset="0"/>
-              </a:rPr>
-              <a:t>S</a:t>
-            </a:r>
-            <a:r>
-              <a:rPr lang="en-US" altLang="zh-CN" b="1" dirty="0" err="1">
-                <a:latin typeface="Source Code Pro" charset="0"/>
-                <a:ea typeface="Source Code Pro" charset="0"/>
-                <a:cs typeface="Source Code Pro" charset="0"/>
-              </a:rPr>
-              <a:t>woole</a:t>
-            </a:r>
-            <a:r>
-              <a:rPr lang="zh-CN" altLang="en-US" b="1" dirty="0">
-                <a:latin typeface="Source Code Pro" charset="0"/>
-                <a:ea typeface="Source Code Pro" charset="0"/>
-                <a:cs typeface="Source Code Pro" charset="0"/>
-              </a:rPr>
-              <a:t>实际上是一个网络通信和异步</a:t>
-            </a:r>
-            <a:r>
-              <a:rPr lang="en-US" altLang="zh-CN" b="1" dirty="0" err="1">
-                <a:latin typeface="Source Code Pro" charset="0"/>
-                <a:ea typeface="Source Code Pro" charset="0"/>
-                <a:cs typeface="Source Code Pro" charset="0"/>
-              </a:rPr>
-              <a:t>io</a:t>
-            </a:r>
-            <a:r>
-              <a:rPr lang="zh-CN" altLang="en-US" b="1" dirty="0">
-                <a:latin typeface="Source Code Pro" charset="0"/>
-                <a:ea typeface="Source Code Pro" charset="0"/>
-                <a:cs typeface="Source Code Pro" charset="0"/>
-              </a:rPr>
-              <a:t>的引擎，一个基础</a:t>
-            </a:r>
-            <a:r>
-              <a:rPr lang="zh-CN" altLang="en-US" b="1" dirty="0">
-                <a:latin typeface="Source Code Pro" charset="0"/>
-                <a:ea typeface="Source Code Pro" charset="0"/>
-                <a:cs typeface="Source Code Pro" charset="0"/>
-              </a:rPr>
-              <a:t>库，</a:t>
-            </a:r>
-            <a:r>
-              <a:rPr lang="zh-CN" altLang="en-US" b="1" dirty="0">
-                <a:latin typeface="Source Code Pro" charset="0"/>
-                <a:ea typeface="Source Code Pro" charset="0"/>
-                <a:cs typeface="Source Code Pro" charset="0"/>
-              </a:rPr>
-              <a:t>能让</a:t>
-            </a:r>
-            <a:r>
-              <a:rPr lang="en-US" altLang="zh-CN" b="1" dirty="0">
-                <a:latin typeface="Source Code Pro" charset="0"/>
-                <a:ea typeface="Source Code Pro" charset="0"/>
-                <a:cs typeface="Source Code Pro" charset="0"/>
-              </a:rPr>
-              <a:t>PHP</a:t>
-            </a:r>
-            <a:r>
-              <a:rPr lang="zh-CN" altLang="en-US" b="1" dirty="0">
-                <a:latin typeface="Source Code Pro" charset="0"/>
-                <a:ea typeface="Source Code Pro" charset="0"/>
-                <a:cs typeface="Source Code Pro" charset="0"/>
-              </a:rPr>
-              <a:t>很好的支持异步、异步、简单的使用</a:t>
-            </a:r>
-            <a:r>
-              <a:rPr lang="en-US" altLang="zh-CN" b="1" dirty="0">
-                <a:latin typeface="Source Code Pro" charset="0"/>
-                <a:ea typeface="Source Code Pro" charset="0"/>
-                <a:cs typeface="Source Code Pro" charset="0"/>
-              </a:rPr>
-              <a:t>TCP/UDP/Socket</a:t>
-            </a:r>
-            <a:r>
-              <a:rPr lang="zh-CN" altLang="en-US" b="1" dirty="0">
-                <a:latin typeface="Source Code Pro" charset="0"/>
-                <a:ea typeface="Source Code Pro" charset="0"/>
-                <a:cs typeface="Source Code Pro" charset="0"/>
-              </a:rPr>
-              <a:t>服务</a:t>
-            </a:r>
-            <a:r>
-              <a:rPr lang="en-US" altLang="zh-CN" b="1" dirty="0">
-                <a:latin typeface="Source Code Pro" charset="0"/>
-                <a:ea typeface="Source Code Pro" charset="0"/>
-                <a:cs typeface="Source Code Pro" charset="0"/>
-              </a:rPr>
-              <a:t>.</a:t>
+              <a:rPr kumimoji="1" lang="zh-CN" altLang="en-US" dirty="0">
+                <a:latin typeface="Source Code Pro Medium" charset="0"/>
+                <a:ea typeface="Source Code Pro Medium" charset="0"/>
+                <a:cs typeface="Source Code Pro Medium" charset="0"/>
+              </a:rPr>
+              <a:t>在这些方面的缺陷诞生的</a:t>
+            </a:r>
+            <a:r>
+              <a:rPr kumimoji="1" lang="en-US" altLang="zh-CN" dirty="0">
+                <a:latin typeface="Source Code Pro Medium" charset="0"/>
+                <a:ea typeface="Source Code Pro Medium" charset="0"/>
+                <a:cs typeface="Source Code Pro Medium" charset="0"/>
+              </a:rPr>
+              <a:t>;</a:t>
             </a:r>
           </a:p>
           <a:p>
@@ -7825,105 +7722,168 @@
               </a:lnSpc>
             </a:pPr>
             <a:r>
-              <a:rPr lang="en-US" altLang="zh-CN" b="1" dirty="0" err="1">
-                <a:latin typeface="Source Code Pro" charset="0"/>
-                <a:ea typeface="Source Code Pro" charset="0"/>
-                <a:cs typeface="Source Code Pro" charset="0"/>
+              <a:rPr kumimoji="1" lang="en-US" altLang="zh-CN" dirty="0" err="1">
+                <a:latin typeface="Source Code Pro Medium" charset="0"/>
+                <a:ea typeface="Source Code Pro Medium" charset="0"/>
+                <a:cs typeface="Source Code Pro Medium" charset="0"/>
+              </a:rPr>
+              <a:t>Swoole</a:t>
+            </a:r>
+            <a:r>
+              <a:rPr kumimoji="1" lang="zh-CN" altLang="en-US" dirty="0">
+                <a:latin typeface="Source Code Pro Medium" charset="0"/>
+                <a:ea typeface="Source Code Pro Medium" charset="0"/>
+                <a:cs typeface="Source Code Pro Medium" charset="0"/>
+              </a:rPr>
+              <a:t>实际上是一个网络通信和异步</a:t>
+            </a:r>
+            <a:r>
+              <a:rPr kumimoji="1" lang="en-US" altLang="zh-CN" dirty="0" err="1">
+                <a:latin typeface="Source Code Pro Medium" charset="0"/>
+                <a:ea typeface="Source Code Pro Medium" charset="0"/>
+                <a:cs typeface="Source Code Pro Medium" charset="0"/>
+              </a:rPr>
+              <a:t>io</a:t>
+            </a:r>
+            <a:r>
+              <a:rPr kumimoji="1" lang="zh-CN" altLang="en-US" dirty="0">
+                <a:latin typeface="Source Code Pro Medium" charset="0"/>
+                <a:ea typeface="Source Code Pro Medium" charset="0"/>
+                <a:cs typeface="Source Code Pro Medium" charset="0"/>
+              </a:rPr>
+              <a:t>的引擎，一个基础库，能让</a:t>
+            </a:r>
+            <a:r>
+              <a:rPr kumimoji="1" lang="en-US" altLang="zh-CN" dirty="0">
+                <a:latin typeface="Source Code Pro Medium" charset="0"/>
+                <a:ea typeface="Source Code Pro Medium" charset="0"/>
+                <a:cs typeface="Source Code Pro Medium" charset="0"/>
+              </a:rPr>
+              <a:t>PHP</a:t>
+            </a:r>
+            <a:r>
+              <a:rPr kumimoji="1" lang="zh-CN" altLang="en-US" dirty="0">
+                <a:latin typeface="Source Code Pro Medium" charset="0"/>
+                <a:ea typeface="Source Code Pro Medium" charset="0"/>
+                <a:cs typeface="Source Code Pro Medium" charset="0"/>
+              </a:rPr>
+              <a:t>很好的支持异步、异步、简单的使用</a:t>
+            </a:r>
+            <a:r>
+              <a:rPr kumimoji="1" lang="en-US" altLang="zh-CN" dirty="0">
+                <a:latin typeface="Source Code Pro Medium" charset="0"/>
+                <a:ea typeface="Source Code Pro Medium" charset="0"/>
+                <a:cs typeface="Source Code Pro Medium" charset="0"/>
+              </a:rPr>
+              <a:t>TCP/UDP/Socket</a:t>
+            </a:r>
+            <a:r>
+              <a:rPr kumimoji="1" lang="zh-CN" altLang="en-US" dirty="0">
+                <a:latin typeface="Source Code Pro Medium" charset="0"/>
+                <a:ea typeface="Source Code Pro Medium" charset="0"/>
+                <a:cs typeface="Source Code Pro Medium" charset="0"/>
+              </a:rPr>
+              <a:t>服务</a:t>
+            </a:r>
+            <a:r>
+              <a:rPr kumimoji="1" lang="en-US" altLang="zh-CN" dirty="0">
+                <a:latin typeface="Source Code Pro Medium" charset="0"/>
+                <a:ea typeface="Source Code Pro Medium" charset="0"/>
+                <a:cs typeface="Source Code Pro Medium" charset="0"/>
+              </a:rPr>
+              <a:t>.</a:t>
+            </a:r>
+          </a:p>
+          <a:p>
+            <a:pPr>
+              <a:lnSpc>
+                <a:spcPct val="150000"/>
+              </a:lnSpc>
+            </a:pPr>
+            <a:r>
+              <a:rPr kumimoji="1" lang="en-US" altLang="zh-CN" dirty="0" err="1">
+                <a:latin typeface="Source Code Pro Medium" charset="0"/>
+                <a:ea typeface="Source Code Pro Medium" charset="0"/>
+                <a:cs typeface="Source Code Pro Medium" charset="0"/>
               </a:rPr>
               <a:t>PHPer</a:t>
             </a:r>
             <a:r>
-              <a:rPr lang="zh-CN" altLang="en-US" b="1" dirty="0">
-                <a:latin typeface="Source Code Pro" charset="0"/>
-                <a:ea typeface="Source Code Pro" charset="0"/>
-                <a:cs typeface="Source Code Pro" charset="0"/>
-              </a:rPr>
-              <a:t>可以</a:t>
-            </a:r>
-            <a:r>
-              <a:rPr lang="zh-CN" altLang="en-US" b="1" dirty="0">
-                <a:latin typeface="Source Code Pro" charset="0"/>
-                <a:ea typeface="Source Code Pro" charset="0"/>
-                <a:cs typeface="Source Code Pro" charset="0"/>
-              </a:rPr>
-              <a:t>基于</a:t>
-            </a:r>
-            <a:r>
-              <a:rPr lang="en-US" altLang="zh-CN" b="1" dirty="0" err="1">
-                <a:latin typeface="Source Code Pro" charset="0"/>
-                <a:ea typeface="Source Code Pro" charset="0"/>
-                <a:cs typeface="Source Code Pro" charset="0"/>
+              <a:rPr kumimoji="1" lang="zh-CN" altLang="en-US" dirty="0">
+                <a:latin typeface="Source Code Pro Medium" charset="0"/>
+                <a:ea typeface="Source Code Pro Medium" charset="0"/>
+                <a:cs typeface="Source Code Pro Medium" charset="0"/>
+              </a:rPr>
+              <a:t>可以基于</a:t>
+            </a:r>
+            <a:r>
+              <a:rPr kumimoji="1" lang="en-US" altLang="zh-CN" dirty="0" err="1">
+                <a:latin typeface="Source Code Pro Medium" charset="0"/>
+                <a:ea typeface="Source Code Pro Medium" charset="0"/>
+                <a:cs typeface="Source Code Pro Medium" charset="0"/>
               </a:rPr>
               <a:t>Swoole</a:t>
             </a:r>
             <a:r>
-              <a:rPr lang="zh-CN" altLang="en-US" b="1" dirty="0">
-                <a:latin typeface="Source Code Pro" charset="0"/>
-                <a:ea typeface="Source Code Pro" charset="0"/>
-                <a:cs typeface="Source Code Pro" charset="0"/>
+              <a:rPr kumimoji="1" lang="zh-CN" altLang="en-US" dirty="0">
+                <a:latin typeface="Source Code Pro Medium" charset="0"/>
+                <a:ea typeface="Source Code Pro Medium" charset="0"/>
+                <a:cs typeface="Source Code Pro Medium" charset="0"/>
               </a:rPr>
               <a:t>去实现过去</a:t>
             </a:r>
             <a:r>
-              <a:rPr lang="en-US" altLang="zh-CN" b="1" dirty="0">
-                <a:latin typeface="Source Code Pro" charset="0"/>
-                <a:ea typeface="Source Code Pro" charset="0"/>
-                <a:cs typeface="Source Code Pro" charset="0"/>
+              <a:rPr kumimoji="1" lang="en-US" altLang="zh-CN" dirty="0">
+                <a:latin typeface="Source Code Pro Medium" charset="0"/>
+                <a:ea typeface="Source Code Pro Medium" charset="0"/>
+                <a:cs typeface="Source Code Pro Medium" charset="0"/>
               </a:rPr>
               <a:t>PHP</a:t>
             </a:r>
             <a:r>
-              <a:rPr lang="zh-CN" altLang="en-US" b="1" dirty="0">
-                <a:latin typeface="Source Code Pro" charset="0"/>
-                <a:ea typeface="Source Code Pro" charset="0"/>
-                <a:cs typeface="Source Code Pro" charset="0"/>
+              <a:rPr kumimoji="1" lang="zh-CN" altLang="en-US" dirty="0">
+                <a:latin typeface="Source Code Pro Medium" charset="0"/>
+                <a:ea typeface="Source Code Pro Medium" charset="0"/>
+                <a:cs typeface="Source Code Pro Medium" charset="0"/>
               </a:rPr>
               <a:t>无法实现的功能。</a:t>
             </a:r>
             <a:r>
-              <a:rPr lang="en-US" altLang="zh-CN" b="1" dirty="0" err="1">
-                <a:latin typeface="Source Code Pro" charset="0"/>
-                <a:ea typeface="Source Code Pro" charset="0"/>
-                <a:cs typeface="Source Code Pro" charset="0"/>
+              <a:rPr kumimoji="1" lang="en-US" altLang="zh-CN" dirty="0" err="1">
+                <a:latin typeface="Source Code Pro Medium" charset="0"/>
+                <a:ea typeface="Source Code Pro Medium" charset="0"/>
+                <a:cs typeface="Source Code Pro Medium" charset="0"/>
               </a:rPr>
               <a:t>swoole</a:t>
             </a:r>
             <a:r>
-              <a:rPr lang="zh-CN" altLang="en-US" b="1" dirty="0">
-                <a:latin typeface="Source Code Pro" charset="0"/>
-                <a:ea typeface="Source Code Pro" charset="0"/>
-                <a:cs typeface="Source Code Pro" charset="0"/>
+              <a:rPr kumimoji="1" lang="zh-CN" altLang="en-US" dirty="0">
+                <a:latin typeface="Source Code Pro Medium" charset="0"/>
+                <a:ea typeface="Source Code Pro Medium" charset="0"/>
+                <a:cs typeface="Source Code Pro Medium" charset="0"/>
               </a:rPr>
               <a:t>为</a:t>
             </a:r>
             <a:r>
-              <a:rPr lang="en-US" altLang="zh-CN" b="1" dirty="0" err="1">
-                <a:latin typeface="Source Code Pro" charset="0"/>
-                <a:ea typeface="Source Code Pro" charset="0"/>
-                <a:cs typeface="Source Code Pro" charset="0"/>
+              <a:rPr kumimoji="1" lang="en-US" altLang="zh-CN" dirty="0" err="1">
+                <a:latin typeface="Source Code Pro Medium" charset="0"/>
+                <a:ea typeface="Source Code Pro Medium" charset="0"/>
+                <a:cs typeface="Source Code Pro Medium" charset="0"/>
               </a:rPr>
               <a:t>PHPer</a:t>
             </a:r>
             <a:r>
-              <a:rPr lang="zh-CN" altLang="en-US" b="1" dirty="0">
-                <a:latin typeface="Source Code Pro" charset="0"/>
-                <a:ea typeface="Source Code Pro" charset="0"/>
-                <a:cs typeface="Source Code Pro" charset="0"/>
-              </a:rPr>
-              <a:t>打开了通往另一个世界的</a:t>
-            </a:r>
-            <a:r>
-              <a:rPr lang="zh-CN" altLang="en-US" b="1" dirty="0">
-                <a:latin typeface="Source Code Pro" charset="0"/>
-                <a:ea typeface="Source Code Pro" charset="0"/>
-                <a:cs typeface="Source Code Pro" charset="0"/>
-              </a:rPr>
-              <a:t>大门</a:t>
-            </a:r>
-            <a:endParaRPr lang="en-US" altLang="zh-CN" b="1" dirty="0">
-              <a:latin typeface="Source Code Pro" charset="0"/>
-              <a:ea typeface="Source Code Pro" charset="0"/>
-              <a:cs typeface="Source Code Pro" charset="0"/>
+              <a:rPr kumimoji="1" lang="zh-CN" altLang="en-US" dirty="0">
+                <a:latin typeface="Source Code Pro Medium" charset="0"/>
+                <a:ea typeface="Source Code Pro Medium" charset="0"/>
+                <a:cs typeface="Source Code Pro Medium" charset="0"/>
+              </a:rPr>
+              <a:t>打开了通往另一个世界的大门</a:t>
+            </a:r>
+            <a:endParaRPr kumimoji="1" lang="en-US" altLang="zh-CN" dirty="0">
+              <a:latin typeface="Source Code Pro Medium" charset="0"/>
+              <a:ea typeface="Source Code Pro Medium" charset="0"/>
+              <a:cs typeface="Source Code Pro Medium" charset="0"/>
             </a:endParaRPr>
           </a:p>
         </p:txBody>
@@ -8847,11 +8807,6 @@
               </a:rPr>
               <a:t>/wiki/page/163.html</a:t>
             </a:r>
-            <a:endParaRPr kumimoji="1" lang="en-US" altLang="zh-CN" dirty="0">
-              <a:latin typeface="Source Code Pro Medium" charset="0"/>
-              <a:ea typeface="Source Code Pro Medium" charset="0"/>
-              <a:cs typeface="Source Code Pro Medium" charset="0"/>
-            </a:endParaRPr>
           </a:p>
           <a:p>
             <a:endParaRPr kumimoji="1" lang="zh-CN" altLang="en-US" dirty="0"/>
@@ -10417,15 +10372,7 @@
                 <a:ea typeface="Source Code Pro Medium" charset="0"/>
                 <a:cs typeface="Source Code Pro Medium" charset="0"/>
               </a:rPr>
-              <a:t>w</a:t>
-            </a:r>
-            <a:r>
-              <a:rPr kumimoji="1" lang="en-US" altLang="zh-CN" dirty="0" err="1" smtClean="0">
-                <a:latin typeface="Source Code Pro Medium" charset="0"/>
-                <a:ea typeface="Source Code Pro Medium" charset="0"/>
-                <a:cs typeface="Source Code Pro Medium" charset="0"/>
-              </a:rPr>
-              <a:t>ebscoket</a:t>
+              <a:t>webscoket</a:t>
             </a:r>
             <a:endParaRPr kumimoji="1" lang="en-US" altLang="zh-CN" dirty="0" smtClean="0">
               <a:latin typeface="Source Code Pro Medium" charset="0"/>
@@ -10586,6 +10533,167 @@
 </file>
 
 <file path=ppt/slides/slide8.xml><?xml version="1.0" encoding="utf-8"?>
+<p:sld xmlns:a="http://schemas.openxmlformats.org/drawingml/2006/main" xmlns:r="http://schemas.openxmlformats.org/officeDocument/2006/relationships" xmlns:p="http://schemas.openxmlformats.org/presentationml/2006/main" showMasterSp="0">
+  <p:cSld>
+    <p:spTree>
+      <p:nvGrpSpPr>
+        <p:cNvPr id="1" name=""/>
+        <p:cNvGrpSpPr/>
+        <p:nvPr/>
+      </p:nvGrpSpPr>
+      <p:grpSpPr>
+        <a:xfrm>
+          <a:off x="0" y="0"/>
+          <a:ext cx="0" cy="0"/>
+          <a:chOff x="0" y="0"/>
+          <a:chExt cx="0" cy="0"/>
+        </a:xfrm>
+      </p:grpSpPr>
+      <p:sp>
+        <p:nvSpPr>
+          <p:cNvPr id="5" name="文本框 4"/>
+          <p:cNvSpPr txBox="1"/>
+          <p:nvPr/>
+        </p:nvSpPr>
+        <p:spPr>
+          <a:xfrm>
+            <a:off x="778476" y="440678"/>
+            <a:ext cx="9562953" cy="2446824"/>
+          </a:xfrm>
+          <a:prstGeom prst="rect">
+            <a:avLst/>
+          </a:prstGeom>
+          <a:noFill/>
+        </p:spPr>
+        <p:txBody>
+          <a:bodyPr wrap="square" rtlCol="0">
+            <a:spAutoFit/>
+          </a:bodyPr>
+          <a:lstStyle/>
+          <a:p>
+            <a:pPr>
+              <a:lnSpc>
+                <a:spcPct val="150000"/>
+              </a:lnSpc>
+            </a:pPr>
+            <a:r>
+              <a:rPr kumimoji="1" lang="en-US" altLang="zh-CN" sz="2400" b="1" dirty="0" err="1">
+                <a:latin typeface="Source Code Pro Medium" panose="020B0509030403020204" pitchFamily="49" charset="0"/>
+                <a:ea typeface="Source Code Pro Medium" panose="020B0509030403020204" pitchFamily="49" charset="0"/>
+                <a:cs typeface="SimHei" charset="-122"/>
+              </a:rPr>
+              <a:t>Swoole</a:t>
+            </a:r>
+            <a:r>
+              <a:rPr kumimoji="1" lang="zh-CN" altLang="en-US" sz="2400" b="1" dirty="0">
+                <a:latin typeface="Source Code Pro Medium" panose="020B0509030403020204" pitchFamily="49" charset="0"/>
+                <a:ea typeface="SimHei" charset="-122"/>
+                <a:cs typeface="SimHei" charset="-122"/>
+              </a:rPr>
+              <a:t>的一些资料</a:t>
+            </a:r>
+            <a:endParaRPr kumimoji="1" lang="en-US" altLang="zh-CN" sz="2400" b="1" dirty="0">
+              <a:latin typeface="Source Code Pro Medium" panose="020B0509030403020204" pitchFamily="49" charset="0"/>
+              <a:ea typeface="Source Code Pro Medium" panose="020B0509030403020204" pitchFamily="49" charset="0"/>
+              <a:cs typeface="SimHei" charset="-122"/>
+            </a:endParaRPr>
+          </a:p>
+          <a:p>
+            <a:pPr>
+              <a:lnSpc>
+                <a:spcPct val="150000"/>
+              </a:lnSpc>
+            </a:pPr>
+            <a:endParaRPr kumimoji="1" lang="en-US" altLang="zh-CN" sz="2400" b="1" dirty="0">
+              <a:latin typeface="Source Code Pro Medium" panose="020B0509030403020204" pitchFamily="49" charset="0"/>
+              <a:ea typeface="Source Code Pro Medium" panose="020B0509030403020204" pitchFamily="49" charset="0"/>
+              <a:cs typeface="SimHei" charset="-122"/>
+            </a:endParaRPr>
+          </a:p>
+          <a:p>
+            <a:pPr>
+              <a:lnSpc>
+                <a:spcPct val="150000"/>
+              </a:lnSpc>
+            </a:pPr>
+            <a:r>
+              <a:rPr lang="en-US" altLang="zh-CN" dirty="0">
+                <a:latin typeface="Source Code Pro Medium" panose="020B0509030403020204" pitchFamily="49" charset="0"/>
+                <a:ea typeface="Source Code Pro Medium" panose="020B0509030403020204" pitchFamily="49" charset="0"/>
+              </a:rPr>
+              <a:t>https://wiki.swoole.com</a:t>
+            </a:r>
+            <a:br>
+              <a:rPr lang="en-US" altLang="zh-CN" dirty="0">
+                <a:latin typeface="Source Code Pro Medium" panose="020B0509030403020204" pitchFamily="49" charset="0"/>
+                <a:ea typeface="Source Code Pro Medium" panose="020B0509030403020204" pitchFamily="49" charset="0"/>
+              </a:rPr>
+            </a:br>
+            <a:r>
+              <a:rPr lang="en-US" altLang="zh-CN" dirty="0">
+                <a:latin typeface="Source Code Pro Medium" panose="020B0509030403020204" pitchFamily="49" charset="0"/>
+                <a:ea typeface="Source Code Pro Medium" panose="020B0509030403020204" pitchFamily="49" charset="0"/>
+                <a:hlinkClick r:id="rId3"/>
+              </a:rPr>
+              <a:t>https://</a:t>
+            </a:r>
+            <a:r>
+              <a:rPr lang="en-US" altLang="zh-CN" dirty="0" smtClean="0">
+                <a:latin typeface="Source Code Pro Medium" panose="020B0509030403020204" pitchFamily="49" charset="0"/>
+                <a:ea typeface="Source Code Pro Medium" panose="020B0509030403020204" pitchFamily="49" charset="0"/>
+                <a:hlinkClick r:id="rId3"/>
+              </a:rPr>
+              <a:t>www.zybuluo.com/phper/note/494239</a:t>
+            </a:r>
+            <a:endParaRPr lang="en-US" altLang="zh-CN" dirty="0" smtClean="0">
+              <a:latin typeface="Source Code Pro Medium" panose="020B0509030403020204" pitchFamily="49" charset="0"/>
+              <a:ea typeface="Source Code Pro Medium" panose="020B0509030403020204" pitchFamily="49" charset="0"/>
+            </a:endParaRPr>
+          </a:p>
+          <a:p>
+            <a:pPr>
+              <a:lnSpc>
+                <a:spcPct val="150000"/>
+              </a:lnSpc>
+            </a:pPr>
+            <a:r>
+              <a:rPr lang="en-US" altLang="zh-CN" dirty="0">
+                <a:latin typeface="Source Code Pro Medium" panose="020B0509030403020204" pitchFamily="49" charset="0"/>
+                <a:ea typeface="Source Code Pro Medium" panose="020B0509030403020204" pitchFamily="49" charset="0"/>
+              </a:rPr>
+              <a:t>http://</a:t>
+            </a:r>
+            <a:r>
+              <a:rPr lang="en-US" altLang="zh-CN" dirty="0" err="1">
+                <a:latin typeface="Source Code Pro Medium" panose="020B0509030403020204" pitchFamily="49" charset="0"/>
+                <a:ea typeface="Source Code Pro Medium" panose="020B0509030403020204" pitchFamily="49" charset="0"/>
+              </a:rPr>
+              <a:t>www.bewithyou.me</a:t>
+            </a:r>
+            <a:r>
+              <a:rPr lang="en-US" altLang="zh-CN" dirty="0">
+                <a:latin typeface="Source Code Pro Medium" panose="020B0509030403020204" pitchFamily="49" charset="0"/>
+                <a:ea typeface="Source Code Pro Medium" panose="020B0509030403020204" pitchFamily="49" charset="0"/>
+              </a:rPr>
+              <a:t>/archive/detail/65</a:t>
+            </a:r>
+          </a:p>
+        </p:txBody>
+      </p:sp>
+    </p:spTree>
+    <p:extLst>
+      <p:ext uri="{BB962C8B-B14F-4D97-AF65-F5344CB8AC3E}">
+        <p14:creationId xmlns:p14="http://schemas.microsoft.com/office/powerpoint/2010/main" val="1486162718"/>
+      </p:ext>
+    </p:extLst>
+  </p:cSld>
+  <p:clrMapOvr>
+    <a:masterClrMapping/>
+  </p:clrMapOvr>
+</p:sld>
+</file>
+
+<file path=ppt/slides/slide9.xml><?xml version="1.0" encoding="utf-8"?>
 <p:sld xmlns:a="http://schemas.openxmlformats.org/drawingml/2006/main" xmlns:r="http://schemas.openxmlformats.org/officeDocument/2006/relationships" xmlns:p="http://schemas.openxmlformats.org/presentationml/2006/main">
   <p:cSld>
     <p:spTree>
@@ -10604,143 +10712,36 @@
       </p:grpSpPr>
       <p:sp>
         <p:nvSpPr>
-          <p:cNvPr id="5" name="文本框 4"/>
-          <p:cNvSpPr txBox="1"/>
-          <p:nvPr/>
+          <p:cNvPr id="2" name="标题 1"/>
+          <p:cNvSpPr>
+            <a:spLocks noGrp="1"/>
+          </p:cNvSpPr>
+          <p:nvPr>
+            <p:ph type="ctrTitle"/>
+          </p:nvPr>
         </p:nvSpPr>
         <p:spPr>
           <a:xfrm>
-            <a:off x="778476" y="440678"/>
-            <a:ext cx="9562953" cy="2446824"/>
+            <a:off x="1751012" y="1502229"/>
+            <a:ext cx="8689976" cy="925284"/>
           </a:xfrm>
-          <a:prstGeom prst="rect">
-            <a:avLst/>
-          </a:prstGeom>
-          <a:noFill/>
         </p:spPr>
         <p:txBody>
-          <a:bodyPr wrap="square" rtlCol="0">
-            <a:spAutoFit/>
-          </a:bodyPr>
+          <a:bodyPr/>
           <a:lstStyle/>
           <a:p>
-            <a:pPr>
-              <a:lnSpc>
-                <a:spcPct val="150000"/>
-              </a:lnSpc>
-            </a:pPr>
-            <a:r>
-              <a:rPr kumimoji="1" lang="en-US" altLang="zh-CN" sz="2400" b="1" dirty="0" err="1">
-                <a:latin typeface="Source Code Pro Medium" panose="020B0509030403020204" pitchFamily="49" charset="0"/>
-                <a:ea typeface="Source Code Pro Medium" panose="020B0509030403020204" pitchFamily="49" charset="0"/>
-                <a:cs typeface="SimHei" charset="-122"/>
-              </a:rPr>
-              <a:t>Swoole</a:t>
-            </a:r>
-            <a:r>
-              <a:rPr kumimoji="1" lang="zh-CN" altLang="en-US" sz="2400" b="1" dirty="0">
-                <a:latin typeface="Source Code Pro Medium" panose="020B0509030403020204" pitchFamily="49" charset="0"/>
-                <a:ea typeface="SimHei" charset="-122"/>
-                <a:cs typeface="SimHei" charset="-122"/>
-              </a:rPr>
-              <a:t>的一些资料</a:t>
-            </a:r>
-            <a:endParaRPr kumimoji="1" lang="en-US" altLang="zh-CN" sz="2400" b="1" dirty="0">
-              <a:latin typeface="Source Code Pro Medium" panose="020B0509030403020204" pitchFamily="49" charset="0"/>
-              <a:ea typeface="Source Code Pro Medium" panose="020B0509030403020204" pitchFamily="49" charset="0"/>
-              <a:cs typeface="SimHei" charset="-122"/>
-            </a:endParaRPr>
-          </a:p>
-          <a:p>
-            <a:pPr>
-              <a:lnSpc>
-                <a:spcPct val="150000"/>
-              </a:lnSpc>
-            </a:pPr>
-            <a:endParaRPr kumimoji="1" lang="en-US" altLang="zh-CN" sz="2400" b="1" dirty="0">
-              <a:latin typeface="Source Code Pro Medium" panose="020B0509030403020204" pitchFamily="49" charset="0"/>
-              <a:ea typeface="Source Code Pro Medium" panose="020B0509030403020204" pitchFamily="49" charset="0"/>
-              <a:cs typeface="SimHei" charset="-122"/>
-            </a:endParaRPr>
-          </a:p>
-          <a:p>
-            <a:pPr>
-              <a:lnSpc>
-                <a:spcPct val="150000"/>
-              </a:lnSpc>
-            </a:pPr>
-            <a:r>
-              <a:rPr lang="en-US" altLang="zh-CN" dirty="0">
-                <a:latin typeface="Source Code Pro Medium" panose="020B0509030403020204" pitchFamily="49" charset="0"/>
-                <a:ea typeface="Source Code Pro Medium" panose="020B0509030403020204" pitchFamily="49" charset="0"/>
-              </a:rPr>
-              <a:t>https://wiki.swoole.com</a:t>
-            </a:r>
-            <a:br>
-              <a:rPr lang="en-US" altLang="zh-CN" dirty="0">
-                <a:latin typeface="Source Code Pro Medium" panose="020B0509030403020204" pitchFamily="49" charset="0"/>
-                <a:ea typeface="Source Code Pro Medium" panose="020B0509030403020204" pitchFamily="49" charset="0"/>
-              </a:rPr>
-            </a:br>
-            <a:r>
-              <a:rPr lang="en-US" altLang="zh-CN" dirty="0">
-                <a:latin typeface="Source Code Pro Medium" panose="020B0509030403020204" pitchFamily="49" charset="0"/>
-                <a:ea typeface="Source Code Pro Medium" panose="020B0509030403020204" pitchFamily="49" charset="0"/>
-                <a:hlinkClick r:id="rId3"/>
-              </a:rPr>
-              <a:t>https://</a:t>
-            </a:r>
-            <a:r>
-              <a:rPr lang="en-US" altLang="zh-CN" dirty="0" smtClean="0">
-                <a:latin typeface="Source Code Pro Medium" panose="020B0509030403020204" pitchFamily="49" charset="0"/>
-                <a:ea typeface="Source Code Pro Medium" panose="020B0509030403020204" pitchFamily="49" charset="0"/>
-                <a:hlinkClick r:id="rId3"/>
-              </a:rPr>
-              <a:t>www.zybuluo.com/phper/note/494239</a:t>
-            </a:r>
-            <a:endParaRPr lang="en-US" altLang="zh-CN" dirty="0" smtClean="0">
-              <a:latin typeface="Source Code Pro Medium" panose="020B0509030403020204" pitchFamily="49" charset="0"/>
-              <a:ea typeface="Source Code Pro Medium" panose="020B0509030403020204" pitchFamily="49" charset="0"/>
-            </a:endParaRPr>
-          </a:p>
-          <a:p>
-            <a:pPr>
-              <a:lnSpc>
-                <a:spcPct val="150000"/>
-              </a:lnSpc>
-            </a:pPr>
-            <a:r>
-              <a:rPr lang="en-US" altLang="zh-CN" dirty="0">
-                <a:latin typeface="Source Code Pro Medium" panose="020B0509030403020204" pitchFamily="49" charset="0"/>
-                <a:ea typeface="Source Code Pro Medium" panose="020B0509030403020204" pitchFamily="49" charset="0"/>
-              </a:rPr>
-              <a:t>http://</a:t>
-            </a:r>
-            <a:r>
-              <a:rPr lang="en-US" altLang="zh-CN" dirty="0" err="1">
-                <a:latin typeface="Source Code Pro Medium" panose="020B0509030403020204" pitchFamily="49" charset="0"/>
-                <a:ea typeface="Source Code Pro Medium" panose="020B0509030403020204" pitchFamily="49" charset="0"/>
-              </a:rPr>
-              <a:t>www.bewithyou.me</a:t>
-            </a:r>
-            <a:r>
-              <a:rPr lang="en-US" altLang="zh-CN" dirty="0">
-                <a:latin typeface="Source Code Pro Medium" panose="020B0509030403020204" pitchFamily="49" charset="0"/>
-                <a:ea typeface="Source Code Pro Medium" panose="020B0509030403020204" pitchFamily="49" charset="0"/>
-              </a:rPr>
-              <a:t>/archive/detail/65</a:t>
-            </a:r>
-            <a:endParaRPr lang="en-US" altLang="zh-CN" dirty="0">
-              <a:latin typeface="Source Code Pro Medium" panose="020B0509030403020204" pitchFamily="49" charset="0"/>
-              <a:ea typeface="Source Code Pro Medium" panose="020B0509030403020204" pitchFamily="49" charset="0"/>
-            </a:endParaRPr>
+            <a:r>
+              <a:rPr kumimoji="1" lang="zh-CN" altLang="en-US" dirty="0" smtClean="0"/>
+              <a:t>谢谢</a:t>
+            </a:r>
+            <a:endParaRPr kumimoji="1" lang="zh-CN" altLang="en-US" dirty="0"/>
           </a:p>
         </p:txBody>
       </p:sp>
     </p:spTree>
     <p:extLst>
       <p:ext uri="{BB962C8B-B14F-4D97-AF65-F5344CB8AC3E}">
-        <p14:creationId xmlns:p14="http://schemas.microsoft.com/office/powerpoint/2010/main" val="1486162718"/>
+        <p14:creationId xmlns:p14="http://schemas.microsoft.com/office/powerpoint/2010/main" val="14362477"/>
       </p:ext>
     </p:extLst>
   </p:cSld>
